--- a/2022.01.07/TensorFlow Lite Guide.pptx
+++ b/2022.01.07/TensorFlow Lite Guide.pptx
@@ -5,15 +5,10 @@
     <p:sldMasterId id="2147483648" r:id="rId1"/>
   </p:sldMasterIdLst>
   <p:notesMasterIdLst>
-    <p:notesMasterId r:id="rId8"/>
+    <p:notesMasterId r:id="rId3"/>
   </p:notesMasterIdLst>
   <p:sldIdLst>
     <p:sldId id="259" r:id="rId2"/>
-    <p:sldId id="261" r:id="rId3"/>
-    <p:sldId id="262" r:id="rId4"/>
-    <p:sldId id="266" r:id="rId5"/>
-    <p:sldId id="264" r:id="rId6"/>
-    <p:sldId id="265" r:id="rId7"/>
   </p:sldIdLst>
   <p:sldSz cx="12192000" cy="6858000"/>
   <p:notesSz cx="6858000" cy="9144000"/>
@@ -126,6 +121,9 @@
           </p15:clr>
         </p15:guide>
       </p15:sldGuideLst>
+    </p:ext>
+    <p:ext uri="{2D200454-40CA-4A62-9FC3-DE9A4176ACB9}">
+      <p15:notesGuideLst xmlns:p15="http://schemas.microsoft.com/office/powerpoint/2012/main"/>
     </p:ext>
   </p:extLst>
 </p:presentation>
@@ -2011,1031 +2009,6 @@
     <p:extLst>
       <p:ext uri="{BB962C8B-B14F-4D97-AF65-F5344CB8AC3E}">
         <p14:creationId xmlns:p14="http://schemas.microsoft.com/office/powerpoint/2010/main" val="2789959704"/>
-      </p:ext>
-    </p:extLst>
-  </p:cSld>
-  <p:clrMapOvr>
-    <a:masterClrMapping/>
-  </p:clrMapOvr>
-</p:sld>
-</file>
-
-<file path=ppt/slides/slide2.xml><?xml version="1.0" encoding="utf-8"?>
-<p:sld xmlns:a="http://schemas.openxmlformats.org/drawingml/2006/main" xmlns:r="http://schemas.openxmlformats.org/officeDocument/2006/relationships" xmlns:p="http://schemas.openxmlformats.org/presentationml/2006/main">
-  <p:cSld>
-    <p:spTree>
-      <p:nvGrpSpPr>
-        <p:cNvPr id="1" name=""/>
-        <p:cNvGrpSpPr/>
-        <p:nvPr/>
-      </p:nvGrpSpPr>
-      <p:grpSpPr>
-        <a:xfrm>
-          <a:off x="0" y="0"/>
-          <a:ext cx="0" cy="0"/>
-          <a:chOff x="0" y="0"/>
-          <a:chExt cx="0" cy="0"/>
-        </a:xfrm>
-      </p:grpSpPr>
-      <p:sp>
-        <p:nvSpPr>
-          <p:cNvPr id="2" name="제목 1">
-            <a:extLst>
-              <a:ext uri="{FF2B5EF4-FFF2-40B4-BE49-F238E27FC236}">
-                <a16:creationId xmlns:a16="http://schemas.microsoft.com/office/drawing/2014/main" id="{B745A299-6A65-4CD3-804B-160B423788ED}"/>
-              </a:ext>
-            </a:extLst>
-          </p:cNvPr>
-          <p:cNvSpPr>
-            <a:spLocks noGrp="1"/>
-          </p:cNvSpPr>
-          <p:nvPr>
-            <p:ph type="title"/>
-          </p:nvPr>
-        </p:nvSpPr>
-        <p:spPr/>
-        <p:txBody>
-          <a:bodyPr/>
-          <a:lstStyle/>
-          <a:p>
-            <a:r>
-              <a:rPr lang="en-US" altLang="ko-KR" dirty="0"/>
-              <a:t>Contents</a:t>
-            </a:r>
-            <a:endParaRPr lang="ko-KR" altLang="en-US" dirty="0"/>
-          </a:p>
-        </p:txBody>
-      </p:sp>
-      <p:sp>
-        <p:nvSpPr>
-          <p:cNvPr id="3" name="내용 개체 틀 2">
-            <a:extLst>
-              <a:ext uri="{FF2B5EF4-FFF2-40B4-BE49-F238E27FC236}">
-                <a16:creationId xmlns:a16="http://schemas.microsoft.com/office/drawing/2014/main" id="{8919BEAC-4330-4C95-A0B5-4B3365D2FE61}"/>
-              </a:ext>
-            </a:extLst>
-          </p:cNvPr>
-          <p:cNvSpPr>
-            <a:spLocks noGrp="1"/>
-          </p:cNvSpPr>
-          <p:nvPr>
-            <p:ph idx="1"/>
-          </p:nvPr>
-        </p:nvSpPr>
-        <p:spPr/>
-        <p:txBody>
-          <a:bodyPr/>
-          <a:lstStyle/>
-          <a:p>
-            <a:r>
-              <a:rPr lang="en-US" altLang="ko-KR" dirty="0"/>
-              <a:t>TensorFlow </a:t>
-            </a:r>
-            <a:r>
-              <a:rPr lang="en-US" altLang="ko-KR" dirty="0">
-                <a:solidFill>
-                  <a:schemeClr val="accent6">
-                    <a:lumMod val="60000"/>
-                    <a:lumOff val="40000"/>
-                  </a:schemeClr>
-                </a:solidFill>
-              </a:rPr>
-              <a:t>vs</a:t>
-            </a:r>
-            <a:r>
-              <a:rPr lang="ko-KR" altLang="en-US" dirty="0"/>
-              <a:t> </a:t>
-            </a:r>
-            <a:r>
-              <a:rPr lang="en-US" altLang="ko-KR" dirty="0"/>
-              <a:t>TensorFlow Lite</a:t>
-            </a:r>
-          </a:p>
-          <a:p>
-            <a:r>
-              <a:rPr lang="en-US" altLang="ko-KR" dirty="0">
-                <a:solidFill>
-                  <a:schemeClr val="bg1">
-                    <a:lumMod val="65000"/>
-                  </a:schemeClr>
-                </a:solidFill>
-              </a:rPr>
-              <a:t>How to Use TensorFlow Lite </a:t>
-            </a:r>
-          </a:p>
-          <a:p>
-            <a:r>
-              <a:rPr lang="en-US" altLang="ko-KR" dirty="0">
-                <a:solidFill>
-                  <a:schemeClr val="bg1">
-                    <a:lumMod val="65000"/>
-                  </a:schemeClr>
-                </a:solidFill>
-              </a:rPr>
-              <a:t>TensorFlow Lite Performance</a:t>
-            </a:r>
-            <a:endParaRPr lang="ko-KR" altLang="en-US" dirty="0">
-              <a:solidFill>
-                <a:schemeClr val="bg1">
-                  <a:lumMod val="65000"/>
-                </a:schemeClr>
-              </a:solidFill>
-            </a:endParaRPr>
-          </a:p>
-        </p:txBody>
-      </p:sp>
-      <p:sp>
-        <p:nvSpPr>
-          <p:cNvPr id="4" name="슬라이드 번호 개체 틀 3">
-            <a:extLst>
-              <a:ext uri="{FF2B5EF4-FFF2-40B4-BE49-F238E27FC236}">
-                <a16:creationId xmlns:a16="http://schemas.microsoft.com/office/drawing/2014/main" id="{FBD82214-FD57-445D-9894-C79FA35199B8}"/>
-              </a:ext>
-            </a:extLst>
-          </p:cNvPr>
-          <p:cNvSpPr>
-            <a:spLocks noGrp="1"/>
-          </p:cNvSpPr>
-          <p:nvPr>
-            <p:ph type="sldNum" sz="quarter" idx="12"/>
-          </p:nvPr>
-        </p:nvSpPr>
-        <p:spPr/>
-        <p:txBody>
-          <a:bodyPr/>
-          <a:lstStyle/>
-          <a:p>
-            <a:fld id="{5FF72CB3-86FB-4DBB-A7AC-E8F6F3DA156B}" type="slidenum">
-              <a:rPr lang="ko-KR" altLang="en-US" smtClean="0"/>
-              <a:pPr/>
-              <a:t>2</a:t>
-            </a:fld>
-            <a:endParaRPr lang="ko-KR" altLang="en-US" dirty="0"/>
-          </a:p>
-        </p:txBody>
-      </p:sp>
-      <p:sp>
-        <p:nvSpPr>
-          <p:cNvPr id="5" name="날짜 개체 틀 4">
-            <a:extLst>
-              <a:ext uri="{FF2B5EF4-FFF2-40B4-BE49-F238E27FC236}">
-                <a16:creationId xmlns:a16="http://schemas.microsoft.com/office/drawing/2014/main" id="{D252023F-F3AB-48D3-B624-294676D829B8}"/>
-              </a:ext>
-            </a:extLst>
-          </p:cNvPr>
-          <p:cNvSpPr>
-            <a:spLocks noGrp="1"/>
-          </p:cNvSpPr>
-          <p:nvPr>
-            <p:ph type="dt" sz="half" idx="10"/>
-          </p:nvPr>
-        </p:nvSpPr>
-        <p:spPr/>
-        <p:txBody>
-          <a:bodyPr/>
-          <a:lstStyle/>
-          <a:p>
-            <a:r>
-              <a:rPr lang="ko-KR" altLang="en-US"/>
-              <a:t>권철현</a:t>
-            </a:r>
-            <a:r>
-              <a:rPr lang="en-US" altLang="ko-KR"/>
-              <a:t>, </a:t>
-            </a:r>
-            <a:r>
-              <a:rPr lang="ko-KR" altLang="en-US"/>
-              <a:t>신재하</a:t>
-            </a:r>
-            <a:endParaRPr lang="ko-KR" altLang="en-US" dirty="0"/>
-          </a:p>
-        </p:txBody>
-      </p:sp>
-    </p:spTree>
-    <p:extLst>
-      <p:ext uri="{BB962C8B-B14F-4D97-AF65-F5344CB8AC3E}">
-        <p14:creationId xmlns:p14="http://schemas.microsoft.com/office/powerpoint/2010/main" val="2925703721"/>
-      </p:ext>
-    </p:extLst>
-  </p:cSld>
-  <p:clrMapOvr>
-    <a:masterClrMapping/>
-  </p:clrMapOvr>
-</p:sld>
-</file>
-
-<file path=ppt/slides/slide3.xml><?xml version="1.0" encoding="utf-8"?>
-<p:sld xmlns:a="http://schemas.openxmlformats.org/drawingml/2006/main" xmlns:r="http://schemas.openxmlformats.org/officeDocument/2006/relationships" xmlns:p="http://schemas.openxmlformats.org/presentationml/2006/main">
-  <p:cSld>
-    <p:spTree>
-      <p:nvGrpSpPr>
-        <p:cNvPr id="1" name=""/>
-        <p:cNvGrpSpPr/>
-        <p:nvPr/>
-      </p:nvGrpSpPr>
-      <p:grpSpPr>
-        <a:xfrm>
-          <a:off x="0" y="0"/>
-          <a:ext cx="0" cy="0"/>
-          <a:chOff x="0" y="0"/>
-          <a:chExt cx="0" cy="0"/>
-        </a:xfrm>
-      </p:grpSpPr>
-      <p:sp>
-        <p:nvSpPr>
-          <p:cNvPr id="2" name="제목 1">
-            <a:extLst>
-              <a:ext uri="{FF2B5EF4-FFF2-40B4-BE49-F238E27FC236}">
-                <a16:creationId xmlns:a16="http://schemas.microsoft.com/office/drawing/2014/main" id="{8107EA2C-9B41-465F-970B-88149CFE8B9D}"/>
-              </a:ext>
-            </a:extLst>
-          </p:cNvPr>
-          <p:cNvSpPr>
-            <a:spLocks noGrp="1"/>
-          </p:cNvSpPr>
-          <p:nvPr>
-            <p:ph type="title"/>
-          </p:nvPr>
-        </p:nvSpPr>
-        <p:spPr/>
-        <p:txBody>
-          <a:bodyPr/>
-          <a:lstStyle/>
-          <a:p>
-            <a:r>
-              <a:rPr lang="en-US" altLang="ko-KR" dirty="0"/>
-              <a:t>TensorFlow</a:t>
-            </a:r>
-            <a:endParaRPr lang="ko-KR" altLang="en-US" dirty="0"/>
-          </a:p>
-        </p:txBody>
-      </p:sp>
-      <p:sp>
-        <p:nvSpPr>
-          <p:cNvPr id="3" name="내용 개체 틀 2">
-            <a:extLst>
-              <a:ext uri="{FF2B5EF4-FFF2-40B4-BE49-F238E27FC236}">
-                <a16:creationId xmlns:a16="http://schemas.microsoft.com/office/drawing/2014/main" id="{5F93FA4C-1107-4284-9E4E-901C19F2D2BA}"/>
-              </a:ext>
-            </a:extLst>
-          </p:cNvPr>
-          <p:cNvSpPr>
-            <a:spLocks noGrp="1"/>
-          </p:cNvSpPr>
-          <p:nvPr>
-            <p:ph idx="1"/>
-          </p:nvPr>
-        </p:nvSpPr>
-        <p:spPr/>
-        <p:txBody>
-          <a:bodyPr/>
-          <a:lstStyle/>
-          <a:p>
-            <a:r>
-              <a:rPr lang="en-US" altLang="ko-KR" dirty="0"/>
-              <a:t>TensorFlow(TF)</a:t>
-            </a:r>
-            <a:r>
-              <a:rPr lang="ko-KR" altLang="en-US" dirty="0"/>
-              <a:t>는 머신 러닝을 위한 오픈 소스 플랫폼이다</a:t>
-            </a:r>
-            <a:r>
-              <a:rPr lang="en-US" altLang="ko-KR" dirty="0"/>
-              <a:t>.</a:t>
-            </a:r>
-          </a:p>
-          <a:p>
-            <a:r>
-              <a:rPr lang="ko-KR" altLang="en-US" dirty="0"/>
-              <a:t>다양한 추상화 수준을 제공한다</a:t>
-            </a:r>
-            <a:r>
-              <a:rPr lang="en-US" altLang="ko-KR" dirty="0"/>
-              <a:t>.</a:t>
-            </a:r>
-          </a:p>
-          <a:p>
-            <a:r>
-              <a:rPr lang="ko-KR" altLang="en-US" dirty="0"/>
-              <a:t>다양한 환경에서 머신 러닝을 지원한다</a:t>
-            </a:r>
-            <a:r>
-              <a:rPr lang="en-US" altLang="ko-KR" dirty="0"/>
-              <a:t>. </a:t>
-            </a:r>
-          </a:p>
-          <a:p>
-            <a:endParaRPr lang="ko-KR" altLang="en-US" dirty="0"/>
-          </a:p>
-        </p:txBody>
-      </p:sp>
-      <p:sp>
-        <p:nvSpPr>
-          <p:cNvPr id="4" name="슬라이드 번호 개체 틀 3">
-            <a:extLst>
-              <a:ext uri="{FF2B5EF4-FFF2-40B4-BE49-F238E27FC236}">
-                <a16:creationId xmlns:a16="http://schemas.microsoft.com/office/drawing/2014/main" id="{18AE149F-04D3-4762-ACFE-715466417029}"/>
-              </a:ext>
-            </a:extLst>
-          </p:cNvPr>
-          <p:cNvSpPr>
-            <a:spLocks noGrp="1"/>
-          </p:cNvSpPr>
-          <p:nvPr>
-            <p:ph type="sldNum" sz="quarter" idx="12"/>
-          </p:nvPr>
-        </p:nvSpPr>
-        <p:spPr/>
-        <p:txBody>
-          <a:bodyPr/>
-          <a:lstStyle/>
-          <a:p>
-            <a:fld id="{5FF72CB3-86FB-4DBB-A7AC-E8F6F3DA156B}" type="slidenum">
-              <a:rPr lang="ko-KR" altLang="en-US" smtClean="0"/>
-              <a:pPr/>
-              <a:t>3</a:t>
-            </a:fld>
-            <a:endParaRPr lang="ko-KR" altLang="en-US" dirty="0"/>
-          </a:p>
-        </p:txBody>
-      </p:sp>
-      <p:sp>
-        <p:nvSpPr>
-          <p:cNvPr id="5" name="날짜 개체 틀 4">
-            <a:extLst>
-              <a:ext uri="{FF2B5EF4-FFF2-40B4-BE49-F238E27FC236}">
-                <a16:creationId xmlns:a16="http://schemas.microsoft.com/office/drawing/2014/main" id="{1F44B3B4-EE46-42E3-8D78-B96F34F0338E}"/>
-              </a:ext>
-            </a:extLst>
-          </p:cNvPr>
-          <p:cNvSpPr>
-            <a:spLocks noGrp="1"/>
-          </p:cNvSpPr>
-          <p:nvPr>
-            <p:ph type="dt" sz="half" idx="10"/>
-          </p:nvPr>
-        </p:nvSpPr>
-        <p:spPr/>
-        <p:txBody>
-          <a:bodyPr/>
-          <a:lstStyle/>
-          <a:p>
-            <a:r>
-              <a:rPr lang="ko-KR" altLang="en-US"/>
-              <a:t>권철현</a:t>
-            </a:r>
-            <a:r>
-              <a:rPr lang="en-US" altLang="ko-KR"/>
-              <a:t>, </a:t>
-            </a:r>
-            <a:r>
-              <a:rPr lang="ko-KR" altLang="en-US"/>
-              <a:t>신재하</a:t>
-            </a:r>
-            <a:endParaRPr lang="ko-KR" altLang="en-US" dirty="0"/>
-          </a:p>
-        </p:txBody>
-      </p:sp>
-      <p:pic>
-        <p:nvPicPr>
-          <p:cNvPr id="1026" name="Picture 2" descr="TensorFlow">
-            <a:extLst>
-              <a:ext uri="{FF2B5EF4-FFF2-40B4-BE49-F238E27FC236}">
-                <a16:creationId xmlns:a16="http://schemas.microsoft.com/office/drawing/2014/main" id="{BCD21AAE-2BE1-491D-911E-47E21A861A52}"/>
-              </a:ext>
-            </a:extLst>
-          </p:cNvPr>
-          <p:cNvPicPr>
-            <a:picLocks noChangeAspect="1" noChangeArrowheads="1"/>
-          </p:cNvPicPr>
-          <p:nvPr/>
-        </p:nvPicPr>
-        <p:blipFill>
-          <a:blip r:embed="rId2">
-            <a:extLst>
-              <a:ext uri="{28A0092B-C50C-407E-A947-70E740481C1C}">
-                <a14:useLocalDpi xmlns:a14="http://schemas.microsoft.com/office/drawing/2010/main" val="0"/>
-              </a:ext>
-            </a:extLst>
-          </a:blip>
-          <a:srcRect/>
-          <a:stretch>
-            <a:fillRect/>
-          </a:stretch>
-        </p:blipFill>
-        <p:spPr bwMode="auto">
-          <a:xfrm>
-            <a:off x="7259782" y="3745587"/>
-            <a:ext cx="4932218" cy="2774373"/>
-          </a:xfrm>
-          <a:prstGeom prst="rect">
-            <a:avLst/>
-          </a:prstGeom>
-          <a:noFill/>
-          <a:extLst>
-            <a:ext uri="{909E8E84-426E-40DD-AFC4-6F175D3DCCD1}">
-              <a14:hiddenFill xmlns:a14="http://schemas.microsoft.com/office/drawing/2010/main">
-                <a:solidFill>
-                  <a:srgbClr val="FFFFFF"/>
-                </a:solidFill>
-              </a14:hiddenFill>
-            </a:ext>
-          </a:extLst>
-        </p:spPr>
-      </p:pic>
-    </p:spTree>
-    <p:extLst>
-      <p:ext uri="{BB962C8B-B14F-4D97-AF65-F5344CB8AC3E}">
-        <p14:creationId xmlns:p14="http://schemas.microsoft.com/office/powerpoint/2010/main" val="2399602790"/>
-      </p:ext>
-    </p:extLst>
-  </p:cSld>
-  <p:clrMapOvr>
-    <a:masterClrMapping/>
-  </p:clrMapOvr>
-</p:sld>
-</file>
-
-<file path=ppt/slides/slide4.xml><?xml version="1.0" encoding="utf-8"?>
-<p:sld xmlns:a="http://schemas.openxmlformats.org/drawingml/2006/main" xmlns:r="http://schemas.openxmlformats.org/officeDocument/2006/relationships" xmlns:p="http://schemas.openxmlformats.org/presentationml/2006/main">
-  <p:cSld>
-    <p:spTree>
-      <p:nvGrpSpPr>
-        <p:cNvPr id="1" name=""/>
-        <p:cNvGrpSpPr/>
-        <p:nvPr/>
-      </p:nvGrpSpPr>
-      <p:grpSpPr>
-        <a:xfrm>
-          <a:off x="0" y="0"/>
-          <a:ext cx="0" cy="0"/>
-          <a:chOff x="0" y="0"/>
-          <a:chExt cx="0" cy="0"/>
-        </a:xfrm>
-      </p:grpSpPr>
-      <p:sp>
-        <p:nvSpPr>
-          <p:cNvPr id="2" name="제목 1">
-            <a:extLst>
-              <a:ext uri="{FF2B5EF4-FFF2-40B4-BE49-F238E27FC236}">
-                <a16:creationId xmlns:a16="http://schemas.microsoft.com/office/drawing/2014/main" id="{F79FCF6C-852A-4EDA-9C49-0B0F2C33CBC3}"/>
-              </a:ext>
-            </a:extLst>
-          </p:cNvPr>
-          <p:cNvSpPr>
-            <a:spLocks noGrp="1"/>
-          </p:cNvSpPr>
-          <p:nvPr>
-            <p:ph type="title"/>
-          </p:nvPr>
-        </p:nvSpPr>
-        <p:spPr/>
-        <p:txBody>
-          <a:bodyPr/>
-          <a:lstStyle/>
-          <a:p>
-            <a:r>
-              <a:rPr lang="en-US" altLang="ko-KR" dirty="0"/>
-              <a:t>TensorFlow Lite</a:t>
-            </a:r>
-            <a:endParaRPr lang="ko-KR" altLang="en-US" dirty="0"/>
-          </a:p>
-        </p:txBody>
-      </p:sp>
-      <p:sp>
-        <p:nvSpPr>
-          <p:cNvPr id="3" name="내용 개체 틀 2">
-            <a:extLst>
-              <a:ext uri="{FF2B5EF4-FFF2-40B4-BE49-F238E27FC236}">
-                <a16:creationId xmlns:a16="http://schemas.microsoft.com/office/drawing/2014/main" id="{1DE21E9E-6CB0-46B4-BD71-8EA99E20E02B}"/>
-              </a:ext>
-            </a:extLst>
-          </p:cNvPr>
-          <p:cNvSpPr>
-            <a:spLocks noGrp="1"/>
-          </p:cNvSpPr>
-          <p:nvPr>
-            <p:ph idx="1"/>
-          </p:nvPr>
-        </p:nvSpPr>
-        <p:spPr/>
-        <p:txBody>
-          <a:bodyPr/>
-          <a:lstStyle/>
-          <a:p>
-            <a:r>
-              <a:rPr lang="en-US" altLang="ko-KR" dirty="0"/>
-              <a:t>TensorFlow Lite(TF Lite)</a:t>
-            </a:r>
-            <a:r>
-              <a:rPr lang="ko-KR" altLang="en-US" dirty="0"/>
-              <a:t>는 </a:t>
-            </a:r>
-            <a:r>
-              <a:rPr lang="en-US" altLang="ko-KR" dirty="0"/>
-              <a:t>TF</a:t>
-            </a:r>
-            <a:r>
-              <a:rPr lang="ko-KR" altLang="en-US" dirty="0"/>
-              <a:t>를 모바일</a:t>
-            </a:r>
-            <a:r>
-              <a:rPr lang="en-US" altLang="ko-KR" dirty="0"/>
-              <a:t>, IoT </a:t>
-            </a:r>
-            <a:r>
-              <a:rPr lang="ko-KR" altLang="en-US" dirty="0"/>
-              <a:t>환경 등에서 사용하기 위한 머신 러닝 프레임워크</a:t>
-            </a:r>
-            <a:endParaRPr lang="en-US" altLang="ko-KR" dirty="0"/>
-          </a:p>
-          <a:p>
-            <a:endParaRPr lang="ko-KR" altLang="en-US" dirty="0"/>
-          </a:p>
-        </p:txBody>
-      </p:sp>
-      <p:sp>
-        <p:nvSpPr>
-          <p:cNvPr id="4" name="날짜 개체 틀 3">
-            <a:extLst>
-              <a:ext uri="{FF2B5EF4-FFF2-40B4-BE49-F238E27FC236}">
-                <a16:creationId xmlns:a16="http://schemas.microsoft.com/office/drawing/2014/main" id="{9725CA35-6A26-4DDB-B436-6D66A4BFBE83}"/>
-              </a:ext>
-            </a:extLst>
-          </p:cNvPr>
-          <p:cNvSpPr>
-            <a:spLocks noGrp="1"/>
-          </p:cNvSpPr>
-          <p:nvPr>
-            <p:ph type="dt" sz="half" idx="10"/>
-          </p:nvPr>
-        </p:nvSpPr>
-        <p:spPr/>
-        <p:txBody>
-          <a:bodyPr/>
-          <a:lstStyle/>
-          <a:p>
-            <a:r>
-              <a:rPr lang="ko-KR" altLang="en-US"/>
-              <a:t>권철현</a:t>
-            </a:r>
-            <a:r>
-              <a:rPr lang="en-US" altLang="ko-KR"/>
-              <a:t>, </a:t>
-            </a:r>
-            <a:r>
-              <a:rPr lang="ko-KR" altLang="en-US"/>
-              <a:t>신재하</a:t>
-            </a:r>
-            <a:endParaRPr lang="ko-KR" altLang="en-US" dirty="0"/>
-          </a:p>
-        </p:txBody>
-      </p:sp>
-      <p:sp>
-        <p:nvSpPr>
-          <p:cNvPr id="5" name="슬라이드 번호 개체 틀 4">
-            <a:extLst>
-              <a:ext uri="{FF2B5EF4-FFF2-40B4-BE49-F238E27FC236}">
-                <a16:creationId xmlns:a16="http://schemas.microsoft.com/office/drawing/2014/main" id="{C55AC4FF-C18E-4BA3-A5E5-644F12C2A8D5}"/>
-              </a:ext>
-            </a:extLst>
-          </p:cNvPr>
-          <p:cNvSpPr>
-            <a:spLocks noGrp="1"/>
-          </p:cNvSpPr>
-          <p:nvPr>
-            <p:ph type="sldNum" sz="quarter" idx="12"/>
-          </p:nvPr>
-        </p:nvSpPr>
-        <p:spPr/>
-        <p:txBody>
-          <a:bodyPr/>
-          <a:lstStyle/>
-          <a:p>
-            <a:fld id="{5FF72CB3-86FB-4DBB-A7AC-E8F6F3DA156B}" type="slidenum">
-              <a:rPr lang="ko-KR" altLang="en-US" smtClean="0"/>
-              <a:pPr/>
-              <a:t>4</a:t>
-            </a:fld>
-            <a:endParaRPr lang="ko-KR" altLang="en-US" dirty="0"/>
-          </a:p>
-        </p:txBody>
-      </p:sp>
-      <p:pic>
-        <p:nvPicPr>
-          <p:cNvPr id="1028" name="Picture 4" descr="TensorFlow Lite | 휴대기기 및 에지 기기용 ML">
-            <a:extLst>
-              <a:ext uri="{FF2B5EF4-FFF2-40B4-BE49-F238E27FC236}">
-                <a16:creationId xmlns:a16="http://schemas.microsoft.com/office/drawing/2014/main" id="{27422808-1F18-49B0-8C8B-AAAC5722E3D3}"/>
-              </a:ext>
-            </a:extLst>
-          </p:cNvPr>
-          <p:cNvPicPr>
-            <a:picLocks noChangeAspect="1" noChangeArrowheads="1"/>
-          </p:cNvPicPr>
-          <p:nvPr/>
-        </p:nvPicPr>
-        <p:blipFill>
-          <a:blip r:embed="rId2">
-            <a:extLst>
-              <a:ext uri="{28A0092B-C50C-407E-A947-70E740481C1C}">
-                <a14:useLocalDpi xmlns:a14="http://schemas.microsoft.com/office/drawing/2010/main" val="0"/>
-              </a:ext>
-            </a:extLst>
-          </a:blip>
-          <a:srcRect/>
-          <a:stretch>
-            <a:fillRect/>
-          </a:stretch>
-        </p:blipFill>
-        <p:spPr bwMode="auto">
-          <a:xfrm>
-            <a:off x="7259782" y="3745587"/>
-            <a:ext cx="4932218" cy="2774373"/>
-          </a:xfrm>
-          <a:prstGeom prst="rect">
-            <a:avLst/>
-          </a:prstGeom>
-          <a:noFill/>
-          <a:extLst>
-            <a:ext uri="{909E8E84-426E-40DD-AFC4-6F175D3DCCD1}">
-              <a14:hiddenFill xmlns:a14="http://schemas.microsoft.com/office/drawing/2010/main">
-                <a:solidFill>
-                  <a:srgbClr val="FFFFFF"/>
-                </a:solidFill>
-              </a14:hiddenFill>
-            </a:ext>
-          </a:extLst>
-        </p:spPr>
-      </p:pic>
-    </p:spTree>
-    <p:extLst>
-      <p:ext uri="{BB962C8B-B14F-4D97-AF65-F5344CB8AC3E}">
-        <p14:creationId xmlns:p14="http://schemas.microsoft.com/office/powerpoint/2010/main" val="2978831658"/>
-      </p:ext>
-    </p:extLst>
-  </p:cSld>
-  <p:clrMapOvr>
-    <a:masterClrMapping/>
-  </p:clrMapOvr>
-</p:sld>
-</file>
-
-<file path=ppt/slides/slide5.xml><?xml version="1.0" encoding="utf-8"?>
-<p:sld xmlns:a="http://schemas.openxmlformats.org/drawingml/2006/main" xmlns:r="http://schemas.openxmlformats.org/officeDocument/2006/relationships" xmlns:p="http://schemas.openxmlformats.org/presentationml/2006/main">
-  <p:cSld>
-    <p:spTree>
-      <p:nvGrpSpPr>
-        <p:cNvPr id="1" name=""/>
-        <p:cNvGrpSpPr/>
-        <p:nvPr/>
-      </p:nvGrpSpPr>
-      <p:grpSpPr>
-        <a:xfrm>
-          <a:off x="0" y="0"/>
-          <a:ext cx="0" cy="0"/>
-          <a:chOff x="0" y="0"/>
-          <a:chExt cx="0" cy="0"/>
-        </a:xfrm>
-      </p:grpSpPr>
-      <p:sp>
-        <p:nvSpPr>
-          <p:cNvPr id="2" name="제목 1">
-            <a:extLst>
-              <a:ext uri="{FF2B5EF4-FFF2-40B4-BE49-F238E27FC236}">
-                <a16:creationId xmlns:a16="http://schemas.microsoft.com/office/drawing/2014/main" id="{B745A299-6A65-4CD3-804B-160B423788ED}"/>
-              </a:ext>
-            </a:extLst>
-          </p:cNvPr>
-          <p:cNvSpPr>
-            <a:spLocks noGrp="1"/>
-          </p:cNvSpPr>
-          <p:nvPr>
-            <p:ph type="title"/>
-          </p:nvPr>
-        </p:nvSpPr>
-        <p:spPr/>
-        <p:txBody>
-          <a:bodyPr/>
-          <a:lstStyle/>
-          <a:p>
-            <a:r>
-              <a:rPr lang="en-US" altLang="ko-KR" dirty="0"/>
-              <a:t>Contents</a:t>
-            </a:r>
-            <a:endParaRPr lang="ko-KR" altLang="en-US" dirty="0"/>
-          </a:p>
-        </p:txBody>
-      </p:sp>
-      <p:sp>
-        <p:nvSpPr>
-          <p:cNvPr id="3" name="내용 개체 틀 2">
-            <a:extLst>
-              <a:ext uri="{FF2B5EF4-FFF2-40B4-BE49-F238E27FC236}">
-                <a16:creationId xmlns:a16="http://schemas.microsoft.com/office/drawing/2014/main" id="{8919BEAC-4330-4C95-A0B5-4B3365D2FE61}"/>
-              </a:ext>
-            </a:extLst>
-          </p:cNvPr>
-          <p:cNvSpPr>
-            <a:spLocks noGrp="1"/>
-          </p:cNvSpPr>
-          <p:nvPr>
-            <p:ph idx="1"/>
-          </p:nvPr>
-        </p:nvSpPr>
-        <p:spPr/>
-        <p:txBody>
-          <a:bodyPr/>
-          <a:lstStyle/>
-          <a:p>
-            <a:r>
-              <a:rPr lang="en-US" altLang="ko-KR" dirty="0">
-                <a:solidFill>
-                  <a:schemeClr val="bg1">
-                    <a:lumMod val="65000"/>
-                  </a:schemeClr>
-                </a:solidFill>
-              </a:rPr>
-              <a:t>TensorFlow vs TensorFlow Lite</a:t>
-            </a:r>
-          </a:p>
-          <a:p>
-            <a:r>
-              <a:rPr lang="en-US" altLang="ko-KR" dirty="0"/>
-              <a:t>How to Use TensorFlow Lite </a:t>
-            </a:r>
-          </a:p>
-          <a:p>
-            <a:r>
-              <a:rPr lang="en-US" altLang="ko-KR" dirty="0">
-                <a:solidFill>
-                  <a:schemeClr val="bg1">
-                    <a:lumMod val="65000"/>
-                  </a:schemeClr>
-                </a:solidFill>
-              </a:rPr>
-              <a:t>TensorFlow Lite Performance</a:t>
-            </a:r>
-            <a:endParaRPr lang="ko-KR" altLang="en-US" dirty="0">
-              <a:solidFill>
-                <a:schemeClr val="bg1">
-                  <a:lumMod val="65000"/>
-                </a:schemeClr>
-              </a:solidFill>
-            </a:endParaRPr>
-          </a:p>
-        </p:txBody>
-      </p:sp>
-      <p:sp>
-        <p:nvSpPr>
-          <p:cNvPr id="4" name="슬라이드 번호 개체 틀 3">
-            <a:extLst>
-              <a:ext uri="{FF2B5EF4-FFF2-40B4-BE49-F238E27FC236}">
-                <a16:creationId xmlns:a16="http://schemas.microsoft.com/office/drawing/2014/main" id="{FBD82214-FD57-445D-9894-C79FA35199B8}"/>
-              </a:ext>
-            </a:extLst>
-          </p:cNvPr>
-          <p:cNvSpPr>
-            <a:spLocks noGrp="1"/>
-          </p:cNvSpPr>
-          <p:nvPr>
-            <p:ph type="sldNum" sz="quarter" idx="12"/>
-          </p:nvPr>
-        </p:nvSpPr>
-        <p:spPr/>
-        <p:txBody>
-          <a:bodyPr/>
-          <a:lstStyle/>
-          <a:p>
-            <a:fld id="{5FF72CB3-86FB-4DBB-A7AC-E8F6F3DA156B}" type="slidenum">
-              <a:rPr lang="ko-KR" altLang="en-US" smtClean="0"/>
-              <a:pPr/>
-              <a:t>5</a:t>
-            </a:fld>
-            <a:endParaRPr lang="ko-KR" altLang="en-US" dirty="0"/>
-          </a:p>
-        </p:txBody>
-      </p:sp>
-      <p:sp>
-        <p:nvSpPr>
-          <p:cNvPr id="5" name="날짜 개체 틀 4">
-            <a:extLst>
-              <a:ext uri="{FF2B5EF4-FFF2-40B4-BE49-F238E27FC236}">
-                <a16:creationId xmlns:a16="http://schemas.microsoft.com/office/drawing/2014/main" id="{D252023F-F3AB-48D3-B624-294676D829B8}"/>
-              </a:ext>
-            </a:extLst>
-          </p:cNvPr>
-          <p:cNvSpPr>
-            <a:spLocks noGrp="1"/>
-          </p:cNvSpPr>
-          <p:nvPr>
-            <p:ph type="dt" sz="half" idx="10"/>
-          </p:nvPr>
-        </p:nvSpPr>
-        <p:spPr/>
-        <p:txBody>
-          <a:bodyPr/>
-          <a:lstStyle/>
-          <a:p>
-            <a:r>
-              <a:rPr lang="ko-KR" altLang="en-US"/>
-              <a:t>권철현</a:t>
-            </a:r>
-            <a:r>
-              <a:rPr lang="en-US" altLang="ko-KR"/>
-              <a:t>, </a:t>
-            </a:r>
-            <a:r>
-              <a:rPr lang="ko-KR" altLang="en-US"/>
-              <a:t>신재하</a:t>
-            </a:r>
-            <a:endParaRPr lang="ko-KR" altLang="en-US" dirty="0"/>
-          </a:p>
-        </p:txBody>
-      </p:sp>
-    </p:spTree>
-    <p:extLst>
-      <p:ext uri="{BB962C8B-B14F-4D97-AF65-F5344CB8AC3E}">
-        <p14:creationId xmlns:p14="http://schemas.microsoft.com/office/powerpoint/2010/main" val="1836212419"/>
-      </p:ext>
-    </p:extLst>
-  </p:cSld>
-  <p:clrMapOvr>
-    <a:masterClrMapping/>
-  </p:clrMapOvr>
-</p:sld>
-</file>
-
-<file path=ppt/slides/slide6.xml><?xml version="1.0" encoding="utf-8"?>
-<p:sld xmlns:a="http://schemas.openxmlformats.org/drawingml/2006/main" xmlns:r="http://schemas.openxmlformats.org/officeDocument/2006/relationships" xmlns:p="http://schemas.openxmlformats.org/presentationml/2006/main">
-  <p:cSld>
-    <p:spTree>
-      <p:nvGrpSpPr>
-        <p:cNvPr id="1" name=""/>
-        <p:cNvGrpSpPr/>
-        <p:nvPr/>
-      </p:nvGrpSpPr>
-      <p:grpSpPr>
-        <a:xfrm>
-          <a:off x="0" y="0"/>
-          <a:ext cx="0" cy="0"/>
-          <a:chOff x="0" y="0"/>
-          <a:chExt cx="0" cy="0"/>
-        </a:xfrm>
-      </p:grpSpPr>
-      <p:sp>
-        <p:nvSpPr>
-          <p:cNvPr id="2" name="제목 1">
-            <a:extLst>
-              <a:ext uri="{FF2B5EF4-FFF2-40B4-BE49-F238E27FC236}">
-                <a16:creationId xmlns:a16="http://schemas.microsoft.com/office/drawing/2014/main" id="{B745A299-6A65-4CD3-804B-160B423788ED}"/>
-              </a:ext>
-            </a:extLst>
-          </p:cNvPr>
-          <p:cNvSpPr>
-            <a:spLocks noGrp="1"/>
-          </p:cNvSpPr>
-          <p:nvPr>
-            <p:ph type="title"/>
-          </p:nvPr>
-        </p:nvSpPr>
-        <p:spPr/>
-        <p:txBody>
-          <a:bodyPr/>
-          <a:lstStyle/>
-          <a:p>
-            <a:r>
-              <a:rPr lang="en-US" altLang="ko-KR" dirty="0"/>
-              <a:t>Contents</a:t>
-            </a:r>
-            <a:endParaRPr lang="ko-KR" altLang="en-US" dirty="0"/>
-          </a:p>
-        </p:txBody>
-      </p:sp>
-      <p:sp>
-        <p:nvSpPr>
-          <p:cNvPr id="3" name="내용 개체 틀 2">
-            <a:extLst>
-              <a:ext uri="{FF2B5EF4-FFF2-40B4-BE49-F238E27FC236}">
-                <a16:creationId xmlns:a16="http://schemas.microsoft.com/office/drawing/2014/main" id="{8919BEAC-4330-4C95-A0B5-4B3365D2FE61}"/>
-              </a:ext>
-            </a:extLst>
-          </p:cNvPr>
-          <p:cNvSpPr>
-            <a:spLocks noGrp="1"/>
-          </p:cNvSpPr>
-          <p:nvPr>
-            <p:ph idx="1"/>
-          </p:nvPr>
-        </p:nvSpPr>
-        <p:spPr/>
-        <p:txBody>
-          <a:bodyPr/>
-          <a:lstStyle/>
-          <a:p>
-            <a:r>
-              <a:rPr lang="en-US" altLang="ko-KR" dirty="0">
-                <a:solidFill>
-                  <a:schemeClr val="bg1">
-                    <a:lumMod val="65000"/>
-                  </a:schemeClr>
-                </a:solidFill>
-              </a:rPr>
-              <a:t>TensorFlow vs TensorFlow Lite</a:t>
-            </a:r>
-          </a:p>
-          <a:p>
-            <a:r>
-              <a:rPr lang="en-US" altLang="ko-KR" dirty="0">
-                <a:solidFill>
-                  <a:schemeClr val="bg1">
-                    <a:lumMod val="65000"/>
-                  </a:schemeClr>
-                </a:solidFill>
-              </a:rPr>
-              <a:t>How to Use TensorFlow Lite </a:t>
-            </a:r>
-          </a:p>
-          <a:p>
-            <a:r>
-              <a:rPr lang="en-US" altLang="ko-KR" dirty="0"/>
-              <a:t>TensorFlow Lite Performance</a:t>
-            </a:r>
-            <a:endParaRPr lang="ko-KR" altLang="en-US" dirty="0"/>
-          </a:p>
-        </p:txBody>
-      </p:sp>
-      <p:sp>
-        <p:nvSpPr>
-          <p:cNvPr id="4" name="슬라이드 번호 개체 틀 3">
-            <a:extLst>
-              <a:ext uri="{FF2B5EF4-FFF2-40B4-BE49-F238E27FC236}">
-                <a16:creationId xmlns:a16="http://schemas.microsoft.com/office/drawing/2014/main" id="{FBD82214-FD57-445D-9894-C79FA35199B8}"/>
-              </a:ext>
-            </a:extLst>
-          </p:cNvPr>
-          <p:cNvSpPr>
-            <a:spLocks noGrp="1"/>
-          </p:cNvSpPr>
-          <p:nvPr>
-            <p:ph type="sldNum" sz="quarter" idx="12"/>
-          </p:nvPr>
-        </p:nvSpPr>
-        <p:spPr/>
-        <p:txBody>
-          <a:bodyPr/>
-          <a:lstStyle/>
-          <a:p>
-            <a:fld id="{5FF72CB3-86FB-4DBB-A7AC-E8F6F3DA156B}" type="slidenum">
-              <a:rPr lang="ko-KR" altLang="en-US" smtClean="0"/>
-              <a:pPr/>
-              <a:t>6</a:t>
-            </a:fld>
-            <a:endParaRPr lang="ko-KR" altLang="en-US" dirty="0"/>
-          </a:p>
-        </p:txBody>
-      </p:sp>
-      <p:sp>
-        <p:nvSpPr>
-          <p:cNvPr id="5" name="날짜 개체 틀 4">
-            <a:extLst>
-              <a:ext uri="{FF2B5EF4-FFF2-40B4-BE49-F238E27FC236}">
-                <a16:creationId xmlns:a16="http://schemas.microsoft.com/office/drawing/2014/main" id="{D252023F-F3AB-48D3-B624-294676D829B8}"/>
-              </a:ext>
-            </a:extLst>
-          </p:cNvPr>
-          <p:cNvSpPr>
-            <a:spLocks noGrp="1"/>
-          </p:cNvSpPr>
-          <p:nvPr>
-            <p:ph type="dt" sz="half" idx="10"/>
-          </p:nvPr>
-        </p:nvSpPr>
-        <p:spPr/>
-        <p:txBody>
-          <a:bodyPr/>
-          <a:lstStyle/>
-          <a:p>
-            <a:r>
-              <a:rPr lang="ko-KR" altLang="en-US"/>
-              <a:t>권철현</a:t>
-            </a:r>
-            <a:r>
-              <a:rPr lang="en-US" altLang="ko-KR"/>
-              <a:t>, </a:t>
-            </a:r>
-            <a:r>
-              <a:rPr lang="ko-KR" altLang="en-US"/>
-              <a:t>신재하</a:t>
-            </a:r>
-            <a:endParaRPr lang="ko-KR" altLang="en-US" dirty="0"/>
-          </a:p>
-        </p:txBody>
-      </p:sp>
-    </p:spTree>
-    <p:extLst>
-      <p:ext uri="{BB962C8B-B14F-4D97-AF65-F5344CB8AC3E}">
-        <p14:creationId xmlns:p14="http://schemas.microsoft.com/office/powerpoint/2010/main" val="4279164574"/>
       </p:ext>
     </p:extLst>
   </p:cSld>

--- a/2022.01.07/TensorFlow Lite Guide.pptx
+++ b/2022.01.07/TensorFlow Lite Guide.pptx
@@ -5,10 +5,32 @@
     <p:sldMasterId id="2147483648" r:id="rId1"/>
   </p:sldMasterIdLst>
   <p:notesMasterIdLst>
-    <p:notesMasterId r:id="rId3"/>
+    <p:notesMasterId r:id="rId25"/>
   </p:notesMasterIdLst>
   <p:sldIdLst>
     <p:sldId id="259" r:id="rId2"/>
+    <p:sldId id="260" r:id="rId3"/>
+    <p:sldId id="264" r:id="rId4"/>
+    <p:sldId id="266" r:id="rId5"/>
+    <p:sldId id="268" r:id="rId6"/>
+    <p:sldId id="267" r:id="rId7"/>
+    <p:sldId id="265" r:id="rId8"/>
+    <p:sldId id="269" r:id="rId9"/>
+    <p:sldId id="262" r:id="rId10"/>
+    <p:sldId id="270" r:id="rId11"/>
+    <p:sldId id="275" r:id="rId12"/>
+    <p:sldId id="271" r:id="rId13"/>
+    <p:sldId id="272" r:id="rId14"/>
+    <p:sldId id="273" r:id="rId15"/>
+    <p:sldId id="274" r:id="rId16"/>
+    <p:sldId id="276" r:id="rId17"/>
+    <p:sldId id="277" r:id="rId18"/>
+    <p:sldId id="278" r:id="rId19"/>
+    <p:sldId id="279" r:id="rId20"/>
+    <p:sldId id="280" r:id="rId21"/>
+    <p:sldId id="263" r:id="rId22"/>
+    <p:sldId id="281" r:id="rId23"/>
+    <p:sldId id="282" r:id="rId24"/>
   </p:sldIdLst>
   <p:sldSz cx="12192000" cy="6858000"/>
   <p:notesSz cx="6858000" cy="9144000"/>
@@ -915,6 +937,7 @@
                     <a:lumMod val="75000"/>
                   </a:schemeClr>
                 </a:solidFill>
+                <a:latin typeface="Roboto Mono"/>
               </a:defRPr>
             </a:lvl1pPr>
           </a:lstStyle>
@@ -953,16 +976,28 @@
           <a:lstStyle>
             <a:lvl1pPr marL="228600" indent="-228600">
               <a:lnSpc>
-                <a:spcPct val="100000"/>
+                <a:spcPct val="150000"/>
               </a:lnSpc>
+              <a:spcBef>
+                <a:spcPts val="0"/>
+              </a:spcBef>
               <a:spcAft>
-                <a:spcPts val="1000"/>
+                <a:spcPts val="0"/>
               </a:spcAft>
               <a:buFont typeface="Wingdings" panose="05000000000000000000" pitchFamily="2" charset="2"/>
               <a:buChar char="§"/>
               <a:defRPr/>
             </a:lvl1pPr>
             <a:lvl2pPr marL="540000">
+              <a:lnSpc>
+                <a:spcPct val="150000"/>
+              </a:lnSpc>
+              <a:spcBef>
+                <a:spcPts val="0"/>
+              </a:spcBef>
+              <a:spcAft>
+                <a:spcPts val="0"/>
+              </a:spcAft>
               <a:defRPr/>
             </a:lvl2pPr>
             <a:lvl3pPr marL="1080000">
@@ -980,7 +1015,15 @@
             <a:pPr lvl="1"/>
             <a:r>
               <a:rPr lang="ko-KR" altLang="en-US" dirty="0"/>
-              <a:t>두 번째 수준</a:t>
+              <a:t>두 번째 수</a:t>
+            </a:r>
+            <a:endParaRPr lang="en-US" altLang="ko-KR" dirty="0"/>
+          </a:p>
+          <a:p>
+            <a:pPr lvl="1"/>
+            <a:r>
+              <a:rPr lang="ko-KR" altLang="en-US" dirty="0"/>
+              <a:t>준</a:t>
             </a:r>
           </a:p>
         </p:txBody>
@@ -2009,6 +2052,5508 @@
     <p:extLst>
       <p:ext uri="{BB962C8B-B14F-4D97-AF65-F5344CB8AC3E}">
         <p14:creationId xmlns:p14="http://schemas.microsoft.com/office/powerpoint/2010/main" val="2789959704"/>
+      </p:ext>
+    </p:extLst>
+  </p:cSld>
+  <p:clrMapOvr>
+    <a:masterClrMapping/>
+  </p:clrMapOvr>
+</p:sld>
+</file>
+
+<file path=ppt/slides/slide10.xml><?xml version="1.0" encoding="utf-8"?>
+<p:sld xmlns:a="http://schemas.openxmlformats.org/drawingml/2006/main" xmlns:r="http://schemas.openxmlformats.org/officeDocument/2006/relationships" xmlns:p="http://schemas.openxmlformats.org/presentationml/2006/main">
+  <p:cSld>
+    <p:spTree>
+      <p:nvGrpSpPr>
+        <p:cNvPr id="1" name=""/>
+        <p:cNvGrpSpPr/>
+        <p:nvPr/>
+      </p:nvGrpSpPr>
+      <p:grpSpPr>
+        <a:xfrm>
+          <a:off x="0" y="0"/>
+          <a:ext cx="0" cy="0"/>
+          <a:chOff x="0" y="0"/>
+          <a:chExt cx="0" cy="0"/>
+        </a:xfrm>
+      </p:grpSpPr>
+      <p:sp>
+        <p:nvSpPr>
+          <p:cNvPr id="2" name="제목 1">
+            <a:extLst>
+              <a:ext uri="{FF2B5EF4-FFF2-40B4-BE49-F238E27FC236}">
+                <a16:creationId xmlns:a16="http://schemas.microsoft.com/office/drawing/2014/main" id="{98FCA2D6-C78E-43B9-8555-B10B79F554AD}"/>
+              </a:ext>
+            </a:extLst>
+          </p:cNvPr>
+          <p:cNvSpPr>
+            <a:spLocks noGrp="1"/>
+          </p:cNvSpPr>
+          <p:nvPr>
+            <p:ph type="title"/>
+          </p:nvPr>
+        </p:nvSpPr>
+        <p:spPr/>
+        <p:txBody>
+          <a:bodyPr/>
+          <a:lstStyle/>
+          <a:p>
+            <a:r>
+              <a:rPr lang="en-US" altLang="ko-KR" dirty="0"/>
+              <a:t>Apply Model in Application</a:t>
+            </a:r>
+            <a:endParaRPr lang="ko-KR" altLang="en-US" dirty="0"/>
+          </a:p>
+        </p:txBody>
+      </p:sp>
+      <p:sp>
+        <p:nvSpPr>
+          <p:cNvPr id="3" name="내용 개체 틀 2">
+            <a:extLst>
+              <a:ext uri="{FF2B5EF4-FFF2-40B4-BE49-F238E27FC236}">
+                <a16:creationId xmlns:a16="http://schemas.microsoft.com/office/drawing/2014/main" id="{626E6832-94FF-4D72-84C1-984E9AC49D33}"/>
+              </a:ext>
+            </a:extLst>
+          </p:cNvPr>
+          <p:cNvSpPr>
+            <a:spLocks noGrp="1"/>
+          </p:cNvSpPr>
+          <p:nvPr>
+            <p:ph idx="1"/>
+          </p:nvPr>
+        </p:nvSpPr>
+        <p:spPr/>
+        <p:txBody>
+          <a:bodyPr/>
+          <a:lstStyle/>
+          <a:p>
+            <a:r>
+              <a:rPr lang="ko-KR" altLang="en-US" dirty="0"/>
+              <a:t>앞서 만든 모델을 예시 어플리케이션에 적용한다</a:t>
+            </a:r>
+            <a:r>
+              <a:rPr lang="en-US" altLang="ko-KR" dirty="0"/>
+              <a:t>.</a:t>
+            </a:r>
+          </a:p>
+          <a:p>
+            <a:r>
+              <a:rPr lang="ko-KR" altLang="en-US" dirty="0"/>
+              <a:t>예시 어플리케이션은 아래 </a:t>
+            </a:r>
+            <a:r>
+              <a:rPr lang="en-US" altLang="ko-KR" dirty="0"/>
+              <a:t>GitHub </a:t>
+            </a:r>
+            <a:r>
+              <a:rPr lang="ko-KR" altLang="en-US" dirty="0"/>
+              <a:t>에서 찾을 수 있다</a:t>
+            </a:r>
+            <a:r>
+              <a:rPr lang="en-US" altLang="ko-KR" dirty="0"/>
+              <a:t>.</a:t>
+            </a:r>
+          </a:p>
+          <a:p>
+            <a:pPr lvl="1"/>
+            <a:r>
+              <a:rPr lang="en-US" altLang="ko-KR" sz="1400" dirty="0"/>
+              <a:t>https://github.com/tensorflow/examples/tree/master/lite/codelabs/digit_classifier/android/start</a:t>
+            </a:r>
+          </a:p>
+        </p:txBody>
+      </p:sp>
+      <p:sp>
+        <p:nvSpPr>
+          <p:cNvPr id="4" name="날짜 개체 틀 3">
+            <a:extLst>
+              <a:ext uri="{FF2B5EF4-FFF2-40B4-BE49-F238E27FC236}">
+                <a16:creationId xmlns:a16="http://schemas.microsoft.com/office/drawing/2014/main" id="{CDBCD707-0667-457A-89B5-AE3E98869BDA}"/>
+              </a:ext>
+            </a:extLst>
+          </p:cNvPr>
+          <p:cNvSpPr>
+            <a:spLocks noGrp="1"/>
+          </p:cNvSpPr>
+          <p:nvPr>
+            <p:ph type="dt" sz="half" idx="10"/>
+          </p:nvPr>
+        </p:nvSpPr>
+        <p:spPr/>
+        <p:txBody>
+          <a:bodyPr/>
+          <a:lstStyle/>
+          <a:p>
+            <a:r>
+              <a:rPr lang="ko-KR" altLang="en-US"/>
+              <a:t>권철현</a:t>
+            </a:r>
+            <a:r>
+              <a:rPr lang="en-US" altLang="ko-KR"/>
+              <a:t>, </a:t>
+            </a:r>
+            <a:r>
+              <a:rPr lang="ko-KR" altLang="en-US"/>
+              <a:t>신재하</a:t>
+            </a:r>
+            <a:endParaRPr lang="ko-KR" altLang="en-US" dirty="0"/>
+          </a:p>
+        </p:txBody>
+      </p:sp>
+      <p:sp>
+        <p:nvSpPr>
+          <p:cNvPr id="5" name="슬라이드 번호 개체 틀 4">
+            <a:extLst>
+              <a:ext uri="{FF2B5EF4-FFF2-40B4-BE49-F238E27FC236}">
+                <a16:creationId xmlns:a16="http://schemas.microsoft.com/office/drawing/2014/main" id="{F6714DDF-1EB8-4762-AB04-696E1F468019}"/>
+              </a:ext>
+            </a:extLst>
+          </p:cNvPr>
+          <p:cNvSpPr>
+            <a:spLocks noGrp="1"/>
+          </p:cNvSpPr>
+          <p:nvPr>
+            <p:ph type="sldNum" sz="quarter" idx="12"/>
+          </p:nvPr>
+        </p:nvSpPr>
+        <p:spPr/>
+        <p:txBody>
+          <a:bodyPr/>
+          <a:lstStyle/>
+          <a:p>
+            <a:fld id="{5FF72CB3-86FB-4DBB-A7AC-E8F6F3DA156B}" type="slidenum">
+              <a:rPr lang="ko-KR" altLang="en-US" smtClean="0"/>
+              <a:pPr/>
+              <a:t>10</a:t>
+            </a:fld>
+            <a:endParaRPr lang="ko-KR" altLang="en-US" dirty="0"/>
+          </a:p>
+        </p:txBody>
+      </p:sp>
+      <p:pic>
+        <p:nvPicPr>
+          <p:cNvPr id="7" name="그림 6">
+            <a:extLst>
+              <a:ext uri="{FF2B5EF4-FFF2-40B4-BE49-F238E27FC236}">
+                <a16:creationId xmlns:a16="http://schemas.microsoft.com/office/drawing/2014/main" id="{03C9763A-EC08-4801-A2FE-D7552856CD68}"/>
+              </a:ext>
+            </a:extLst>
+          </p:cNvPr>
+          <p:cNvPicPr>
+            <a:picLocks noChangeAspect="1"/>
+          </p:cNvPicPr>
+          <p:nvPr/>
+        </p:nvPicPr>
+        <p:blipFill>
+          <a:blip r:embed="rId2"/>
+          <a:stretch>
+            <a:fillRect/>
+          </a:stretch>
+        </p:blipFill>
+        <p:spPr>
+          <a:xfrm>
+            <a:off x="9115865" y="444116"/>
+            <a:ext cx="2860005" cy="5890182"/>
+          </a:xfrm>
+          <a:prstGeom prst="rect">
+            <a:avLst/>
+          </a:prstGeom>
+        </p:spPr>
+      </p:pic>
+    </p:spTree>
+    <p:extLst>
+      <p:ext uri="{BB962C8B-B14F-4D97-AF65-F5344CB8AC3E}">
+        <p14:creationId xmlns:p14="http://schemas.microsoft.com/office/powerpoint/2010/main" val="1462793550"/>
+      </p:ext>
+    </p:extLst>
+  </p:cSld>
+  <p:clrMapOvr>
+    <a:masterClrMapping/>
+  </p:clrMapOvr>
+</p:sld>
+</file>
+
+<file path=ppt/slides/slide11.xml><?xml version="1.0" encoding="utf-8"?>
+<p:sld xmlns:a="http://schemas.openxmlformats.org/drawingml/2006/main" xmlns:r="http://schemas.openxmlformats.org/officeDocument/2006/relationships" xmlns:p="http://schemas.openxmlformats.org/presentationml/2006/main">
+  <p:cSld>
+    <p:spTree>
+      <p:nvGrpSpPr>
+        <p:cNvPr id="1" name=""/>
+        <p:cNvGrpSpPr/>
+        <p:nvPr/>
+      </p:nvGrpSpPr>
+      <p:grpSpPr>
+        <a:xfrm>
+          <a:off x="0" y="0"/>
+          <a:ext cx="0" cy="0"/>
+          <a:chOff x="0" y="0"/>
+          <a:chExt cx="0" cy="0"/>
+        </a:xfrm>
+      </p:grpSpPr>
+      <p:sp>
+        <p:nvSpPr>
+          <p:cNvPr id="2" name="제목 1">
+            <a:extLst>
+              <a:ext uri="{FF2B5EF4-FFF2-40B4-BE49-F238E27FC236}">
+                <a16:creationId xmlns:a16="http://schemas.microsoft.com/office/drawing/2014/main" id="{1D369978-3C9B-4871-9B22-4F98FB3D7F8B}"/>
+              </a:ext>
+            </a:extLst>
+          </p:cNvPr>
+          <p:cNvSpPr>
+            <a:spLocks noGrp="1"/>
+          </p:cNvSpPr>
+          <p:nvPr>
+            <p:ph type="title"/>
+          </p:nvPr>
+        </p:nvSpPr>
+        <p:spPr/>
+        <p:txBody>
+          <a:bodyPr/>
+          <a:lstStyle/>
+          <a:p>
+            <a:r>
+              <a:rPr lang="en-US" altLang="ko-KR" dirty="0"/>
+              <a:t>Add TF Lite Model</a:t>
+            </a:r>
+            <a:endParaRPr lang="ko-KR" altLang="en-US" dirty="0"/>
+          </a:p>
+        </p:txBody>
+      </p:sp>
+      <p:sp>
+        <p:nvSpPr>
+          <p:cNvPr id="3" name="내용 개체 틀 2">
+            <a:extLst>
+              <a:ext uri="{FF2B5EF4-FFF2-40B4-BE49-F238E27FC236}">
+                <a16:creationId xmlns:a16="http://schemas.microsoft.com/office/drawing/2014/main" id="{BBAB250F-687B-4602-B0A0-6E8B0621CFA3}"/>
+              </a:ext>
+            </a:extLst>
+          </p:cNvPr>
+          <p:cNvSpPr>
+            <a:spLocks noGrp="1"/>
+          </p:cNvSpPr>
+          <p:nvPr>
+            <p:ph idx="1"/>
+          </p:nvPr>
+        </p:nvSpPr>
+        <p:spPr/>
+        <p:txBody>
+          <a:bodyPr/>
+          <a:lstStyle/>
+          <a:p>
+            <a:r>
+              <a:rPr lang="ko-KR" altLang="en-US" dirty="0"/>
+              <a:t>앞서 생성한 </a:t>
+            </a:r>
+            <a:r>
+              <a:rPr lang="en-US" altLang="ko-KR" dirty="0" err="1"/>
+              <a:t>mnist.tflite</a:t>
+            </a:r>
+            <a:r>
+              <a:rPr lang="en-US" altLang="ko-KR" dirty="0"/>
+              <a:t> </a:t>
+            </a:r>
+            <a:r>
+              <a:rPr lang="ko-KR" altLang="en-US" dirty="0"/>
+              <a:t>파일을 어플리케이션의 </a:t>
+            </a:r>
+            <a:r>
+              <a:rPr lang="en-US" altLang="ko-KR" dirty="0"/>
+              <a:t>assets </a:t>
+            </a:r>
+            <a:r>
+              <a:rPr lang="ko-KR" altLang="en-US" dirty="0"/>
+              <a:t>폴더로 이동한다</a:t>
+            </a:r>
+            <a:r>
+              <a:rPr lang="en-US" altLang="ko-KR" dirty="0"/>
+              <a:t>.</a:t>
+            </a:r>
+            <a:endParaRPr lang="ko-KR" altLang="en-US" dirty="0"/>
+          </a:p>
+        </p:txBody>
+      </p:sp>
+      <p:sp>
+        <p:nvSpPr>
+          <p:cNvPr id="4" name="날짜 개체 틀 3">
+            <a:extLst>
+              <a:ext uri="{FF2B5EF4-FFF2-40B4-BE49-F238E27FC236}">
+                <a16:creationId xmlns:a16="http://schemas.microsoft.com/office/drawing/2014/main" id="{757952E9-8806-4069-9B39-3FB6098BE747}"/>
+              </a:ext>
+            </a:extLst>
+          </p:cNvPr>
+          <p:cNvSpPr>
+            <a:spLocks noGrp="1"/>
+          </p:cNvSpPr>
+          <p:nvPr>
+            <p:ph type="dt" sz="half" idx="10"/>
+          </p:nvPr>
+        </p:nvSpPr>
+        <p:spPr/>
+        <p:txBody>
+          <a:bodyPr/>
+          <a:lstStyle/>
+          <a:p>
+            <a:r>
+              <a:rPr lang="ko-KR" altLang="en-US"/>
+              <a:t>권철현</a:t>
+            </a:r>
+            <a:r>
+              <a:rPr lang="en-US" altLang="ko-KR"/>
+              <a:t>, </a:t>
+            </a:r>
+            <a:r>
+              <a:rPr lang="ko-KR" altLang="en-US"/>
+              <a:t>신재하</a:t>
+            </a:r>
+            <a:endParaRPr lang="ko-KR" altLang="en-US" dirty="0"/>
+          </a:p>
+        </p:txBody>
+      </p:sp>
+      <p:sp>
+        <p:nvSpPr>
+          <p:cNvPr id="5" name="슬라이드 번호 개체 틀 4">
+            <a:extLst>
+              <a:ext uri="{FF2B5EF4-FFF2-40B4-BE49-F238E27FC236}">
+                <a16:creationId xmlns:a16="http://schemas.microsoft.com/office/drawing/2014/main" id="{A0B118DC-901A-48E1-85FF-5C2AA9CE7AAE}"/>
+              </a:ext>
+            </a:extLst>
+          </p:cNvPr>
+          <p:cNvSpPr>
+            <a:spLocks noGrp="1"/>
+          </p:cNvSpPr>
+          <p:nvPr>
+            <p:ph type="sldNum" sz="quarter" idx="12"/>
+          </p:nvPr>
+        </p:nvSpPr>
+        <p:spPr/>
+        <p:txBody>
+          <a:bodyPr/>
+          <a:lstStyle/>
+          <a:p>
+            <a:fld id="{5FF72CB3-86FB-4DBB-A7AC-E8F6F3DA156B}" type="slidenum">
+              <a:rPr lang="ko-KR" altLang="en-US" smtClean="0"/>
+              <a:pPr/>
+              <a:t>11</a:t>
+            </a:fld>
+            <a:endParaRPr lang="ko-KR" altLang="en-US" dirty="0"/>
+          </a:p>
+        </p:txBody>
+      </p:sp>
+      <p:pic>
+        <p:nvPicPr>
+          <p:cNvPr id="7" name="그림 6">
+            <a:extLst>
+              <a:ext uri="{FF2B5EF4-FFF2-40B4-BE49-F238E27FC236}">
+                <a16:creationId xmlns:a16="http://schemas.microsoft.com/office/drawing/2014/main" id="{0FDD4684-5E85-4EEA-9BAD-F54453381732}"/>
+              </a:ext>
+            </a:extLst>
+          </p:cNvPr>
+          <p:cNvPicPr>
+            <a:picLocks noChangeAspect="1"/>
+          </p:cNvPicPr>
+          <p:nvPr/>
+        </p:nvPicPr>
+        <p:blipFill>
+          <a:blip r:embed="rId2"/>
+          <a:stretch>
+            <a:fillRect/>
+          </a:stretch>
+        </p:blipFill>
+        <p:spPr>
+          <a:xfrm>
+            <a:off x="527287" y="2273685"/>
+            <a:ext cx="5629247" cy="4060612"/>
+          </a:xfrm>
+          <a:prstGeom prst="rect">
+            <a:avLst/>
+          </a:prstGeom>
+        </p:spPr>
+      </p:pic>
+    </p:spTree>
+    <p:extLst>
+      <p:ext uri="{BB962C8B-B14F-4D97-AF65-F5344CB8AC3E}">
+        <p14:creationId xmlns:p14="http://schemas.microsoft.com/office/powerpoint/2010/main" val="1087981241"/>
+      </p:ext>
+    </p:extLst>
+  </p:cSld>
+  <p:clrMapOvr>
+    <a:masterClrMapping/>
+  </p:clrMapOvr>
+</p:sld>
+</file>
+
+<file path=ppt/slides/slide12.xml><?xml version="1.0" encoding="utf-8"?>
+<p:sld xmlns:a="http://schemas.openxmlformats.org/drawingml/2006/main" xmlns:r="http://schemas.openxmlformats.org/officeDocument/2006/relationships" xmlns:p="http://schemas.openxmlformats.org/presentationml/2006/main">
+  <p:cSld>
+    <p:spTree>
+      <p:nvGrpSpPr>
+        <p:cNvPr id="1" name=""/>
+        <p:cNvGrpSpPr/>
+        <p:nvPr/>
+      </p:nvGrpSpPr>
+      <p:grpSpPr>
+        <a:xfrm>
+          <a:off x="0" y="0"/>
+          <a:ext cx="0" cy="0"/>
+          <a:chOff x="0" y="0"/>
+          <a:chExt cx="0" cy="0"/>
+        </a:xfrm>
+      </p:grpSpPr>
+      <p:sp>
+        <p:nvSpPr>
+          <p:cNvPr id="2" name="제목 1">
+            <a:extLst>
+              <a:ext uri="{FF2B5EF4-FFF2-40B4-BE49-F238E27FC236}">
+                <a16:creationId xmlns:a16="http://schemas.microsoft.com/office/drawing/2014/main" id="{D2512E5C-ABAB-4C62-90E0-14CF2853E873}"/>
+              </a:ext>
+            </a:extLst>
+          </p:cNvPr>
+          <p:cNvSpPr>
+            <a:spLocks noGrp="1"/>
+          </p:cNvSpPr>
+          <p:nvPr>
+            <p:ph type="title"/>
+          </p:nvPr>
+        </p:nvSpPr>
+        <p:spPr/>
+        <p:txBody>
+          <a:bodyPr/>
+          <a:lstStyle/>
+          <a:p>
+            <a:r>
+              <a:rPr lang="en-US" altLang="ko-KR" dirty="0"/>
+              <a:t>Apply Model in Application</a:t>
+            </a:r>
+            <a:endParaRPr lang="ko-KR" altLang="en-US" dirty="0"/>
+          </a:p>
+        </p:txBody>
+      </p:sp>
+      <p:sp>
+        <p:nvSpPr>
+          <p:cNvPr id="3" name="내용 개체 틀 2">
+            <a:extLst>
+              <a:ext uri="{FF2B5EF4-FFF2-40B4-BE49-F238E27FC236}">
+                <a16:creationId xmlns:a16="http://schemas.microsoft.com/office/drawing/2014/main" id="{72AC1154-60F4-4108-B146-4B32572432F1}"/>
+              </a:ext>
+            </a:extLst>
+          </p:cNvPr>
+          <p:cNvSpPr>
+            <a:spLocks noGrp="1"/>
+          </p:cNvSpPr>
+          <p:nvPr>
+            <p:ph idx="1"/>
+          </p:nvPr>
+        </p:nvSpPr>
+        <p:spPr/>
+        <p:txBody>
+          <a:bodyPr/>
+          <a:lstStyle/>
+          <a:p>
+            <a:r>
+              <a:rPr lang="ko-KR" altLang="en-US" dirty="0"/>
+              <a:t>어플리케이션 레벨의 </a:t>
+            </a:r>
+            <a:r>
+              <a:rPr lang="en-US" altLang="ko-KR" dirty="0" err="1"/>
+              <a:t>gradle</a:t>
+            </a:r>
+            <a:r>
+              <a:rPr lang="en-US" altLang="ko-KR" dirty="0"/>
+              <a:t> </a:t>
+            </a:r>
+            <a:r>
+              <a:rPr lang="ko-KR" altLang="en-US" dirty="0"/>
+              <a:t>파일에 </a:t>
+            </a:r>
+            <a:r>
+              <a:rPr lang="en-US" altLang="ko-KR" dirty="0"/>
+              <a:t>TF Lite </a:t>
+            </a:r>
+            <a:r>
+              <a:rPr lang="ko-KR" altLang="en-US" dirty="0"/>
+              <a:t>의존성을 추가한다</a:t>
+            </a:r>
+            <a:r>
+              <a:rPr lang="en-US" altLang="ko-KR" dirty="0"/>
+              <a:t>.</a:t>
+            </a:r>
+          </a:p>
+          <a:p>
+            <a:endParaRPr lang="en-US" altLang="ko-KR" dirty="0"/>
+          </a:p>
+          <a:p>
+            <a:endParaRPr lang="en-US" altLang="ko-KR" dirty="0"/>
+          </a:p>
+          <a:p>
+            <a:r>
+              <a:rPr lang="ko-KR" altLang="en-US" dirty="0"/>
+              <a:t>어플리케이션을 </a:t>
+            </a:r>
+            <a:r>
+              <a:rPr lang="en-US" altLang="ko-KR" dirty="0"/>
+              <a:t>build</a:t>
+            </a:r>
+            <a:r>
+              <a:rPr lang="ko-KR" altLang="en-US" dirty="0"/>
+              <a:t>할 때 </a:t>
+            </a:r>
+            <a:r>
+              <a:rPr lang="en-US" altLang="ko-KR" dirty="0"/>
+              <a:t>TF </a:t>
+            </a:r>
+            <a:r>
+              <a:rPr lang="ko-KR" altLang="en-US" dirty="0"/>
+              <a:t>모델을 압축하지 않게 하기 위해 아래 옵션을 적용한다</a:t>
+            </a:r>
+            <a:r>
+              <a:rPr lang="en-US" altLang="ko-KR" dirty="0"/>
+              <a:t>.</a:t>
+            </a:r>
+          </a:p>
+          <a:p>
+            <a:endParaRPr lang="en-US" altLang="ko-KR" dirty="0"/>
+          </a:p>
+          <a:p>
+            <a:endParaRPr lang="ko-KR" altLang="en-US" dirty="0"/>
+          </a:p>
+        </p:txBody>
+      </p:sp>
+      <p:sp>
+        <p:nvSpPr>
+          <p:cNvPr id="4" name="날짜 개체 틀 3">
+            <a:extLst>
+              <a:ext uri="{FF2B5EF4-FFF2-40B4-BE49-F238E27FC236}">
+                <a16:creationId xmlns:a16="http://schemas.microsoft.com/office/drawing/2014/main" id="{FE72B896-6272-45FD-9B24-39B321B4ACFF}"/>
+              </a:ext>
+            </a:extLst>
+          </p:cNvPr>
+          <p:cNvSpPr>
+            <a:spLocks noGrp="1"/>
+          </p:cNvSpPr>
+          <p:nvPr>
+            <p:ph type="dt" sz="half" idx="10"/>
+          </p:nvPr>
+        </p:nvSpPr>
+        <p:spPr/>
+        <p:txBody>
+          <a:bodyPr/>
+          <a:lstStyle/>
+          <a:p>
+            <a:r>
+              <a:rPr lang="ko-KR" altLang="en-US"/>
+              <a:t>권철현</a:t>
+            </a:r>
+            <a:r>
+              <a:rPr lang="en-US" altLang="ko-KR"/>
+              <a:t>, </a:t>
+            </a:r>
+            <a:r>
+              <a:rPr lang="ko-KR" altLang="en-US"/>
+              <a:t>신재하</a:t>
+            </a:r>
+            <a:endParaRPr lang="ko-KR" altLang="en-US" dirty="0"/>
+          </a:p>
+        </p:txBody>
+      </p:sp>
+      <p:sp>
+        <p:nvSpPr>
+          <p:cNvPr id="5" name="슬라이드 번호 개체 틀 4">
+            <a:extLst>
+              <a:ext uri="{FF2B5EF4-FFF2-40B4-BE49-F238E27FC236}">
+                <a16:creationId xmlns:a16="http://schemas.microsoft.com/office/drawing/2014/main" id="{3F3D026A-31C5-4DC2-8ADB-330597CD6438}"/>
+              </a:ext>
+            </a:extLst>
+          </p:cNvPr>
+          <p:cNvSpPr>
+            <a:spLocks noGrp="1"/>
+          </p:cNvSpPr>
+          <p:nvPr>
+            <p:ph type="sldNum" sz="quarter" idx="12"/>
+          </p:nvPr>
+        </p:nvSpPr>
+        <p:spPr/>
+        <p:txBody>
+          <a:bodyPr/>
+          <a:lstStyle/>
+          <a:p>
+            <a:fld id="{5FF72CB3-86FB-4DBB-A7AC-E8F6F3DA156B}" type="slidenum">
+              <a:rPr lang="ko-KR" altLang="en-US" smtClean="0"/>
+              <a:pPr/>
+              <a:t>12</a:t>
+            </a:fld>
+            <a:endParaRPr lang="ko-KR" altLang="en-US" dirty="0"/>
+          </a:p>
+        </p:txBody>
+      </p:sp>
+      <p:pic>
+        <p:nvPicPr>
+          <p:cNvPr id="7" name="그림 6">
+            <a:extLst>
+              <a:ext uri="{FF2B5EF4-FFF2-40B4-BE49-F238E27FC236}">
+                <a16:creationId xmlns:a16="http://schemas.microsoft.com/office/drawing/2014/main" id="{FBD5B9DC-027A-4E1B-82AD-6950F1E20D24}"/>
+              </a:ext>
+            </a:extLst>
+          </p:cNvPr>
+          <p:cNvPicPr>
+            <a:picLocks noChangeAspect="1"/>
+          </p:cNvPicPr>
+          <p:nvPr/>
+        </p:nvPicPr>
+        <p:blipFill>
+          <a:blip r:embed="rId2"/>
+          <a:stretch>
+            <a:fillRect/>
+          </a:stretch>
+        </p:blipFill>
+        <p:spPr>
+          <a:xfrm>
+            <a:off x="425437" y="2195880"/>
+            <a:ext cx="8280759" cy="895217"/>
+          </a:xfrm>
+          <a:prstGeom prst="rect">
+            <a:avLst/>
+          </a:prstGeom>
+        </p:spPr>
+      </p:pic>
+      <p:pic>
+        <p:nvPicPr>
+          <p:cNvPr id="9" name="그림 8">
+            <a:extLst>
+              <a:ext uri="{FF2B5EF4-FFF2-40B4-BE49-F238E27FC236}">
+                <a16:creationId xmlns:a16="http://schemas.microsoft.com/office/drawing/2014/main" id="{5E7481D5-308D-4C8A-9119-BAFED54B5142}"/>
+              </a:ext>
+            </a:extLst>
+          </p:cNvPr>
+          <p:cNvPicPr>
+            <a:picLocks noChangeAspect="1"/>
+          </p:cNvPicPr>
+          <p:nvPr/>
+        </p:nvPicPr>
+        <p:blipFill rotWithShape="1">
+          <a:blip r:embed="rId3"/>
+          <a:srcRect b="6399"/>
+          <a:stretch/>
+        </p:blipFill>
+        <p:spPr>
+          <a:xfrm>
+            <a:off x="425436" y="4757916"/>
+            <a:ext cx="8330637" cy="1227469"/>
+          </a:xfrm>
+          <a:prstGeom prst="rect">
+            <a:avLst/>
+          </a:prstGeom>
+        </p:spPr>
+      </p:pic>
+    </p:spTree>
+    <p:extLst>
+      <p:ext uri="{BB962C8B-B14F-4D97-AF65-F5344CB8AC3E}">
+        <p14:creationId xmlns:p14="http://schemas.microsoft.com/office/powerpoint/2010/main" val="3996550103"/>
+      </p:ext>
+    </p:extLst>
+  </p:cSld>
+  <p:clrMapOvr>
+    <a:masterClrMapping/>
+  </p:clrMapOvr>
+</p:sld>
+</file>
+
+<file path=ppt/slides/slide13.xml><?xml version="1.0" encoding="utf-8"?>
+<p:sld xmlns:a="http://schemas.openxmlformats.org/drawingml/2006/main" xmlns:r="http://schemas.openxmlformats.org/officeDocument/2006/relationships" xmlns:p="http://schemas.openxmlformats.org/presentationml/2006/main">
+  <p:cSld>
+    <p:spTree>
+      <p:nvGrpSpPr>
+        <p:cNvPr id="1" name=""/>
+        <p:cNvGrpSpPr/>
+        <p:nvPr/>
+      </p:nvGrpSpPr>
+      <p:grpSpPr>
+        <a:xfrm>
+          <a:off x="0" y="0"/>
+          <a:ext cx="0" cy="0"/>
+          <a:chOff x="0" y="0"/>
+          <a:chExt cx="0" cy="0"/>
+        </a:xfrm>
+      </p:grpSpPr>
+      <p:sp>
+        <p:nvSpPr>
+          <p:cNvPr id="2" name="제목 1">
+            <a:extLst>
+              <a:ext uri="{FF2B5EF4-FFF2-40B4-BE49-F238E27FC236}">
+                <a16:creationId xmlns:a16="http://schemas.microsoft.com/office/drawing/2014/main" id="{D8F98047-67D4-49D0-9635-36FCF98A8C08}"/>
+              </a:ext>
+            </a:extLst>
+          </p:cNvPr>
+          <p:cNvSpPr>
+            <a:spLocks noGrp="1"/>
+          </p:cNvSpPr>
+          <p:nvPr>
+            <p:ph type="title"/>
+          </p:nvPr>
+        </p:nvSpPr>
+        <p:spPr/>
+        <p:txBody>
+          <a:bodyPr/>
+          <a:lstStyle/>
+          <a:p>
+            <a:r>
+              <a:rPr lang="en-US" altLang="ko-KR" b="0" i="0" dirty="0">
+                <a:effectLst/>
+                <a:latin typeface="+mj-lt"/>
+              </a:rPr>
+              <a:t>TensorFlow Lite Interpreter</a:t>
+            </a:r>
+            <a:endParaRPr lang="ko-KR" altLang="en-US" dirty="0">
+              <a:latin typeface="+mj-lt"/>
+            </a:endParaRPr>
+          </a:p>
+        </p:txBody>
+      </p:sp>
+      <p:sp>
+        <p:nvSpPr>
+          <p:cNvPr id="3" name="내용 개체 틀 2">
+            <a:extLst>
+              <a:ext uri="{FF2B5EF4-FFF2-40B4-BE49-F238E27FC236}">
+                <a16:creationId xmlns:a16="http://schemas.microsoft.com/office/drawing/2014/main" id="{23C5552A-2967-4C19-9E9D-0BC0F37431DB}"/>
+              </a:ext>
+            </a:extLst>
+          </p:cNvPr>
+          <p:cNvSpPr>
+            <a:spLocks noGrp="1"/>
+          </p:cNvSpPr>
+          <p:nvPr>
+            <p:ph idx="1"/>
+          </p:nvPr>
+        </p:nvSpPr>
+        <p:spPr/>
+        <p:txBody>
+          <a:bodyPr/>
+          <a:lstStyle/>
+          <a:p>
+            <a:r>
+              <a:rPr lang="en-US" altLang="ko-KR" b="0" i="0" dirty="0" err="1">
+                <a:effectLst/>
+                <a:latin typeface="Roboto Mono"/>
+              </a:rPr>
+              <a:t>org.tensorflow.lite.Interpreter</a:t>
+            </a:r>
+            <a:r>
+              <a:rPr lang="en-US" altLang="ko-KR" b="0" i="0" dirty="0">
+                <a:effectLst/>
+                <a:latin typeface="Roboto Mono"/>
+              </a:rPr>
+              <a:t> </a:t>
+            </a:r>
+            <a:r>
+              <a:rPr lang="ko-KR" altLang="en-US" b="0" i="0" dirty="0">
+                <a:effectLst/>
+                <a:latin typeface="Roboto Mono"/>
+              </a:rPr>
+              <a:t>의 </a:t>
+            </a:r>
+            <a:r>
+              <a:rPr lang="en-US" altLang="ko-KR" b="0" i="0" dirty="0">
+                <a:effectLst/>
+                <a:latin typeface="Roboto Mono"/>
+              </a:rPr>
+              <a:t>Interpreter</a:t>
+            </a:r>
+            <a:r>
+              <a:rPr lang="ko-KR" altLang="en-US" b="0" i="0" dirty="0">
+                <a:effectLst/>
+                <a:latin typeface="Roboto Mono"/>
+              </a:rPr>
+              <a:t>는 모바일에서 </a:t>
+            </a:r>
+            <a:r>
+              <a:rPr lang="en-US" altLang="ko-KR" b="0" i="0" dirty="0">
+                <a:effectLst/>
+                <a:latin typeface="Roboto Mono"/>
+              </a:rPr>
+              <a:t>TF Lite </a:t>
+            </a:r>
+            <a:r>
+              <a:rPr lang="ko-KR" altLang="en-US" b="0" i="0" dirty="0">
+                <a:effectLst/>
+                <a:latin typeface="Roboto Mono"/>
+              </a:rPr>
+              <a:t>모델을 사용할 수 있게 하는 클래스이다</a:t>
+            </a:r>
+            <a:r>
+              <a:rPr lang="en-US" altLang="ko-KR" b="0" i="0" dirty="0">
+                <a:effectLst/>
+                <a:latin typeface="Roboto Mono"/>
+              </a:rPr>
+              <a:t>.</a:t>
+            </a:r>
+          </a:p>
+          <a:p>
+            <a:r>
+              <a:rPr lang="ko-KR" altLang="en-US" b="0" i="0" dirty="0">
+                <a:effectLst/>
+                <a:latin typeface="Roboto Mono"/>
+              </a:rPr>
+              <a:t> 예제 프로그램의 </a:t>
+            </a:r>
+            <a:r>
+              <a:rPr lang="en-US" altLang="ko-KR" b="0" i="0" dirty="0" err="1">
+                <a:effectLst/>
+                <a:latin typeface="Roboto Mono"/>
+              </a:rPr>
+              <a:t>DigitClassifier</a:t>
+            </a:r>
+            <a:r>
+              <a:rPr lang="en-US" altLang="ko-KR" b="0" i="0" dirty="0">
+                <a:effectLst/>
+                <a:latin typeface="Roboto Mono"/>
+              </a:rPr>
+              <a:t> </a:t>
+            </a:r>
+            <a:r>
+              <a:rPr lang="ko-KR" altLang="en-US" b="0" i="0" dirty="0">
+                <a:effectLst/>
+                <a:latin typeface="Roboto Mono"/>
+              </a:rPr>
+              <a:t>클래스에 </a:t>
+            </a:r>
+            <a:r>
+              <a:rPr lang="en-US" altLang="ko-KR" b="0" i="0" dirty="0">
+                <a:effectLst/>
+                <a:latin typeface="Roboto Mono"/>
+              </a:rPr>
+              <a:t>Interpreter</a:t>
+            </a:r>
+            <a:r>
+              <a:rPr lang="ko-KR" altLang="en-US" b="0" i="0" dirty="0">
+                <a:effectLst/>
+                <a:latin typeface="Roboto Mono"/>
+              </a:rPr>
+              <a:t>를 추가한다</a:t>
+            </a:r>
+            <a:r>
+              <a:rPr lang="en-US" altLang="ko-KR" b="0" i="0" dirty="0">
+                <a:effectLst/>
+                <a:latin typeface="Roboto Mono"/>
+              </a:rPr>
+              <a:t>.</a:t>
+            </a:r>
+            <a:endParaRPr lang="ko-KR" altLang="en-US" dirty="0"/>
+          </a:p>
+        </p:txBody>
+      </p:sp>
+      <p:sp>
+        <p:nvSpPr>
+          <p:cNvPr id="4" name="날짜 개체 틀 3">
+            <a:extLst>
+              <a:ext uri="{FF2B5EF4-FFF2-40B4-BE49-F238E27FC236}">
+                <a16:creationId xmlns:a16="http://schemas.microsoft.com/office/drawing/2014/main" id="{E12482BF-0900-4464-9CF7-EFFA192F5E55}"/>
+              </a:ext>
+            </a:extLst>
+          </p:cNvPr>
+          <p:cNvSpPr>
+            <a:spLocks noGrp="1"/>
+          </p:cNvSpPr>
+          <p:nvPr>
+            <p:ph type="dt" sz="half" idx="10"/>
+          </p:nvPr>
+        </p:nvSpPr>
+        <p:spPr/>
+        <p:txBody>
+          <a:bodyPr/>
+          <a:lstStyle/>
+          <a:p>
+            <a:r>
+              <a:rPr lang="ko-KR" altLang="en-US"/>
+              <a:t>권철현</a:t>
+            </a:r>
+            <a:r>
+              <a:rPr lang="en-US" altLang="ko-KR"/>
+              <a:t>, </a:t>
+            </a:r>
+            <a:r>
+              <a:rPr lang="ko-KR" altLang="en-US"/>
+              <a:t>신재하</a:t>
+            </a:r>
+            <a:endParaRPr lang="ko-KR" altLang="en-US" dirty="0"/>
+          </a:p>
+        </p:txBody>
+      </p:sp>
+      <p:sp>
+        <p:nvSpPr>
+          <p:cNvPr id="5" name="슬라이드 번호 개체 틀 4">
+            <a:extLst>
+              <a:ext uri="{FF2B5EF4-FFF2-40B4-BE49-F238E27FC236}">
+                <a16:creationId xmlns:a16="http://schemas.microsoft.com/office/drawing/2014/main" id="{441DC2FF-D8D8-4E63-9499-D47219157206}"/>
+              </a:ext>
+            </a:extLst>
+          </p:cNvPr>
+          <p:cNvSpPr>
+            <a:spLocks noGrp="1"/>
+          </p:cNvSpPr>
+          <p:nvPr>
+            <p:ph type="sldNum" sz="quarter" idx="12"/>
+          </p:nvPr>
+        </p:nvSpPr>
+        <p:spPr/>
+        <p:txBody>
+          <a:bodyPr/>
+          <a:lstStyle/>
+          <a:p>
+            <a:fld id="{5FF72CB3-86FB-4DBB-A7AC-E8F6F3DA156B}" type="slidenum">
+              <a:rPr lang="ko-KR" altLang="en-US" smtClean="0"/>
+              <a:pPr/>
+              <a:t>13</a:t>
+            </a:fld>
+            <a:endParaRPr lang="ko-KR" altLang="en-US" dirty="0"/>
+          </a:p>
+        </p:txBody>
+      </p:sp>
+      <p:pic>
+        <p:nvPicPr>
+          <p:cNvPr id="7" name="그림 6">
+            <a:extLst>
+              <a:ext uri="{FF2B5EF4-FFF2-40B4-BE49-F238E27FC236}">
+                <a16:creationId xmlns:a16="http://schemas.microsoft.com/office/drawing/2014/main" id="{B6E7B7C6-50CF-48EB-8691-F61784C7E92A}"/>
+              </a:ext>
+            </a:extLst>
+          </p:cNvPr>
+          <p:cNvPicPr>
+            <a:picLocks noChangeAspect="1"/>
+          </p:cNvPicPr>
+          <p:nvPr/>
+        </p:nvPicPr>
+        <p:blipFill>
+          <a:blip r:embed="rId2"/>
+          <a:stretch>
+            <a:fillRect/>
+          </a:stretch>
+        </p:blipFill>
+        <p:spPr>
+          <a:xfrm>
+            <a:off x="497499" y="3591794"/>
+            <a:ext cx="11206117" cy="1986046"/>
+          </a:xfrm>
+          <a:prstGeom prst="rect">
+            <a:avLst/>
+          </a:prstGeom>
+        </p:spPr>
+      </p:pic>
+    </p:spTree>
+    <p:extLst>
+      <p:ext uri="{BB962C8B-B14F-4D97-AF65-F5344CB8AC3E}">
+        <p14:creationId xmlns:p14="http://schemas.microsoft.com/office/powerpoint/2010/main" val="227867661"/>
+      </p:ext>
+    </p:extLst>
+  </p:cSld>
+  <p:clrMapOvr>
+    <a:masterClrMapping/>
+  </p:clrMapOvr>
+</p:sld>
+</file>
+
+<file path=ppt/slides/slide14.xml><?xml version="1.0" encoding="utf-8"?>
+<p:sld xmlns:a="http://schemas.openxmlformats.org/drawingml/2006/main" xmlns:r="http://schemas.openxmlformats.org/officeDocument/2006/relationships" xmlns:p="http://schemas.openxmlformats.org/presentationml/2006/main">
+  <p:cSld>
+    <p:spTree>
+      <p:nvGrpSpPr>
+        <p:cNvPr id="1" name=""/>
+        <p:cNvGrpSpPr/>
+        <p:nvPr/>
+      </p:nvGrpSpPr>
+      <p:grpSpPr>
+        <a:xfrm>
+          <a:off x="0" y="0"/>
+          <a:ext cx="0" cy="0"/>
+          <a:chOff x="0" y="0"/>
+          <a:chExt cx="0" cy="0"/>
+        </a:xfrm>
+      </p:grpSpPr>
+      <p:sp>
+        <p:nvSpPr>
+          <p:cNvPr id="2" name="제목 1">
+            <a:extLst>
+              <a:ext uri="{FF2B5EF4-FFF2-40B4-BE49-F238E27FC236}">
+                <a16:creationId xmlns:a16="http://schemas.microsoft.com/office/drawing/2014/main" id="{DA16BAF8-7C3B-4CAD-A0EB-DA7AE90C5514}"/>
+              </a:ext>
+            </a:extLst>
+          </p:cNvPr>
+          <p:cNvSpPr>
+            <a:spLocks noGrp="1"/>
+          </p:cNvSpPr>
+          <p:nvPr>
+            <p:ph type="title"/>
+          </p:nvPr>
+        </p:nvSpPr>
+        <p:spPr/>
+        <p:txBody>
+          <a:bodyPr/>
+          <a:lstStyle/>
+          <a:p>
+            <a:r>
+              <a:rPr lang="en-US" altLang="ko-KR" dirty="0"/>
+              <a:t>Initialize Interpreter</a:t>
+            </a:r>
+            <a:endParaRPr lang="ko-KR" altLang="en-US" dirty="0"/>
+          </a:p>
+        </p:txBody>
+      </p:sp>
+      <p:sp>
+        <p:nvSpPr>
+          <p:cNvPr id="3" name="내용 개체 틀 2">
+            <a:extLst>
+              <a:ext uri="{FF2B5EF4-FFF2-40B4-BE49-F238E27FC236}">
+                <a16:creationId xmlns:a16="http://schemas.microsoft.com/office/drawing/2014/main" id="{9756CF67-9F26-4533-B8FA-03BEDC45AD82}"/>
+              </a:ext>
+            </a:extLst>
+          </p:cNvPr>
+          <p:cNvSpPr>
+            <a:spLocks noGrp="1"/>
+          </p:cNvSpPr>
+          <p:nvPr>
+            <p:ph idx="1"/>
+          </p:nvPr>
+        </p:nvSpPr>
+        <p:spPr/>
+        <p:txBody>
+          <a:bodyPr/>
+          <a:lstStyle/>
+          <a:p>
+            <a:r>
+              <a:rPr lang="en-US" altLang="ko-KR" dirty="0"/>
+              <a:t>TF Lite </a:t>
+            </a:r>
+            <a:r>
+              <a:rPr lang="ko-KR" altLang="en-US" dirty="0"/>
+              <a:t>모델을 불러들여 </a:t>
+            </a:r>
+            <a:r>
+              <a:rPr lang="en-US" altLang="ko-KR" dirty="0"/>
+              <a:t>Interpreter </a:t>
+            </a:r>
+            <a:r>
+              <a:rPr lang="ko-KR" altLang="en-US" dirty="0"/>
+              <a:t>를 초기화 하기 위해 </a:t>
+            </a:r>
+            <a:r>
+              <a:rPr lang="en-US" altLang="ko-KR" dirty="0" err="1"/>
+              <a:t>initializeInterpreter</a:t>
+            </a:r>
+            <a:r>
+              <a:rPr lang="en-US" altLang="ko-KR" dirty="0"/>
+              <a:t>()</a:t>
+            </a:r>
+            <a:r>
+              <a:rPr lang="ko-KR" altLang="en-US" dirty="0"/>
+              <a:t>메소드 내부에 아래의 코드를 작성한다</a:t>
+            </a:r>
+            <a:r>
+              <a:rPr lang="en-US" altLang="ko-KR" dirty="0"/>
+              <a:t>.</a:t>
+            </a:r>
+          </a:p>
+          <a:p>
+            <a:endParaRPr lang="en-US" altLang="ko-KR" dirty="0"/>
+          </a:p>
+        </p:txBody>
+      </p:sp>
+      <p:sp>
+        <p:nvSpPr>
+          <p:cNvPr id="4" name="날짜 개체 틀 3">
+            <a:extLst>
+              <a:ext uri="{FF2B5EF4-FFF2-40B4-BE49-F238E27FC236}">
+                <a16:creationId xmlns:a16="http://schemas.microsoft.com/office/drawing/2014/main" id="{4526B1EC-8179-4C4C-92DC-9438E5E4C55A}"/>
+              </a:ext>
+            </a:extLst>
+          </p:cNvPr>
+          <p:cNvSpPr>
+            <a:spLocks noGrp="1"/>
+          </p:cNvSpPr>
+          <p:nvPr>
+            <p:ph type="dt" sz="half" idx="10"/>
+          </p:nvPr>
+        </p:nvSpPr>
+        <p:spPr/>
+        <p:txBody>
+          <a:bodyPr/>
+          <a:lstStyle/>
+          <a:p>
+            <a:r>
+              <a:rPr lang="ko-KR" altLang="en-US"/>
+              <a:t>권철현</a:t>
+            </a:r>
+            <a:r>
+              <a:rPr lang="en-US" altLang="ko-KR"/>
+              <a:t>, </a:t>
+            </a:r>
+            <a:r>
+              <a:rPr lang="ko-KR" altLang="en-US"/>
+              <a:t>신재하</a:t>
+            </a:r>
+            <a:endParaRPr lang="ko-KR" altLang="en-US" dirty="0"/>
+          </a:p>
+        </p:txBody>
+      </p:sp>
+      <p:sp>
+        <p:nvSpPr>
+          <p:cNvPr id="5" name="슬라이드 번호 개체 틀 4">
+            <a:extLst>
+              <a:ext uri="{FF2B5EF4-FFF2-40B4-BE49-F238E27FC236}">
+                <a16:creationId xmlns:a16="http://schemas.microsoft.com/office/drawing/2014/main" id="{BB4C7007-1AAC-4162-8FE7-9389904CFCDA}"/>
+              </a:ext>
+            </a:extLst>
+          </p:cNvPr>
+          <p:cNvSpPr>
+            <a:spLocks noGrp="1"/>
+          </p:cNvSpPr>
+          <p:nvPr>
+            <p:ph type="sldNum" sz="quarter" idx="12"/>
+          </p:nvPr>
+        </p:nvSpPr>
+        <p:spPr/>
+        <p:txBody>
+          <a:bodyPr/>
+          <a:lstStyle/>
+          <a:p>
+            <a:fld id="{5FF72CB3-86FB-4DBB-A7AC-E8F6F3DA156B}" type="slidenum">
+              <a:rPr lang="ko-KR" altLang="en-US" smtClean="0"/>
+              <a:pPr/>
+              <a:t>14</a:t>
+            </a:fld>
+            <a:endParaRPr lang="ko-KR" altLang="en-US" dirty="0"/>
+          </a:p>
+        </p:txBody>
+      </p:sp>
+      <p:pic>
+        <p:nvPicPr>
+          <p:cNvPr id="9" name="그림 8">
+            <a:extLst>
+              <a:ext uri="{FF2B5EF4-FFF2-40B4-BE49-F238E27FC236}">
+                <a16:creationId xmlns:a16="http://schemas.microsoft.com/office/drawing/2014/main" id="{32D173BD-08BE-459E-9874-F1A987F8E024}"/>
+              </a:ext>
+            </a:extLst>
+          </p:cNvPr>
+          <p:cNvPicPr>
+            <a:picLocks noChangeAspect="1"/>
+          </p:cNvPicPr>
+          <p:nvPr/>
+        </p:nvPicPr>
+        <p:blipFill>
+          <a:blip r:embed="rId2"/>
+          <a:stretch>
+            <a:fillRect/>
+          </a:stretch>
+        </p:blipFill>
+        <p:spPr>
+          <a:xfrm>
+            <a:off x="346150" y="2976851"/>
+            <a:ext cx="11620767" cy="2134792"/>
+          </a:xfrm>
+          <a:prstGeom prst="rect">
+            <a:avLst/>
+          </a:prstGeom>
+        </p:spPr>
+      </p:pic>
+    </p:spTree>
+    <p:extLst>
+      <p:ext uri="{BB962C8B-B14F-4D97-AF65-F5344CB8AC3E}">
+        <p14:creationId xmlns:p14="http://schemas.microsoft.com/office/powerpoint/2010/main" val="1145300198"/>
+      </p:ext>
+    </p:extLst>
+  </p:cSld>
+  <p:clrMapOvr>
+    <a:masterClrMapping/>
+  </p:clrMapOvr>
+</p:sld>
+</file>
+
+<file path=ppt/slides/slide15.xml><?xml version="1.0" encoding="utf-8"?>
+<p:sld xmlns:a="http://schemas.openxmlformats.org/drawingml/2006/main" xmlns:r="http://schemas.openxmlformats.org/officeDocument/2006/relationships" xmlns:p="http://schemas.openxmlformats.org/presentationml/2006/main">
+  <p:cSld>
+    <p:spTree>
+      <p:nvGrpSpPr>
+        <p:cNvPr id="1" name=""/>
+        <p:cNvGrpSpPr/>
+        <p:nvPr/>
+      </p:nvGrpSpPr>
+      <p:grpSpPr>
+        <a:xfrm>
+          <a:off x="0" y="0"/>
+          <a:ext cx="0" cy="0"/>
+          <a:chOff x="0" y="0"/>
+          <a:chExt cx="0" cy="0"/>
+        </a:xfrm>
+      </p:grpSpPr>
+      <p:sp>
+        <p:nvSpPr>
+          <p:cNvPr id="2" name="제목 1">
+            <a:extLst>
+              <a:ext uri="{FF2B5EF4-FFF2-40B4-BE49-F238E27FC236}">
+                <a16:creationId xmlns:a16="http://schemas.microsoft.com/office/drawing/2014/main" id="{C7757244-24D5-4011-BC66-068B8B219847}"/>
+              </a:ext>
+            </a:extLst>
+          </p:cNvPr>
+          <p:cNvSpPr>
+            <a:spLocks noGrp="1"/>
+          </p:cNvSpPr>
+          <p:nvPr>
+            <p:ph type="title"/>
+          </p:nvPr>
+        </p:nvSpPr>
+        <p:spPr/>
+        <p:txBody>
+          <a:bodyPr/>
+          <a:lstStyle/>
+          <a:p>
+            <a:r>
+              <a:rPr lang="en-US" altLang="ko-KR" dirty="0"/>
+              <a:t>Initialize Interpreter</a:t>
+            </a:r>
+            <a:endParaRPr lang="ko-KR" altLang="en-US" dirty="0"/>
+          </a:p>
+        </p:txBody>
+      </p:sp>
+      <p:sp>
+        <p:nvSpPr>
+          <p:cNvPr id="3" name="내용 개체 틀 2">
+            <a:extLst>
+              <a:ext uri="{FF2B5EF4-FFF2-40B4-BE49-F238E27FC236}">
+                <a16:creationId xmlns:a16="http://schemas.microsoft.com/office/drawing/2014/main" id="{277A7E51-F4C7-4F97-8D40-425B7B3911C4}"/>
+              </a:ext>
+            </a:extLst>
+          </p:cNvPr>
+          <p:cNvSpPr>
+            <a:spLocks noGrp="1"/>
+          </p:cNvSpPr>
+          <p:nvPr>
+            <p:ph idx="1"/>
+          </p:nvPr>
+        </p:nvSpPr>
+        <p:spPr/>
+        <p:txBody>
+          <a:bodyPr/>
+          <a:lstStyle/>
+          <a:p>
+            <a:r>
+              <a:rPr lang="ko-KR" altLang="en-US" dirty="0"/>
+              <a:t>모델에서 입력 사이즈를 불러오기 위해 아래에 다음 코드를 추가로 작성한다</a:t>
+            </a:r>
+            <a:r>
+              <a:rPr lang="en-US" altLang="ko-KR" dirty="0"/>
+              <a:t>.</a:t>
+            </a:r>
+          </a:p>
+          <a:p>
+            <a:pPr marL="0" indent="0">
+              <a:buNone/>
+            </a:pPr>
+            <a:r>
+              <a:rPr lang="ko-KR" altLang="en-US" dirty="0"/>
+              <a:t> </a:t>
+            </a:r>
+          </a:p>
+        </p:txBody>
+      </p:sp>
+      <p:sp>
+        <p:nvSpPr>
+          <p:cNvPr id="4" name="날짜 개체 틀 3">
+            <a:extLst>
+              <a:ext uri="{FF2B5EF4-FFF2-40B4-BE49-F238E27FC236}">
+                <a16:creationId xmlns:a16="http://schemas.microsoft.com/office/drawing/2014/main" id="{9D5C7BDE-E2FD-46AF-98A3-9BB6B8C9067F}"/>
+              </a:ext>
+            </a:extLst>
+          </p:cNvPr>
+          <p:cNvSpPr>
+            <a:spLocks noGrp="1"/>
+          </p:cNvSpPr>
+          <p:nvPr>
+            <p:ph type="dt" sz="half" idx="10"/>
+          </p:nvPr>
+        </p:nvSpPr>
+        <p:spPr/>
+        <p:txBody>
+          <a:bodyPr/>
+          <a:lstStyle/>
+          <a:p>
+            <a:r>
+              <a:rPr lang="ko-KR" altLang="en-US"/>
+              <a:t>권철현</a:t>
+            </a:r>
+            <a:r>
+              <a:rPr lang="en-US" altLang="ko-KR"/>
+              <a:t>, </a:t>
+            </a:r>
+            <a:r>
+              <a:rPr lang="ko-KR" altLang="en-US"/>
+              <a:t>신재하</a:t>
+            </a:r>
+            <a:endParaRPr lang="ko-KR" altLang="en-US" dirty="0"/>
+          </a:p>
+        </p:txBody>
+      </p:sp>
+      <p:sp>
+        <p:nvSpPr>
+          <p:cNvPr id="5" name="슬라이드 번호 개체 틀 4">
+            <a:extLst>
+              <a:ext uri="{FF2B5EF4-FFF2-40B4-BE49-F238E27FC236}">
+                <a16:creationId xmlns:a16="http://schemas.microsoft.com/office/drawing/2014/main" id="{1CC2C5C1-D153-4138-ADCE-D16B272A24CA}"/>
+              </a:ext>
+            </a:extLst>
+          </p:cNvPr>
+          <p:cNvSpPr>
+            <a:spLocks noGrp="1"/>
+          </p:cNvSpPr>
+          <p:nvPr>
+            <p:ph type="sldNum" sz="quarter" idx="12"/>
+          </p:nvPr>
+        </p:nvSpPr>
+        <p:spPr/>
+        <p:txBody>
+          <a:bodyPr/>
+          <a:lstStyle/>
+          <a:p>
+            <a:fld id="{5FF72CB3-86FB-4DBB-A7AC-E8F6F3DA156B}" type="slidenum">
+              <a:rPr lang="ko-KR" altLang="en-US" smtClean="0"/>
+              <a:pPr/>
+              <a:t>15</a:t>
+            </a:fld>
+            <a:endParaRPr lang="ko-KR" altLang="en-US" dirty="0"/>
+          </a:p>
+        </p:txBody>
+      </p:sp>
+      <p:pic>
+        <p:nvPicPr>
+          <p:cNvPr id="7" name="그림 6">
+            <a:extLst>
+              <a:ext uri="{FF2B5EF4-FFF2-40B4-BE49-F238E27FC236}">
+                <a16:creationId xmlns:a16="http://schemas.microsoft.com/office/drawing/2014/main" id="{680FBB9C-4500-4683-AA37-530F4024548C}"/>
+              </a:ext>
+            </a:extLst>
+          </p:cNvPr>
+          <p:cNvPicPr>
+            <a:picLocks noChangeAspect="1"/>
+          </p:cNvPicPr>
+          <p:nvPr/>
+        </p:nvPicPr>
+        <p:blipFill>
+          <a:blip r:embed="rId2"/>
+          <a:stretch>
+            <a:fillRect/>
+          </a:stretch>
+        </p:blipFill>
+        <p:spPr>
+          <a:xfrm>
+            <a:off x="438737" y="2960822"/>
+            <a:ext cx="11427362" cy="2734680"/>
+          </a:xfrm>
+          <a:prstGeom prst="rect">
+            <a:avLst/>
+          </a:prstGeom>
+        </p:spPr>
+      </p:pic>
+    </p:spTree>
+    <p:extLst>
+      <p:ext uri="{BB962C8B-B14F-4D97-AF65-F5344CB8AC3E}">
+        <p14:creationId xmlns:p14="http://schemas.microsoft.com/office/powerpoint/2010/main" val="4027848500"/>
+      </p:ext>
+    </p:extLst>
+  </p:cSld>
+  <p:clrMapOvr>
+    <a:masterClrMapping/>
+  </p:clrMapOvr>
+</p:sld>
+</file>
+
+<file path=ppt/slides/slide16.xml><?xml version="1.0" encoding="utf-8"?>
+<p:sld xmlns:a="http://schemas.openxmlformats.org/drawingml/2006/main" xmlns:r="http://schemas.openxmlformats.org/officeDocument/2006/relationships" xmlns:p="http://schemas.openxmlformats.org/presentationml/2006/main">
+  <p:cSld>
+    <p:spTree>
+      <p:nvGrpSpPr>
+        <p:cNvPr id="1" name=""/>
+        <p:cNvGrpSpPr/>
+        <p:nvPr/>
+      </p:nvGrpSpPr>
+      <p:grpSpPr>
+        <a:xfrm>
+          <a:off x="0" y="0"/>
+          <a:ext cx="0" cy="0"/>
+          <a:chOff x="0" y="0"/>
+          <a:chExt cx="0" cy="0"/>
+        </a:xfrm>
+      </p:grpSpPr>
+      <p:sp>
+        <p:nvSpPr>
+          <p:cNvPr id="2" name="제목 1">
+            <a:extLst>
+              <a:ext uri="{FF2B5EF4-FFF2-40B4-BE49-F238E27FC236}">
+                <a16:creationId xmlns:a16="http://schemas.microsoft.com/office/drawing/2014/main" id="{EF3E4AC4-77C1-467A-B430-417BE568D3F2}"/>
+              </a:ext>
+            </a:extLst>
+          </p:cNvPr>
+          <p:cNvSpPr>
+            <a:spLocks noGrp="1"/>
+          </p:cNvSpPr>
+          <p:nvPr>
+            <p:ph type="title"/>
+          </p:nvPr>
+        </p:nvSpPr>
+        <p:spPr>
+          <a:xfrm>
+            <a:off x="309492" y="458893"/>
+            <a:ext cx="11694084" cy="842356"/>
+          </a:xfrm>
+        </p:spPr>
+        <p:txBody>
+          <a:bodyPr/>
+          <a:lstStyle/>
+          <a:p>
+            <a:r>
+              <a:rPr lang="en-US" altLang="ko-KR" dirty="0"/>
+              <a:t>close Interpreter</a:t>
+            </a:r>
+            <a:endParaRPr lang="ko-KR" altLang="en-US" dirty="0"/>
+          </a:p>
+        </p:txBody>
+      </p:sp>
+      <p:sp>
+        <p:nvSpPr>
+          <p:cNvPr id="4" name="날짜 개체 틀 3">
+            <a:extLst>
+              <a:ext uri="{FF2B5EF4-FFF2-40B4-BE49-F238E27FC236}">
+                <a16:creationId xmlns:a16="http://schemas.microsoft.com/office/drawing/2014/main" id="{389BD6FE-B385-4FD6-A5CB-A49A8857DB61}"/>
+              </a:ext>
+            </a:extLst>
+          </p:cNvPr>
+          <p:cNvSpPr>
+            <a:spLocks noGrp="1"/>
+          </p:cNvSpPr>
+          <p:nvPr>
+            <p:ph type="dt" sz="half" idx="10"/>
+          </p:nvPr>
+        </p:nvSpPr>
+        <p:spPr/>
+        <p:txBody>
+          <a:bodyPr/>
+          <a:lstStyle/>
+          <a:p>
+            <a:r>
+              <a:rPr lang="ko-KR" altLang="en-US"/>
+              <a:t>권철현</a:t>
+            </a:r>
+            <a:r>
+              <a:rPr lang="en-US" altLang="ko-KR"/>
+              <a:t>, </a:t>
+            </a:r>
+            <a:r>
+              <a:rPr lang="ko-KR" altLang="en-US"/>
+              <a:t>신재하</a:t>
+            </a:r>
+            <a:endParaRPr lang="ko-KR" altLang="en-US" dirty="0"/>
+          </a:p>
+        </p:txBody>
+      </p:sp>
+      <p:sp>
+        <p:nvSpPr>
+          <p:cNvPr id="5" name="슬라이드 번호 개체 틀 4">
+            <a:extLst>
+              <a:ext uri="{FF2B5EF4-FFF2-40B4-BE49-F238E27FC236}">
+                <a16:creationId xmlns:a16="http://schemas.microsoft.com/office/drawing/2014/main" id="{CC0DF149-A7E8-4B54-8F77-A235D815ABF3}"/>
+              </a:ext>
+            </a:extLst>
+          </p:cNvPr>
+          <p:cNvSpPr>
+            <a:spLocks noGrp="1"/>
+          </p:cNvSpPr>
+          <p:nvPr>
+            <p:ph type="sldNum" sz="quarter" idx="12"/>
+          </p:nvPr>
+        </p:nvSpPr>
+        <p:spPr/>
+        <p:txBody>
+          <a:bodyPr/>
+          <a:lstStyle/>
+          <a:p>
+            <a:fld id="{5FF72CB3-86FB-4DBB-A7AC-E8F6F3DA156B}" type="slidenum">
+              <a:rPr lang="ko-KR" altLang="en-US" smtClean="0"/>
+              <a:pPr/>
+              <a:t>16</a:t>
+            </a:fld>
+            <a:endParaRPr lang="ko-KR" altLang="en-US" dirty="0"/>
+          </a:p>
+        </p:txBody>
+      </p:sp>
+      <p:sp>
+        <p:nvSpPr>
+          <p:cNvPr id="9" name="내용 개체 틀 8">
+            <a:extLst>
+              <a:ext uri="{FF2B5EF4-FFF2-40B4-BE49-F238E27FC236}">
+                <a16:creationId xmlns:a16="http://schemas.microsoft.com/office/drawing/2014/main" id="{E18669A9-BFE7-44B5-B807-20D9DCEE10F8}"/>
+              </a:ext>
+            </a:extLst>
+          </p:cNvPr>
+          <p:cNvSpPr>
+            <a:spLocks noGrp="1"/>
+          </p:cNvSpPr>
+          <p:nvPr>
+            <p:ph idx="1"/>
+          </p:nvPr>
+        </p:nvSpPr>
+        <p:spPr/>
+        <p:txBody>
+          <a:bodyPr/>
+          <a:lstStyle/>
+          <a:p>
+            <a:r>
+              <a:rPr lang="en-US" altLang="ko-KR" dirty="0"/>
+              <a:t>Interpreter</a:t>
+            </a:r>
+            <a:r>
+              <a:rPr lang="ko-KR" altLang="en-US" dirty="0"/>
+              <a:t>의 사용이 끝나면 자원 관리를 위해 </a:t>
+            </a:r>
+            <a:r>
+              <a:rPr lang="en-US" altLang="ko-KR" dirty="0"/>
+              <a:t>close </a:t>
+            </a:r>
+            <a:r>
+              <a:rPr lang="ko-KR" altLang="en-US" dirty="0"/>
+              <a:t>해 주어야 한다</a:t>
+            </a:r>
+            <a:r>
+              <a:rPr lang="en-US" altLang="ko-KR" dirty="0"/>
+              <a:t>. </a:t>
+            </a:r>
+            <a:r>
+              <a:rPr lang="ko-KR" altLang="en-US" dirty="0"/>
+              <a:t>아래와 같이 </a:t>
+            </a:r>
+            <a:r>
+              <a:rPr lang="en-US" altLang="ko-KR" dirty="0"/>
+              <a:t>close() </a:t>
+            </a:r>
+            <a:r>
+              <a:rPr lang="ko-KR" altLang="en-US" dirty="0"/>
+              <a:t>메소드 내부에 코드를 추가한다</a:t>
+            </a:r>
+            <a:r>
+              <a:rPr lang="en-US" altLang="ko-KR" dirty="0"/>
+              <a:t>.</a:t>
+            </a:r>
+          </a:p>
+          <a:p>
+            <a:endParaRPr lang="en-US" altLang="ko-KR" dirty="0"/>
+          </a:p>
+        </p:txBody>
+      </p:sp>
+      <p:pic>
+        <p:nvPicPr>
+          <p:cNvPr id="10" name="내용 개체 틀 6">
+            <a:extLst>
+              <a:ext uri="{FF2B5EF4-FFF2-40B4-BE49-F238E27FC236}">
+                <a16:creationId xmlns:a16="http://schemas.microsoft.com/office/drawing/2014/main" id="{09CB7505-76AC-4DF4-B425-31983B9910AA}"/>
+              </a:ext>
+            </a:extLst>
+          </p:cNvPr>
+          <p:cNvPicPr>
+            <a:picLocks noChangeAspect="1"/>
+          </p:cNvPicPr>
+          <p:nvPr/>
+        </p:nvPicPr>
+        <p:blipFill>
+          <a:blip r:embed="rId2"/>
+          <a:stretch>
+            <a:fillRect/>
+          </a:stretch>
+        </p:blipFill>
+        <p:spPr>
+          <a:xfrm>
+            <a:off x="509150" y="3004080"/>
+            <a:ext cx="8855371" cy="1933679"/>
+          </a:xfrm>
+          <a:prstGeom prst="rect">
+            <a:avLst/>
+          </a:prstGeom>
+        </p:spPr>
+      </p:pic>
+    </p:spTree>
+    <p:extLst>
+      <p:ext uri="{BB962C8B-B14F-4D97-AF65-F5344CB8AC3E}">
+        <p14:creationId xmlns:p14="http://schemas.microsoft.com/office/powerpoint/2010/main" val="2542924534"/>
+      </p:ext>
+    </p:extLst>
+  </p:cSld>
+  <p:clrMapOvr>
+    <a:masterClrMapping/>
+  </p:clrMapOvr>
+</p:sld>
+</file>
+
+<file path=ppt/slides/slide17.xml><?xml version="1.0" encoding="utf-8"?>
+<p:sld xmlns:a="http://schemas.openxmlformats.org/drawingml/2006/main" xmlns:r="http://schemas.openxmlformats.org/officeDocument/2006/relationships" xmlns:p="http://schemas.openxmlformats.org/presentationml/2006/main">
+  <p:cSld>
+    <p:spTree>
+      <p:nvGrpSpPr>
+        <p:cNvPr id="1" name=""/>
+        <p:cNvGrpSpPr/>
+        <p:nvPr/>
+      </p:nvGrpSpPr>
+      <p:grpSpPr>
+        <a:xfrm>
+          <a:off x="0" y="0"/>
+          <a:ext cx="0" cy="0"/>
+          <a:chOff x="0" y="0"/>
+          <a:chExt cx="0" cy="0"/>
+        </a:xfrm>
+      </p:grpSpPr>
+      <p:sp>
+        <p:nvSpPr>
+          <p:cNvPr id="2" name="제목 1">
+            <a:extLst>
+              <a:ext uri="{FF2B5EF4-FFF2-40B4-BE49-F238E27FC236}">
+                <a16:creationId xmlns:a16="http://schemas.microsoft.com/office/drawing/2014/main" id="{154918F5-651A-49CE-9309-86E6A2CCBAF5}"/>
+              </a:ext>
+            </a:extLst>
+          </p:cNvPr>
+          <p:cNvSpPr>
+            <a:spLocks noGrp="1"/>
+          </p:cNvSpPr>
+          <p:nvPr>
+            <p:ph type="title"/>
+          </p:nvPr>
+        </p:nvSpPr>
+        <p:spPr/>
+        <p:txBody>
+          <a:bodyPr/>
+          <a:lstStyle/>
+          <a:p>
+            <a:r>
+              <a:rPr lang="en-US" altLang="ko-KR" dirty="0"/>
+              <a:t>Using Interpreter</a:t>
+            </a:r>
+            <a:endParaRPr lang="ko-KR" altLang="en-US" dirty="0"/>
+          </a:p>
+        </p:txBody>
+      </p:sp>
+      <p:sp>
+        <p:nvSpPr>
+          <p:cNvPr id="3" name="내용 개체 틀 2">
+            <a:extLst>
+              <a:ext uri="{FF2B5EF4-FFF2-40B4-BE49-F238E27FC236}">
+                <a16:creationId xmlns:a16="http://schemas.microsoft.com/office/drawing/2014/main" id="{F1353933-5273-450A-9221-8168D370BB2D}"/>
+              </a:ext>
+            </a:extLst>
+          </p:cNvPr>
+          <p:cNvSpPr>
+            <a:spLocks noGrp="1"/>
+          </p:cNvSpPr>
+          <p:nvPr>
+            <p:ph idx="1"/>
+          </p:nvPr>
+        </p:nvSpPr>
+        <p:spPr/>
+        <p:txBody>
+          <a:bodyPr/>
+          <a:lstStyle/>
+          <a:p>
+            <a:r>
+              <a:rPr lang="en-US" altLang="ko-KR" dirty="0"/>
+              <a:t>Interpreter</a:t>
+            </a:r>
+            <a:r>
+              <a:rPr lang="ko-KR" altLang="en-US" dirty="0"/>
+              <a:t>의 설정이 끝났음으로</a:t>
+            </a:r>
+            <a:r>
+              <a:rPr lang="en-US" altLang="ko-KR" dirty="0"/>
+              <a:t>, </a:t>
+            </a:r>
+            <a:r>
+              <a:rPr lang="ko-KR" altLang="en-US" dirty="0"/>
+              <a:t>이를 사용해서 추론을 진행해야 한다</a:t>
+            </a:r>
+            <a:r>
+              <a:rPr lang="en-US" altLang="ko-KR" dirty="0"/>
+              <a:t>. </a:t>
+            </a:r>
+          </a:p>
+          <a:p>
+            <a:pPr lvl="1"/>
+            <a:r>
+              <a:rPr lang="ko-KR" altLang="en-US" dirty="0">
+                <a:solidFill>
+                  <a:schemeClr val="accent2">
+                    <a:lumMod val="50000"/>
+                  </a:schemeClr>
+                </a:solidFill>
+              </a:rPr>
+              <a:t>입력 </a:t>
+            </a:r>
+            <a:r>
+              <a:rPr lang="ko-KR" altLang="en-US" dirty="0" err="1">
+                <a:solidFill>
+                  <a:schemeClr val="accent2">
+                    <a:lumMod val="50000"/>
+                  </a:schemeClr>
+                </a:solidFill>
+              </a:rPr>
+              <a:t>전처리</a:t>
+            </a:r>
+            <a:r>
+              <a:rPr lang="en-US" altLang="ko-KR" dirty="0"/>
+              <a:t>:</a:t>
+            </a:r>
+            <a:r>
+              <a:rPr lang="en-US" altLang="ko-KR" dirty="0">
+                <a:solidFill>
+                  <a:schemeClr val="accent2">
+                    <a:lumMod val="50000"/>
+                  </a:schemeClr>
+                </a:solidFill>
+              </a:rPr>
+              <a:t> </a:t>
+            </a:r>
+            <a:r>
+              <a:rPr lang="en-US" altLang="ko-KR" dirty="0"/>
+              <a:t>Bitmap </a:t>
+            </a:r>
+            <a:r>
+              <a:rPr lang="ko-KR" altLang="en-US" dirty="0"/>
+              <a:t>인스턴스를 </a:t>
+            </a:r>
+            <a:r>
+              <a:rPr lang="en-US" altLang="ko-KR" dirty="0" err="1"/>
+              <a:t>ByteBuffer</a:t>
+            </a:r>
+            <a:r>
+              <a:rPr lang="en-US" altLang="ko-KR" dirty="0"/>
+              <a:t> </a:t>
+            </a:r>
+            <a:r>
+              <a:rPr lang="ko-KR" altLang="en-US" dirty="0"/>
+              <a:t>인스턴스로 변환한다</a:t>
+            </a:r>
+            <a:r>
+              <a:rPr lang="en-US" altLang="ko-KR" dirty="0"/>
+              <a:t>. </a:t>
+            </a:r>
+            <a:r>
+              <a:rPr lang="ko-KR" altLang="en-US" dirty="0"/>
+              <a:t>이는 </a:t>
+            </a:r>
+            <a:r>
+              <a:rPr lang="en-US" altLang="ko-KR" dirty="0"/>
+              <a:t>Kotlin</a:t>
+            </a:r>
+            <a:r>
+              <a:rPr lang="ko-KR" altLang="en-US" dirty="0"/>
+              <a:t>의 다차원 배열보다 </a:t>
+            </a:r>
+            <a:r>
+              <a:rPr lang="en-US" altLang="ko-KR" dirty="0" err="1"/>
+              <a:t>ByteBuffer</a:t>
+            </a:r>
+            <a:r>
+              <a:rPr lang="ko-KR" altLang="en-US" dirty="0"/>
+              <a:t>이 처리 속도가 빠르기 때문이다</a:t>
+            </a:r>
+            <a:r>
+              <a:rPr lang="en-US" altLang="ko-KR" dirty="0"/>
+              <a:t>.</a:t>
+            </a:r>
+          </a:p>
+          <a:p>
+            <a:pPr lvl="1"/>
+            <a:r>
+              <a:rPr lang="ko-KR" altLang="en-US" dirty="0">
+                <a:solidFill>
+                  <a:schemeClr val="accent2">
+                    <a:lumMod val="50000"/>
+                  </a:schemeClr>
+                </a:solidFill>
+              </a:rPr>
+              <a:t>추론 실행</a:t>
+            </a:r>
+            <a:r>
+              <a:rPr lang="en-US" altLang="ko-KR" dirty="0"/>
+              <a:t>:</a:t>
+            </a:r>
+            <a:r>
+              <a:rPr lang="en-US" altLang="ko-KR" dirty="0">
+                <a:solidFill>
+                  <a:schemeClr val="accent2">
+                    <a:lumMod val="50000"/>
+                  </a:schemeClr>
+                </a:solidFill>
+              </a:rPr>
+              <a:t> </a:t>
+            </a:r>
+            <a:r>
+              <a:rPr lang="ko-KR" altLang="en-US" dirty="0" err="1"/>
+              <a:t>전처리된</a:t>
+            </a:r>
+            <a:r>
+              <a:rPr lang="ko-KR" altLang="en-US" dirty="0"/>
+              <a:t> 입력으로 추론을 진행한다</a:t>
+            </a:r>
+            <a:r>
+              <a:rPr lang="en-US" altLang="ko-KR" dirty="0"/>
+              <a:t>.</a:t>
+            </a:r>
+          </a:p>
+          <a:p>
+            <a:pPr lvl="1"/>
+            <a:r>
+              <a:rPr lang="ko-KR" altLang="en-US" dirty="0">
+                <a:solidFill>
+                  <a:schemeClr val="accent2">
+                    <a:lumMod val="50000"/>
+                  </a:schemeClr>
+                </a:solidFill>
+              </a:rPr>
+              <a:t>출력 후 처리</a:t>
+            </a:r>
+            <a:r>
+              <a:rPr lang="en-US" altLang="ko-KR" dirty="0"/>
+              <a:t>:</a:t>
+            </a:r>
+            <a:r>
+              <a:rPr lang="en-US" altLang="ko-KR" dirty="0">
+                <a:solidFill>
+                  <a:schemeClr val="accent2">
+                    <a:lumMod val="50000"/>
+                  </a:schemeClr>
+                </a:solidFill>
+              </a:rPr>
+              <a:t> </a:t>
+            </a:r>
+            <a:r>
+              <a:rPr lang="ko-KR" altLang="en-US" dirty="0"/>
+              <a:t>추론 결과로 나온 확률 배열을 사람이 읽을 수 있는 문자열로 변환합니다</a:t>
+            </a:r>
+            <a:r>
+              <a:rPr lang="en-US" altLang="ko-KR" dirty="0"/>
+              <a:t>.</a:t>
+            </a:r>
+            <a:endParaRPr lang="ko-KR" altLang="en-US" dirty="0"/>
+          </a:p>
+        </p:txBody>
+      </p:sp>
+      <p:sp>
+        <p:nvSpPr>
+          <p:cNvPr id="4" name="날짜 개체 틀 3">
+            <a:extLst>
+              <a:ext uri="{FF2B5EF4-FFF2-40B4-BE49-F238E27FC236}">
+                <a16:creationId xmlns:a16="http://schemas.microsoft.com/office/drawing/2014/main" id="{55FC0434-B29B-4B38-AA7C-15E23E5EAF77}"/>
+              </a:ext>
+            </a:extLst>
+          </p:cNvPr>
+          <p:cNvSpPr>
+            <a:spLocks noGrp="1"/>
+          </p:cNvSpPr>
+          <p:nvPr>
+            <p:ph type="dt" sz="half" idx="10"/>
+          </p:nvPr>
+        </p:nvSpPr>
+        <p:spPr/>
+        <p:txBody>
+          <a:bodyPr/>
+          <a:lstStyle/>
+          <a:p>
+            <a:r>
+              <a:rPr lang="ko-KR" altLang="en-US" dirty="0"/>
+              <a:t>권철현</a:t>
+            </a:r>
+            <a:r>
+              <a:rPr lang="en-US" altLang="ko-KR" dirty="0"/>
+              <a:t>, </a:t>
+            </a:r>
+            <a:r>
+              <a:rPr lang="ko-KR" altLang="en-US" dirty="0" err="1"/>
+              <a:t>신재하</a:t>
+            </a:r>
+            <a:endParaRPr lang="ko-KR" altLang="en-US" dirty="0"/>
+          </a:p>
+        </p:txBody>
+      </p:sp>
+      <p:sp>
+        <p:nvSpPr>
+          <p:cNvPr id="5" name="슬라이드 번호 개체 틀 4">
+            <a:extLst>
+              <a:ext uri="{FF2B5EF4-FFF2-40B4-BE49-F238E27FC236}">
+                <a16:creationId xmlns:a16="http://schemas.microsoft.com/office/drawing/2014/main" id="{1CDF8EB6-00B6-4D81-8318-F55BE93F0A31}"/>
+              </a:ext>
+            </a:extLst>
+          </p:cNvPr>
+          <p:cNvSpPr>
+            <a:spLocks noGrp="1"/>
+          </p:cNvSpPr>
+          <p:nvPr>
+            <p:ph type="sldNum" sz="quarter" idx="12"/>
+          </p:nvPr>
+        </p:nvSpPr>
+        <p:spPr/>
+        <p:txBody>
+          <a:bodyPr/>
+          <a:lstStyle/>
+          <a:p>
+            <a:fld id="{5FF72CB3-86FB-4DBB-A7AC-E8F6F3DA156B}" type="slidenum">
+              <a:rPr lang="ko-KR" altLang="en-US" smtClean="0"/>
+              <a:pPr/>
+              <a:t>17</a:t>
+            </a:fld>
+            <a:endParaRPr lang="ko-KR" altLang="en-US" dirty="0"/>
+          </a:p>
+        </p:txBody>
+      </p:sp>
+    </p:spTree>
+    <p:extLst>
+      <p:ext uri="{BB962C8B-B14F-4D97-AF65-F5344CB8AC3E}">
+        <p14:creationId xmlns:p14="http://schemas.microsoft.com/office/powerpoint/2010/main" val="2861513203"/>
+      </p:ext>
+    </p:extLst>
+  </p:cSld>
+  <p:clrMapOvr>
+    <a:masterClrMapping/>
+  </p:clrMapOvr>
+</p:sld>
+</file>
+
+<file path=ppt/slides/slide18.xml><?xml version="1.0" encoding="utf-8"?>
+<p:sld xmlns:a="http://schemas.openxmlformats.org/drawingml/2006/main" xmlns:r="http://schemas.openxmlformats.org/officeDocument/2006/relationships" xmlns:p="http://schemas.openxmlformats.org/presentationml/2006/main">
+  <p:cSld>
+    <p:spTree>
+      <p:nvGrpSpPr>
+        <p:cNvPr id="1" name=""/>
+        <p:cNvGrpSpPr/>
+        <p:nvPr/>
+      </p:nvGrpSpPr>
+      <p:grpSpPr>
+        <a:xfrm>
+          <a:off x="0" y="0"/>
+          <a:ext cx="0" cy="0"/>
+          <a:chOff x="0" y="0"/>
+          <a:chExt cx="0" cy="0"/>
+        </a:xfrm>
+      </p:grpSpPr>
+      <p:sp>
+        <p:nvSpPr>
+          <p:cNvPr id="2" name="제목 1">
+            <a:extLst>
+              <a:ext uri="{FF2B5EF4-FFF2-40B4-BE49-F238E27FC236}">
+                <a16:creationId xmlns:a16="http://schemas.microsoft.com/office/drawing/2014/main" id="{CBF79733-003F-493A-A093-B4594BCEACFB}"/>
+              </a:ext>
+            </a:extLst>
+          </p:cNvPr>
+          <p:cNvSpPr>
+            <a:spLocks noGrp="1"/>
+          </p:cNvSpPr>
+          <p:nvPr>
+            <p:ph type="title"/>
+          </p:nvPr>
+        </p:nvSpPr>
+        <p:spPr/>
+        <p:txBody>
+          <a:bodyPr/>
+          <a:lstStyle/>
+          <a:p>
+            <a:r>
+              <a:rPr lang="en-US" altLang="ko-KR" dirty="0"/>
+              <a:t>Resize Bitmap</a:t>
+            </a:r>
+            <a:endParaRPr lang="ko-KR" altLang="en-US" dirty="0"/>
+          </a:p>
+        </p:txBody>
+      </p:sp>
+      <p:sp>
+        <p:nvSpPr>
+          <p:cNvPr id="3" name="내용 개체 틀 2">
+            <a:extLst>
+              <a:ext uri="{FF2B5EF4-FFF2-40B4-BE49-F238E27FC236}">
+                <a16:creationId xmlns:a16="http://schemas.microsoft.com/office/drawing/2014/main" id="{8CC629CD-726E-4A28-8494-7D7741917447}"/>
+              </a:ext>
+            </a:extLst>
+          </p:cNvPr>
+          <p:cNvSpPr>
+            <a:spLocks noGrp="1"/>
+          </p:cNvSpPr>
+          <p:nvPr>
+            <p:ph idx="1"/>
+          </p:nvPr>
+        </p:nvSpPr>
+        <p:spPr/>
+        <p:txBody>
+          <a:bodyPr/>
+          <a:lstStyle/>
+          <a:p>
+            <a:r>
+              <a:rPr lang="ko-KR" altLang="en-US" dirty="0"/>
+              <a:t>입력 전처리를 위해 </a:t>
+            </a:r>
+            <a:r>
+              <a:rPr lang="en-US" altLang="ko-KR" dirty="0"/>
+              <a:t>Bitmap</a:t>
+            </a:r>
+            <a:r>
+              <a:rPr lang="ko-KR" altLang="en-US" dirty="0"/>
+              <a:t> 사이즈를 맞추고</a:t>
+            </a:r>
+            <a:r>
+              <a:rPr lang="en-US" altLang="ko-KR" dirty="0"/>
+              <a:t>, </a:t>
+            </a:r>
+            <a:r>
+              <a:rPr lang="en-US" altLang="ko-KR" dirty="0" err="1"/>
+              <a:t>ByteBuffer</a:t>
+            </a:r>
+            <a:r>
+              <a:rPr lang="ko-KR" altLang="en-US" dirty="0"/>
+              <a:t>로 변경한다</a:t>
+            </a:r>
+            <a:r>
+              <a:rPr lang="en-US" altLang="ko-KR" dirty="0"/>
+              <a:t>. classify() </a:t>
+            </a:r>
+            <a:r>
+              <a:rPr lang="ko-KR" altLang="en-US" dirty="0"/>
+              <a:t>메소드에 다음 내용을 추가한다</a:t>
+            </a:r>
+            <a:r>
+              <a:rPr lang="en-US" altLang="ko-KR" dirty="0"/>
+              <a:t>.</a:t>
+            </a:r>
+          </a:p>
+          <a:p>
+            <a:endParaRPr lang="en-US" altLang="ko-KR" dirty="0"/>
+          </a:p>
+        </p:txBody>
+      </p:sp>
+      <p:sp>
+        <p:nvSpPr>
+          <p:cNvPr id="4" name="날짜 개체 틀 3">
+            <a:extLst>
+              <a:ext uri="{FF2B5EF4-FFF2-40B4-BE49-F238E27FC236}">
+                <a16:creationId xmlns:a16="http://schemas.microsoft.com/office/drawing/2014/main" id="{E6C49B37-FB5A-4EF6-B6E6-76BD004C48EA}"/>
+              </a:ext>
+            </a:extLst>
+          </p:cNvPr>
+          <p:cNvSpPr>
+            <a:spLocks noGrp="1"/>
+          </p:cNvSpPr>
+          <p:nvPr>
+            <p:ph type="dt" sz="half" idx="10"/>
+          </p:nvPr>
+        </p:nvSpPr>
+        <p:spPr/>
+        <p:txBody>
+          <a:bodyPr/>
+          <a:lstStyle/>
+          <a:p>
+            <a:r>
+              <a:rPr lang="ko-KR" altLang="en-US"/>
+              <a:t>권철현</a:t>
+            </a:r>
+            <a:r>
+              <a:rPr lang="en-US" altLang="ko-KR"/>
+              <a:t>, </a:t>
+            </a:r>
+            <a:r>
+              <a:rPr lang="ko-KR" altLang="en-US"/>
+              <a:t>신재하</a:t>
+            </a:r>
+            <a:endParaRPr lang="ko-KR" altLang="en-US" dirty="0"/>
+          </a:p>
+        </p:txBody>
+      </p:sp>
+      <p:sp>
+        <p:nvSpPr>
+          <p:cNvPr id="5" name="슬라이드 번호 개체 틀 4">
+            <a:extLst>
+              <a:ext uri="{FF2B5EF4-FFF2-40B4-BE49-F238E27FC236}">
+                <a16:creationId xmlns:a16="http://schemas.microsoft.com/office/drawing/2014/main" id="{215ADC0D-3917-4CE9-9BAB-A0FBFD4B84E9}"/>
+              </a:ext>
+            </a:extLst>
+          </p:cNvPr>
+          <p:cNvSpPr>
+            <a:spLocks noGrp="1"/>
+          </p:cNvSpPr>
+          <p:nvPr>
+            <p:ph type="sldNum" sz="quarter" idx="12"/>
+          </p:nvPr>
+        </p:nvSpPr>
+        <p:spPr/>
+        <p:txBody>
+          <a:bodyPr/>
+          <a:lstStyle/>
+          <a:p>
+            <a:fld id="{5FF72CB3-86FB-4DBB-A7AC-E8F6F3DA156B}" type="slidenum">
+              <a:rPr lang="ko-KR" altLang="en-US" smtClean="0"/>
+              <a:pPr/>
+              <a:t>18</a:t>
+            </a:fld>
+            <a:endParaRPr lang="ko-KR" altLang="en-US" dirty="0"/>
+          </a:p>
+        </p:txBody>
+      </p:sp>
+      <p:pic>
+        <p:nvPicPr>
+          <p:cNvPr id="7" name="그림 6">
+            <a:extLst>
+              <a:ext uri="{FF2B5EF4-FFF2-40B4-BE49-F238E27FC236}">
+                <a16:creationId xmlns:a16="http://schemas.microsoft.com/office/drawing/2014/main" id="{1FC25602-BA9E-4105-9AD5-1E00B2F999C8}"/>
+              </a:ext>
+            </a:extLst>
+          </p:cNvPr>
+          <p:cNvPicPr>
+            <a:picLocks noChangeAspect="1"/>
+          </p:cNvPicPr>
+          <p:nvPr/>
+        </p:nvPicPr>
+        <p:blipFill>
+          <a:blip r:embed="rId2"/>
+          <a:stretch>
+            <a:fillRect/>
+          </a:stretch>
+        </p:blipFill>
+        <p:spPr>
+          <a:xfrm>
+            <a:off x="499092" y="2779690"/>
+            <a:ext cx="11193815" cy="3554607"/>
+          </a:xfrm>
+          <a:prstGeom prst="rect">
+            <a:avLst/>
+          </a:prstGeom>
+        </p:spPr>
+      </p:pic>
+    </p:spTree>
+    <p:extLst>
+      <p:ext uri="{BB962C8B-B14F-4D97-AF65-F5344CB8AC3E}">
+        <p14:creationId xmlns:p14="http://schemas.microsoft.com/office/powerpoint/2010/main" val="3025042433"/>
+      </p:ext>
+    </p:extLst>
+  </p:cSld>
+  <p:clrMapOvr>
+    <a:masterClrMapping/>
+  </p:clrMapOvr>
+</p:sld>
+</file>
+
+<file path=ppt/slides/slide19.xml><?xml version="1.0" encoding="utf-8"?>
+<p:sld xmlns:a="http://schemas.openxmlformats.org/drawingml/2006/main" xmlns:r="http://schemas.openxmlformats.org/officeDocument/2006/relationships" xmlns:p="http://schemas.openxmlformats.org/presentationml/2006/main">
+  <p:cSld>
+    <p:spTree>
+      <p:nvGrpSpPr>
+        <p:cNvPr id="1" name=""/>
+        <p:cNvGrpSpPr/>
+        <p:nvPr/>
+      </p:nvGrpSpPr>
+      <p:grpSpPr>
+        <a:xfrm>
+          <a:off x="0" y="0"/>
+          <a:ext cx="0" cy="0"/>
+          <a:chOff x="0" y="0"/>
+          <a:chExt cx="0" cy="0"/>
+        </a:xfrm>
+      </p:grpSpPr>
+      <p:sp>
+        <p:nvSpPr>
+          <p:cNvPr id="2" name="제목 1">
+            <a:extLst>
+              <a:ext uri="{FF2B5EF4-FFF2-40B4-BE49-F238E27FC236}">
+                <a16:creationId xmlns:a16="http://schemas.microsoft.com/office/drawing/2014/main" id="{8ED0003F-826F-4A8E-8187-8FAD4888B9A8}"/>
+              </a:ext>
+            </a:extLst>
+          </p:cNvPr>
+          <p:cNvSpPr>
+            <a:spLocks noGrp="1"/>
+          </p:cNvSpPr>
+          <p:nvPr>
+            <p:ph type="title"/>
+          </p:nvPr>
+        </p:nvSpPr>
+        <p:spPr/>
+        <p:txBody>
+          <a:bodyPr/>
+          <a:lstStyle/>
+          <a:p>
+            <a:r>
+              <a:rPr lang="en-US" altLang="ko-KR" dirty="0"/>
+              <a:t>Run Inference</a:t>
+            </a:r>
+            <a:endParaRPr lang="ko-KR" altLang="en-US" dirty="0"/>
+          </a:p>
+        </p:txBody>
+      </p:sp>
+      <p:sp>
+        <p:nvSpPr>
+          <p:cNvPr id="3" name="내용 개체 틀 2">
+            <a:extLst>
+              <a:ext uri="{FF2B5EF4-FFF2-40B4-BE49-F238E27FC236}">
+                <a16:creationId xmlns:a16="http://schemas.microsoft.com/office/drawing/2014/main" id="{7F5D1011-1610-49BD-8A0A-68B73BC97C60}"/>
+              </a:ext>
+            </a:extLst>
+          </p:cNvPr>
+          <p:cNvSpPr>
+            <a:spLocks noGrp="1"/>
+          </p:cNvSpPr>
+          <p:nvPr>
+            <p:ph idx="1"/>
+          </p:nvPr>
+        </p:nvSpPr>
+        <p:spPr/>
+        <p:txBody>
+          <a:bodyPr/>
+          <a:lstStyle/>
+          <a:p>
+            <a:r>
+              <a:rPr lang="ko-KR" altLang="en-US" dirty="0" err="1"/>
+              <a:t>전처리된</a:t>
+            </a:r>
+            <a:r>
+              <a:rPr lang="ko-KR" altLang="en-US" dirty="0"/>
+              <a:t> </a:t>
+            </a:r>
+            <a:r>
+              <a:rPr lang="en-US" altLang="ko-KR" dirty="0" err="1"/>
+              <a:t>ByteBuffer</a:t>
+            </a:r>
+            <a:r>
+              <a:rPr lang="ko-KR" altLang="en-US" dirty="0"/>
+              <a:t>와 </a:t>
+            </a:r>
+            <a:r>
+              <a:rPr lang="en-US" altLang="ko-KR" dirty="0" err="1"/>
+              <a:t>Intrepreter</a:t>
+            </a:r>
+            <a:r>
+              <a:rPr lang="ko-KR" altLang="en-US" dirty="0"/>
+              <a:t>를 통해 추론을 실행한다</a:t>
+            </a:r>
+            <a:r>
+              <a:rPr lang="en-US" altLang="ko-KR" dirty="0"/>
+              <a:t>. </a:t>
+            </a:r>
+            <a:r>
+              <a:rPr lang="ko-KR" altLang="en-US" dirty="0"/>
+              <a:t>아래 소스코드를 추가로 작성한다</a:t>
+            </a:r>
+            <a:r>
+              <a:rPr lang="en-US" altLang="ko-KR" dirty="0"/>
+              <a:t>.</a:t>
+            </a:r>
+          </a:p>
+        </p:txBody>
+      </p:sp>
+      <p:sp>
+        <p:nvSpPr>
+          <p:cNvPr id="4" name="날짜 개체 틀 3">
+            <a:extLst>
+              <a:ext uri="{FF2B5EF4-FFF2-40B4-BE49-F238E27FC236}">
+                <a16:creationId xmlns:a16="http://schemas.microsoft.com/office/drawing/2014/main" id="{6F2C7ED7-BC82-48DA-8AD2-7D9162B1FBC6}"/>
+              </a:ext>
+            </a:extLst>
+          </p:cNvPr>
+          <p:cNvSpPr>
+            <a:spLocks noGrp="1"/>
+          </p:cNvSpPr>
+          <p:nvPr>
+            <p:ph type="dt" sz="half" idx="10"/>
+          </p:nvPr>
+        </p:nvSpPr>
+        <p:spPr/>
+        <p:txBody>
+          <a:bodyPr/>
+          <a:lstStyle/>
+          <a:p>
+            <a:r>
+              <a:rPr lang="ko-KR" altLang="en-US"/>
+              <a:t>권철현</a:t>
+            </a:r>
+            <a:r>
+              <a:rPr lang="en-US" altLang="ko-KR"/>
+              <a:t>, </a:t>
+            </a:r>
+            <a:r>
+              <a:rPr lang="ko-KR" altLang="en-US"/>
+              <a:t>신재하</a:t>
+            </a:r>
+            <a:endParaRPr lang="ko-KR" altLang="en-US" dirty="0"/>
+          </a:p>
+        </p:txBody>
+      </p:sp>
+      <p:sp>
+        <p:nvSpPr>
+          <p:cNvPr id="5" name="슬라이드 번호 개체 틀 4">
+            <a:extLst>
+              <a:ext uri="{FF2B5EF4-FFF2-40B4-BE49-F238E27FC236}">
+                <a16:creationId xmlns:a16="http://schemas.microsoft.com/office/drawing/2014/main" id="{6432A332-D546-440A-9024-CC4E28AEC07C}"/>
+              </a:ext>
+            </a:extLst>
+          </p:cNvPr>
+          <p:cNvSpPr>
+            <a:spLocks noGrp="1"/>
+          </p:cNvSpPr>
+          <p:nvPr>
+            <p:ph type="sldNum" sz="quarter" idx="12"/>
+          </p:nvPr>
+        </p:nvSpPr>
+        <p:spPr/>
+        <p:txBody>
+          <a:bodyPr/>
+          <a:lstStyle/>
+          <a:p>
+            <a:fld id="{5FF72CB3-86FB-4DBB-A7AC-E8F6F3DA156B}" type="slidenum">
+              <a:rPr lang="ko-KR" altLang="en-US" smtClean="0"/>
+              <a:pPr/>
+              <a:t>19</a:t>
+            </a:fld>
+            <a:endParaRPr lang="ko-KR" altLang="en-US" dirty="0"/>
+          </a:p>
+        </p:txBody>
+      </p:sp>
+      <p:pic>
+        <p:nvPicPr>
+          <p:cNvPr id="7" name="그림 6">
+            <a:extLst>
+              <a:ext uri="{FF2B5EF4-FFF2-40B4-BE49-F238E27FC236}">
+                <a16:creationId xmlns:a16="http://schemas.microsoft.com/office/drawing/2014/main" id="{A32649B1-D6B8-496C-861A-983F889884B5}"/>
+              </a:ext>
+            </a:extLst>
+          </p:cNvPr>
+          <p:cNvPicPr>
+            <a:picLocks noChangeAspect="1"/>
+          </p:cNvPicPr>
+          <p:nvPr/>
+        </p:nvPicPr>
+        <p:blipFill>
+          <a:blip r:embed="rId2"/>
+          <a:stretch>
+            <a:fillRect/>
+          </a:stretch>
+        </p:blipFill>
+        <p:spPr>
+          <a:xfrm>
+            <a:off x="491215" y="2962595"/>
+            <a:ext cx="10145541" cy="1886213"/>
+          </a:xfrm>
+          <a:prstGeom prst="rect">
+            <a:avLst/>
+          </a:prstGeom>
+        </p:spPr>
+      </p:pic>
+    </p:spTree>
+    <p:extLst>
+      <p:ext uri="{BB962C8B-B14F-4D97-AF65-F5344CB8AC3E}">
+        <p14:creationId xmlns:p14="http://schemas.microsoft.com/office/powerpoint/2010/main" val="4257021122"/>
+      </p:ext>
+    </p:extLst>
+  </p:cSld>
+  <p:clrMapOvr>
+    <a:masterClrMapping/>
+  </p:clrMapOvr>
+</p:sld>
+</file>
+
+<file path=ppt/slides/slide2.xml><?xml version="1.0" encoding="utf-8"?>
+<p:sld xmlns:a="http://schemas.openxmlformats.org/drawingml/2006/main" xmlns:r="http://schemas.openxmlformats.org/officeDocument/2006/relationships" xmlns:p="http://schemas.openxmlformats.org/presentationml/2006/main">
+  <p:cSld>
+    <p:spTree>
+      <p:nvGrpSpPr>
+        <p:cNvPr id="1" name=""/>
+        <p:cNvGrpSpPr/>
+        <p:nvPr/>
+      </p:nvGrpSpPr>
+      <p:grpSpPr>
+        <a:xfrm>
+          <a:off x="0" y="0"/>
+          <a:ext cx="0" cy="0"/>
+          <a:chOff x="0" y="0"/>
+          <a:chExt cx="0" cy="0"/>
+        </a:xfrm>
+      </p:grpSpPr>
+      <p:sp>
+        <p:nvSpPr>
+          <p:cNvPr id="2" name="제목 1">
+            <a:extLst>
+              <a:ext uri="{FF2B5EF4-FFF2-40B4-BE49-F238E27FC236}">
+                <a16:creationId xmlns:a16="http://schemas.microsoft.com/office/drawing/2014/main" id="{BA7600F6-91D6-43B1-8E86-AF9B0D174685}"/>
+              </a:ext>
+            </a:extLst>
+          </p:cNvPr>
+          <p:cNvSpPr>
+            <a:spLocks noGrp="1"/>
+          </p:cNvSpPr>
+          <p:nvPr>
+            <p:ph type="title"/>
+          </p:nvPr>
+        </p:nvSpPr>
+        <p:spPr/>
+        <p:txBody>
+          <a:bodyPr/>
+          <a:lstStyle/>
+          <a:p>
+            <a:r>
+              <a:rPr lang="en-US" altLang="ko-KR" dirty="0"/>
+              <a:t>Contents</a:t>
+            </a:r>
+            <a:endParaRPr lang="ko-KR" altLang="en-US" dirty="0"/>
+          </a:p>
+        </p:txBody>
+      </p:sp>
+      <p:sp>
+        <p:nvSpPr>
+          <p:cNvPr id="3" name="내용 개체 틀 2">
+            <a:extLst>
+              <a:ext uri="{FF2B5EF4-FFF2-40B4-BE49-F238E27FC236}">
+                <a16:creationId xmlns:a16="http://schemas.microsoft.com/office/drawing/2014/main" id="{23ABC995-4F08-4C15-8BB0-764CB3314627}"/>
+              </a:ext>
+            </a:extLst>
+          </p:cNvPr>
+          <p:cNvSpPr>
+            <a:spLocks noGrp="1"/>
+          </p:cNvSpPr>
+          <p:nvPr>
+            <p:ph idx="1"/>
+          </p:nvPr>
+        </p:nvSpPr>
+        <p:spPr/>
+        <p:txBody>
+          <a:bodyPr/>
+          <a:lstStyle/>
+          <a:p>
+            <a:r>
+              <a:rPr lang="en-US" altLang="ko-KR" dirty="0"/>
+              <a:t>TF Lite</a:t>
+            </a:r>
+          </a:p>
+          <a:p>
+            <a:r>
+              <a:rPr lang="en-US" altLang="ko-KR" dirty="0">
+                <a:solidFill>
+                  <a:schemeClr val="bg1">
+                    <a:lumMod val="65000"/>
+                  </a:schemeClr>
+                </a:solidFill>
+              </a:rPr>
+              <a:t>TF</a:t>
+            </a:r>
+            <a:r>
+              <a:rPr lang="ko-KR" altLang="en-US" dirty="0">
+                <a:solidFill>
+                  <a:schemeClr val="bg1">
+                    <a:lumMod val="65000"/>
+                  </a:schemeClr>
+                </a:solidFill>
+              </a:rPr>
+              <a:t> </a:t>
+            </a:r>
+            <a:r>
+              <a:rPr lang="en-US" altLang="ko-KR" dirty="0">
+                <a:solidFill>
+                  <a:schemeClr val="bg1">
+                    <a:lumMod val="65000"/>
+                  </a:schemeClr>
+                </a:solidFill>
+              </a:rPr>
+              <a:t>Lite</a:t>
+            </a:r>
+            <a:r>
+              <a:rPr lang="ko-KR" altLang="en-US" dirty="0">
+                <a:solidFill>
+                  <a:schemeClr val="bg1">
+                    <a:lumMod val="65000"/>
+                  </a:schemeClr>
+                </a:solidFill>
+              </a:rPr>
+              <a:t> 모델 생성</a:t>
+            </a:r>
+            <a:endParaRPr lang="en-US" altLang="ko-KR" dirty="0">
+              <a:solidFill>
+                <a:schemeClr val="bg1">
+                  <a:lumMod val="65000"/>
+                </a:schemeClr>
+              </a:solidFill>
+            </a:endParaRPr>
+          </a:p>
+          <a:p>
+            <a:r>
+              <a:rPr lang="en-US" altLang="ko-KR" dirty="0">
+                <a:solidFill>
+                  <a:schemeClr val="bg1">
+                    <a:lumMod val="65000"/>
+                  </a:schemeClr>
+                </a:solidFill>
+              </a:rPr>
+              <a:t>Android application</a:t>
+            </a:r>
+            <a:r>
+              <a:rPr lang="ko-KR" altLang="en-US" dirty="0">
+                <a:solidFill>
+                  <a:schemeClr val="bg1">
+                    <a:lumMod val="65000"/>
+                  </a:schemeClr>
+                </a:solidFill>
+              </a:rPr>
+              <a:t>에 모델 적용</a:t>
+            </a:r>
+            <a:endParaRPr lang="en-US" altLang="ko-KR" dirty="0">
+              <a:solidFill>
+                <a:schemeClr val="bg1">
+                  <a:lumMod val="65000"/>
+                </a:schemeClr>
+              </a:solidFill>
+            </a:endParaRPr>
+          </a:p>
+          <a:p>
+            <a:r>
+              <a:rPr lang="ko-KR" altLang="en-US" dirty="0">
+                <a:solidFill>
+                  <a:schemeClr val="bg1">
+                    <a:lumMod val="65000"/>
+                  </a:schemeClr>
+                </a:solidFill>
+              </a:rPr>
+              <a:t>컴파일 및 추론 실행 </a:t>
+            </a:r>
+          </a:p>
+        </p:txBody>
+      </p:sp>
+      <p:sp>
+        <p:nvSpPr>
+          <p:cNvPr id="4" name="날짜 개체 틀 3">
+            <a:extLst>
+              <a:ext uri="{FF2B5EF4-FFF2-40B4-BE49-F238E27FC236}">
+                <a16:creationId xmlns:a16="http://schemas.microsoft.com/office/drawing/2014/main" id="{CB09D7D2-D349-4009-B4BB-B070367E5265}"/>
+              </a:ext>
+            </a:extLst>
+          </p:cNvPr>
+          <p:cNvSpPr>
+            <a:spLocks noGrp="1"/>
+          </p:cNvSpPr>
+          <p:nvPr>
+            <p:ph type="dt" sz="half" idx="10"/>
+          </p:nvPr>
+        </p:nvSpPr>
+        <p:spPr/>
+        <p:txBody>
+          <a:bodyPr/>
+          <a:lstStyle/>
+          <a:p>
+            <a:r>
+              <a:rPr lang="ko-KR" altLang="en-US"/>
+              <a:t>권철현</a:t>
+            </a:r>
+            <a:r>
+              <a:rPr lang="en-US" altLang="ko-KR"/>
+              <a:t>, </a:t>
+            </a:r>
+            <a:r>
+              <a:rPr lang="ko-KR" altLang="en-US"/>
+              <a:t>신재하</a:t>
+            </a:r>
+            <a:endParaRPr lang="ko-KR" altLang="en-US" dirty="0"/>
+          </a:p>
+        </p:txBody>
+      </p:sp>
+      <p:sp>
+        <p:nvSpPr>
+          <p:cNvPr id="5" name="슬라이드 번호 개체 틀 4">
+            <a:extLst>
+              <a:ext uri="{FF2B5EF4-FFF2-40B4-BE49-F238E27FC236}">
+                <a16:creationId xmlns:a16="http://schemas.microsoft.com/office/drawing/2014/main" id="{B0626CB9-9982-4D7F-A26C-F3F8C0080176}"/>
+              </a:ext>
+            </a:extLst>
+          </p:cNvPr>
+          <p:cNvSpPr>
+            <a:spLocks noGrp="1"/>
+          </p:cNvSpPr>
+          <p:nvPr>
+            <p:ph type="sldNum" sz="quarter" idx="12"/>
+          </p:nvPr>
+        </p:nvSpPr>
+        <p:spPr/>
+        <p:txBody>
+          <a:bodyPr/>
+          <a:lstStyle/>
+          <a:p>
+            <a:fld id="{5FF72CB3-86FB-4DBB-A7AC-E8F6F3DA156B}" type="slidenum">
+              <a:rPr lang="ko-KR" altLang="en-US" smtClean="0"/>
+              <a:pPr/>
+              <a:t>2</a:t>
+            </a:fld>
+            <a:endParaRPr lang="ko-KR" altLang="en-US" dirty="0"/>
+          </a:p>
+        </p:txBody>
+      </p:sp>
+    </p:spTree>
+    <p:extLst>
+      <p:ext uri="{BB962C8B-B14F-4D97-AF65-F5344CB8AC3E}">
+        <p14:creationId xmlns:p14="http://schemas.microsoft.com/office/powerpoint/2010/main" val="3947304361"/>
+      </p:ext>
+    </p:extLst>
+  </p:cSld>
+  <p:clrMapOvr>
+    <a:masterClrMapping/>
+  </p:clrMapOvr>
+</p:sld>
+</file>
+
+<file path=ppt/slides/slide20.xml><?xml version="1.0" encoding="utf-8"?>
+<p:sld xmlns:a="http://schemas.openxmlformats.org/drawingml/2006/main" xmlns:r="http://schemas.openxmlformats.org/officeDocument/2006/relationships" xmlns:p="http://schemas.openxmlformats.org/presentationml/2006/main">
+  <p:cSld>
+    <p:spTree>
+      <p:nvGrpSpPr>
+        <p:cNvPr id="1" name=""/>
+        <p:cNvGrpSpPr/>
+        <p:nvPr/>
+      </p:nvGrpSpPr>
+      <p:grpSpPr>
+        <a:xfrm>
+          <a:off x="0" y="0"/>
+          <a:ext cx="0" cy="0"/>
+          <a:chOff x="0" y="0"/>
+          <a:chExt cx="0" cy="0"/>
+        </a:xfrm>
+      </p:grpSpPr>
+      <p:sp>
+        <p:nvSpPr>
+          <p:cNvPr id="2" name="제목 1">
+            <a:extLst>
+              <a:ext uri="{FF2B5EF4-FFF2-40B4-BE49-F238E27FC236}">
+                <a16:creationId xmlns:a16="http://schemas.microsoft.com/office/drawing/2014/main" id="{17D6CD1C-84BA-4D84-8D86-5B102B81308C}"/>
+              </a:ext>
+            </a:extLst>
+          </p:cNvPr>
+          <p:cNvSpPr>
+            <a:spLocks noGrp="1"/>
+          </p:cNvSpPr>
+          <p:nvPr>
+            <p:ph type="title"/>
+          </p:nvPr>
+        </p:nvSpPr>
+        <p:spPr/>
+        <p:txBody>
+          <a:bodyPr/>
+          <a:lstStyle/>
+          <a:p>
+            <a:r>
+              <a:rPr lang="en-US" altLang="ko-KR" dirty="0"/>
+              <a:t>Post Processing</a:t>
+            </a:r>
+            <a:endParaRPr lang="ko-KR" altLang="en-US" dirty="0"/>
+          </a:p>
+        </p:txBody>
+      </p:sp>
+      <p:sp>
+        <p:nvSpPr>
+          <p:cNvPr id="3" name="내용 개체 틀 2">
+            <a:extLst>
+              <a:ext uri="{FF2B5EF4-FFF2-40B4-BE49-F238E27FC236}">
+                <a16:creationId xmlns:a16="http://schemas.microsoft.com/office/drawing/2014/main" id="{DBB3DD7E-F376-425C-B409-2B353A1B4204}"/>
+              </a:ext>
+            </a:extLst>
+          </p:cNvPr>
+          <p:cNvSpPr>
+            <a:spLocks noGrp="1"/>
+          </p:cNvSpPr>
+          <p:nvPr>
+            <p:ph idx="1"/>
+          </p:nvPr>
+        </p:nvSpPr>
+        <p:spPr/>
+        <p:txBody>
+          <a:bodyPr/>
+          <a:lstStyle/>
+          <a:p>
+            <a:r>
+              <a:rPr lang="ko-KR" altLang="en-US" dirty="0"/>
+              <a:t>추론 결과를 사람이 확인할 수 있는 수치로 변경하기 위해 아래와 같은 코드를 추가로 작성하고</a:t>
+            </a:r>
+            <a:r>
+              <a:rPr lang="en-US" altLang="ko-KR" dirty="0"/>
+              <a:t>, return </a:t>
+            </a:r>
+            <a:r>
+              <a:rPr lang="ko-KR" altLang="en-US" dirty="0"/>
+              <a:t>값을 변경한다</a:t>
+            </a:r>
+            <a:r>
+              <a:rPr lang="en-US" altLang="ko-KR" dirty="0"/>
+              <a:t>.</a:t>
+            </a:r>
+          </a:p>
+          <a:p>
+            <a:endParaRPr lang="en-US" altLang="ko-KR" dirty="0"/>
+          </a:p>
+          <a:p>
+            <a:endParaRPr lang="en-US" altLang="ko-KR" dirty="0"/>
+          </a:p>
+          <a:p>
+            <a:endParaRPr lang="en-US" altLang="ko-KR" dirty="0"/>
+          </a:p>
+          <a:p>
+            <a:endParaRPr lang="en-US" altLang="ko-KR" dirty="0"/>
+          </a:p>
+          <a:p>
+            <a:r>
+              <a:rPr lang="ko-KR" altLang="en-US" dirty="0"/>
+              <a:t>이로써 어플리케이션에 모델을 적용하는 과정이 끝났다</a:t>
+            </a:r>
+            <a:r>
+              <a:rPr lang="en-US" altLang="ko-KR" dirty="0"/>
+              <a:t>.</a:t>
+            </a:r>
+          </a:p>
+          <a:p>
+            <a:endParaRPr lang="ko-KR" altLang="en-US" dirty="0"/>
+          </a:p>
+        </p:txBody>
+      </p:sp>
+      <p:sp>
+        <p:nvSpPr>
+          <p:cNvPr id="4" name="날짜 개체 틀 3">
+            <a:extLst>
+              <a:ext uri="{FF2B5EF4-FFF2-40B4-BE49-F238E27FC236}">
+                <a16:creationId xmlns:a16="http://schemas.microsoft.com/office/drawing/2014/main" id="{B3FD5578-1193-4CD3-B7C6-40FB246A3474}"/>
+              </a:ext>
+            </a:extLst>
+          </p:cNvPr>
+          <p:cNvSpPr>
+            <a:spLocks noGrp="1"/>
+          </p:cNvSpPr>
+          <p:nvPr>
+            <p:ph type="dt" sz="half" idx="10"/>
+          </p:nvPr>
+        </p:nvSpPr>
+        <p:spPr/>
+        <p:txBody>
+          <a:bodyPr/>
+          <a:lstStyle/>
+          <a:p>
+            <a:r>
+              <a:rPr lang="ko-KR" altLang="en-US"/>
+              <a:t>권철현</a:t>
+            </a:r>
+            <a:r>
+              <a:rPr lang="en-US" altLang="ko-KR"/>
+              <a:t>, </a:t>
+            </a:r>
+            <a:r>
+              <a:rPr lang="ko-KR" altLang="en-US"/>
+              <a:t>신재하</a:t>
+            </a:r>
+            <a:endParaRPr lang="ko-KR" altLang="en-US" dirty="0"/>
+          </a:p>
+        </p:txBody>
+      </p:sp>
+      <p:sp>
+        <p:nvSpPr>
+          <p:cNvPr id="5" name="슬라이드 번호 개체 틀 4">
+            <a:extLst>
+              <a:ext uri="{FF2B5EF4-FFF2-40B4-BE49-F238E27FC236}">
+                <a16:creationId xmlns:a16="http://schemas.microsoft.com/office/drawing/2014/main" id="{5C8A0AD5-0055-42B5-8587-22DB00D1322C}"/>
+              </a:ext>
+            </a:extLst>
+          </p:cNvPr>
+          <p:cNvSpPr>
+            <a:spLocks noGrp="1"/>
+          </p:cNvSpPr>
+          <p:nvPr>
+            <p:ph type="sldNum" sz="quarter" idx="12"/>
+          </p:nvPr>
+        </p:nvSpPr>
+        <p:spPr/>
+        <p:txBody>
+          <a:bodyPr/>
+          <a:lstStyle/>
+          <a:p>
+            <a:fld id="{5FF72CB3-86FB-4DBB-A7AC-E8F6F3DA156B}" type="slidenum">
+              <a:rPr lang="ko-KR" altLang="en-US" smtClean="0"/>
+              <a:pPr/>
+              <a:t>20</a:t>
+            </a:fld>
+            <a:endParaRPr lang="ko-KR" altLang="en-US" dirty="0"/>
+          </a:p>
+        </p:txBody>
+      </p:sp>
+      <p:pic>
+        <p:nvPicPr>
+          <p:cNvPr id="9" name="그림 8">
+            <a:extLst>
+              <a:ext uri="{FF2B5EF4-FFF2-40B4-BE49-F238E27FC236}">
+                <a16:creationId xmlns:a16="http://schemas.microsoft.com/office/drawing/2014/main" id="{006449BA-EF62-4898-90A8-6DE9C1D5248B}"/>
+              </a:ext>
+            </a:extLst>
+          </p:cNvPr>
+          <p:cNvPicPr>
+            <a:picLocks noChangeAspect="1"/>
+          </p:cNvPicPr>
+          <p:nvPr/>
+        </p:nvPicPr>
+        <p:blipFill rotWithShape="1">
+          <a:blip r:embed="rId2"/>
+          <a:srcRect t="10369"/>
+          <a:stretch/>
+        </p:blipFill>
+        <p:spPr>
+          <a:xfrm>
+            <a:off x="440149" y="2819417"/>
+            <a:ext cx="11432770" cy="2199002"/>
+          </a:xfrm>
+          <a:prstGeom prst="rect">
+            <a:avLst/>
+          </a:prstGeom>
+        </p:spPr>
+      </p:pic>
+    </p:spTree>
+    <p:extLst>
+      <p:ext uri="{BB962C8B-B14F-4D97-AF65-F5344CB8AC3E}">
+        <p14:creationId xmlns:p14="http://schemas.microsoft.com/office/powerpoint/2010/main" val="2408526520"/>
+      </p:ext>
+    </p:extLst>
+  </p:cSld>
+  <p:clrMapOvr>
+    <a:masterClrMapping/>
+  </p:clrMapOvr>
+</p:sld>
+</file>
+
+<file path=ppt/slides/slide21.xml><?xml version="1.0" encoding="utf-8"?>
+<p:sld xmlns:a="http://schemas.openxmlformats.org/drawingml/2006/main" xmlns:r="http://schemas.openxmlformats.org/officeDocument/2006/relationships" xmlns:p="http://schemas.openxmlformats.org/presentationml/2006/main">
+  <p:cSld>
+    <p:spTree>
+      <p:nvGrpSpPr>
+        <p:cNvPr id="1" name=""/>
+        <p:cNvGrpSpPr/>
+        <p:nvPr/>
+      </p:nvGrpSpPr>
+      <p:grpSpPr>
+        <a:xfrm>
+          <a:off x="0" y="0"/>
+          <a:ext cx="0" cy="0"/>
+          <a:chOff x="0" y="0"/>
+          <a:chExt cx="0" cy="0"/>
+        </a:xfrm>
+      </p:grpSpPr>
+      <p:sp>
+        <p:nvSpPr>
+          <p:cNvPr id="2" name="제목 1">
+            <a:extLst>
+              <a:ext uri="{FF2B5EF4-FFF2-40B4-BE49-F238E27FC236}">
+                <a16:creationId xmlns:a16="http://schemas.microsoft.com/office/drawing/2014/main" id="{BA7600F6-91D6-43B1-8E86-AF9B0D174685}"/>
+              </a:ext>
+            </a:extLst>
+          </p:cNvPr>
+          <p:cNvSpPr>
+            <a:spLocks noGrp="1"/>
+          </p:cNvSpPr>
+          <p:nvPr>
+            <p:ph type="title"/>
+          </p:nvPr>
+        </p:nvSpPr>
+        <p:spPr/>
+        <p:txBody>
+          <a:bodyPr/>
+          <a:lstStyle/>
+          <a:p>
+            <a:r>
+              <a:rPr lang="en-US" altLang="ko-KR" dirty="0"/>
+              <a:t>Contents</a:t>
+            </a:r>
+            <a:endParaRPr lang="ko-KR" altLang="en-US" dirty="0"/>
+          </a:p>
+        </p:txBody>
+      </p:sp>
+      <p:sp>
+        <p:nvSpPr>
+          <p:cNvPr id="3" name="내용 개체 틀 2">
+            <a:extLst>
+              <a:ext uri="{FF2B5EF4-FFF2-40B4-BE49-F238E27FC236}">
+                <a16:creationId xmlns:a16="http://schemas.microsoft.com/office/drawing/2014/main" id="{23ABC995-4F08-4C15-8BB0-764CB3314627}"/>
+              </a:ext>
+            </a:extLst>
+          </p:cNvPr>
+          <p:cNvSpPr>
+            <a:spLocks noGrp="1"/>
+          </p:cNvSpPr>
+          <p:nvPr>
+            <p:ph idx="1"/>
+          </p:nvPr>
+        </p:nvSpPr>
+        <p:spPr/>
+        <p:txBody>
+          <a:bodyPr/>
+          <a:lstStyle/>
+          <a:p>
+            <a:r>
+              <a:rPr lang="en-US" altLang="ko-KR" dirty="0">
+                <a:solidFill>
+                  <a:schemeClr val="bg1">
+                    <a:lumMod val="65000"/>
+                  </a:schemeClr>
+                </a:solidFill>
+              </a:rPr>
+              <a:t>TF Lite</a:t>
+            </a:r>
+          </a:p>
+          <a:p>
+            <a:r>
+              <a:rPr lang="en-US" altLang="ko-KR" dirty="0">
+                <a:solidFill>
+                  <a:schemeClr val="bg1">
+                    <a:lumMod val="65000"/>
+                  </a:schemeClr>
+                </a:solidFill>
+              </a:rPr>
+              <a:t>TF</a:t>
+            </a:r>
+            <a:r>
+              <a:rPr lang="ko-KR" altLang="en-US" dirty="0">
+                <a:solidFill>
+                  <a:schemeClr val="bg1">
+                    <a:lumMod val="65000"/>
+                  </a:schemeClr>
+                </a:solidFill>
+              </a:rPr>
+              <a:t> </a:t>
+            </a:r>
+            <a:r>
+              <a:rPr lang="en-US" altLang="ko-KR" dirty="0">
+                <a:solidFill>
+                  <a:schemeClr val="bg1">
+                    <a:lumMod val="65000"/>
+                  </a:schemeClr>
+                </a:solidFill>
+              </a:rPr>
+              <a:t>Lite</a:t>
+            </a:r>
+            <a:r>
+              <a:rPr lang="ko-KR" altLang="en-US" dirty="0">
+                <a:solidFill>
+                  <a:schemeClr val="bg1">
+                    <a:lumMod val="65000"/>
+                  </a:schemeClr>
+                </a:solidFill>
+              </a:rPr>
+              <a:t> 모델 생성</a:t>
+            </a:r>
+            <a:endParaRPr lang="en-US" altLang="ko-KR" dirty="0">
+              <a:solidFill>
+                <a:schemeClr val="bg1">
+                  <a:lumMod val="65000"/>
+                </a:schemeClr>
+              </a:solidFill>
+            </a:endParaRPr>
+          </a:p>
+          <a:p>
+            <a:r>
+              <a:rPr lang="en-US" altLang="ko-KR" dirty="0">
+                <a:solidFill>
+                  <a:schemeClr val="bg1">
+                    <a:lumMod val="65000"/>
+                  </a:schemeClr>
+                </a:solidFill>
+              </a:rPr>
+              <a:t>Android application</a:t>
+            </a:r>
+            <a:r>
+              <a:rPr lang="ko-KR" altLang="en-US" dirty="0">
+                <a:solidFill>
+                  <a:schemeClr val="bg1">
+                    <a:lumMod val="65000"/>
+                  </a:schemeClr>
+                </a:solidFill>
+              </a:rPr>
+              <a:t>에 모델 적용</a:t>
+            </a:r>
+            <a:endParaRPr lang="en-US" altLang="ko-KR" dirty="0">
+              <a:solidFill>
+                <a:schemeClr val="bg1">
+                  <a:lumMod val="65000"/>
+                </a:schemeClr>
+              </a:solidFill>
+            </a:endParaRPr>
+          </a:p>
+          <a:p>
+            <a:r>
+              <a:rPr lang="ko-KR" altLang="en-US" dirty="0"/>
+              <a:t>컴파일 및 추론 실행 </a:t>
+            </a:r>
+          </a:p>
+        </p:txBody>
+      </p:sp>
+      <p:sp>
+        <p:nvSpPr>
+          <p:cNvPr id="4" name="날짜 개체 틀 3">
+            <a:extLst>
+              <a:ext uri="{FF2B5EF4-FFF2-40B4-BE49-F238E27FC236}">
+                <a16:creationId xmlns:a16="http://schemas.microsoft.com/office/drawing/2014/main" id="{CB09D7D2-D349-4009-B4BB-B070367E5265}"/>
+              </a:ext>
+            </a:extLst>
+          </p:cNvPr>
+          <p:cNvSpPr>
+            <a:spLocks noGrp="1"/>
+          </p:cNvSpPr>
+          <p:nvPr>
+            <p:ph type="dt" sz="half" idx="10"/>
+          </p:nvPr>
+        </p:nvSpPr>
+        <p:spPr/>
+        <p:txBody>
+          <a:bodyPr/>
+          <a:lstStyle/>
+          <a:p>
+            <a:r>
+              <a:rPr lang="ko-KR" altLang="en-US"/>
+              <a:t>권철현</a:t>
+            </a:r>
+            <a:r>
+              <a:rPr lang="en-US" altLang="ko-KR"/>
+              <a:t>, </a:t>
+            </a:r>
+            <a:r>
+              <a:rPr lang="ko-KR" altLang="en-US"/>
+              <a:t>신재하</a:t>
+            </a:r>
+            <a:endParaRPr lang="ko-KR" altLang="en-US" dirty="0"/>
+          </a:p>
+        </p:txBody>
+      </p:sp>
+      <p:sp>
+        <p:nvSpPr>
+          <p:cNvPr id="5" name="슬라이드 번호 개체 틀 4">
+            <a:extLst>
+              <a:ext uri="{FF2B5EF4-FFF2-40B4-BE49-F238E27FC236}">
+                <a16:creationId xmlns:a16="http://schemas.microsoft.com/office/drawing/2014/main" id="{B0626CB9-9982-4D7F-A26C-F3F8C0080176}"/>
+              </a:ext>
+            </a:extLst>
+          </p:cNvPr>
+          <p:cNvSpPr>
+            <a:spLocks noGrp="1"/>
+          </p:cNvSpPr>
+          <p:nvPr>
+            <p:ph type="sldNum" sz="quarter" idx="12"/>
+          </p:nvPr>
+        </p:nvSpPr>
+        <p:spPr/>
+        <p:txBody>
+          <a:bodyPr/>
+          <a:lstStyle/>
+          <a:p>
+            <a:fld id="{5FF72CB3-86FB-4DBB-A7AC-E8F6F3DA156B}" type="slidenum">
+              <a:rPr lang="ko-KR" altLang="en-US" smtClean="0"/>
+              <a:pPr/>
+              <a:t>21</a:t>
+            </a:fld>
+            <a:endParaRPr lang="ko-KR" altLang="en-US" dirty="0"/>
+          </a:p>
+        </p:txBody>
+      </p:sp>
+    </p:spTree>
+    <p:extLst>
+      <p:ext uri="{BB962C8B-B14F-4D97-AF65-F5344CB8AC3E}">
+        <p14:creationId xmlns:p14="http://schemas.microsoft.com/office/powerpoint/2010/main" val="1635559810"/>
+      </p:ext>
+    </p:extLst>
+  </p:cSld>
+  <p:clrMapOvr>
+    <a:masterClrMapping/>
+  </p:clrMapOvr>
+</p:sld>
+</file>
+
+<file path=ppt/slides/slide22.xml><?xml version="1.0" encoding="utf-8"?>
+<p:sld xmlns:a="http://schemas.openxmlformats.org/drawingml/2006/main" xmlns:r="http://schemas.openxmlformats.org/officeDocument/2006/relationships" xmlns:p="http://schemas.openxmlformats.org/presentationml/2006/main">
+  <p:cSld>
+    <p:spTree>
+      <p:nvGrpSpPr>
+        <p:cNvPr id="1" name=""/>
+        <p:cNvGrpSpPr/>
+        <p:nvPr/>
+      </p:nvGrpSpPr>
+      <p:grpSpPr>
+        <a:xfrm>
+          <a:off x="0" y="0"/>
+          <a:ext cx="0" cy="0"/>
+          <a:chOff x="0" y="0"/>
+          <a:chExt cx="0" cy="0"/>
+        </a:xfrm>
+      </p:grpSpPr>
+      <p:sp>
+        <p:nvSpPr>
+          <p:cNvPr id="2" name="제목 1">
+            <a:extLst>
+              <a:ext uri="{FF2B5EF4-FFF2-40B4-BE49-F238E27FC236}">
+                <a16:creationId xmlns:a16="http://schemas.microsoft.com/office/drawing/2014/main" id="{5FE5B235-F2A2-49B1-8FCF-AA5D82EBB770}"/>
+              </a:ext>
+            </a:extLst>
+          </p:cNvPr>
+          <p:cNvSpPr>
+            <a:spLocks noGrp="1"/>
+          </p:cNvSpPr>
+          <p:nvPr>
+            <p:ph type="title"/>
+          </p:nvPr>
+        </p:nvSpPr>
+        <p:spPr/>
+        <p:txBody>
+          <a:bodyPr/>
+          <a:lstStyle/>
+          <a:p>
+            <a:r>
+              <a:rPr lang="en-US" altLang="ko-KR" dirty="0"/>
+              <a:t>Compile Application</a:t>
+            </a:r>
+            <a:endParaRPr lang="ko-KR" altLang="en-US" dirty="0"/>
+          </a:p>
+        </p:txBody>
+      </p:sp>
+      <p:sp>
+        <p:nvSpPr>
+          <p:cNvPr id="3" name="내용 개체 틀 2">
+            <a:extLst>
+              <a:ext uri="{FF2B5EF4-FFF2-40B4-BE49-F238E27FC236}">
+                <a16:creationId xmlns:a16="http://schemas.microsoft.com/office/drawing/2014/main" id="{18BE44A2-925C-4E77-9C8B-E2126CF57B2D}"/>
+              </a:ext>
+            </a:extLst>
+          </p:cNvPr>
+          <p:cNvSpPr>
+            <a:spLocks noGrp="1"/>
+          </p:cNvSpPr>
+          <p:nvPr>
+            <p:ph idx="1"/>
+          </p:nvPr>
+        </p:nvSpPr>
+        <p:spPr/>
+        <p:txBody>
+          <a:bodyPr/>
+          <a:lstStyle/>
+          <a:p>
+            <a:r>
+              <a:rPr lang="ko-KR" altLang="en-US" dirty="0"/>
+              <a:t>앞선 과정에서 모델을 적용한 어플리케이션을 실행해야 한다</a:t>
+            </a:r>
+            <a:r>
+              <a:rPr lang="en-US" altLang="ko-KR" dirty="0"/>
+              <a:t>.</a:t>
+            </a:r>
+          </a:p>
+          <a:p>
+            <a:r>
+              <a:rPr lang="ko-KR" altLang="en-US" dirty="0"/>
+              <a:t>아래 버튼을 눌러 실행한다</a:t>
+            </a:r>
+            <a:r>
+              <a:rPr lang="en-US" altLang="ko-KR" dirty="0"/>
+              <a:t>.</a:t>
+            </a:r>
+          </a:p>
+          <a:p>
+            <a:endParaRPr lang="en-US" altLang="ko-KR" dirty="0"/>
+          </a:p>
+          <a:p>
+            <a:endParaRPr lang="en-US" altLang="ko-KR" dirty="0"/>
+          </a:p>
+          <a:p>
+            <a:endParaRPr lang="en-US" altLang="ko-KR" dirty="0"/>
+          </a:p>
+          <a:p>
+            <a:r>
+              <a:rPr lang="ko-KR" altLang="en-US" dirty="0"/>
+              <a:t>실행한 어플리케이션에서 </a:t>
+            </a:r>
+            <a:r>
+              <a:rPr lang="ko-KR" altLang="en-US" dirty="0" err="1"/>
+              <a:t>손글씨를</a:t>
+            </a:r>
+            <a:r>
+              <a:rPr lang="ko-KR" altLang="en-US" dirty="0"/>
+              <a:t> 입력하면 추론이 진행됨을 확인할 수 있다</a:t>
+            </a:r>
+            <a:r>
+              <a:rPr lang="en-US" altLang="ko-KR" dirty="0"/>
+              <a:t>.</a:t>
+            </a:r>
+            <a:endParaRPr lang="ko-KR" altLang="en-US" dirty="0"/>
+          </a:p>
+        </p:txBody>
+      </p:sp>
+      <p:sp>
+        <p:nvSpPr>
+          <p:cNvPr id="4" name="날짜 개체 틀 3">
+            <a:extLst>
+              <a:ext uri="{FF2B5EF4-FFF2-40B4-BE49-F238E27FC236}">
+                <a16:creationId xmlns:a16="http://schemas.microsoft.com/office/drawing/2014/main" id="{EF326318-A714-4C84-8B8A-4558A6CEE6DC}"/>
+              </a:ext>
+            </a:extLst>
+          </p:cNvPr>
+          <p:cNvSpPr>
+            <a:spLocks noGrp="1"/>
+          </p:cNvSpPr>
+          <p:nvPr>
+            <p:ph type="dt" sz="half" idx="10"/>
+          </p:nvPr>
+        </p:nvSpPr>
+        <p:spPr/>
+        <p:txBody>
+          <a:bodyPr/>
+          <a:lstStyle/>
+          <a:p>
+            <a:r>
+              <a:rPr lang="ko-KR" altLang="en-US"/>
+              <a:t>권철현</a:t>
+            </a:r>
+            <a:r>
+              <a:rPr lang="en-US" altLang="ko-KR"/>
+              <a:t>, </a:t>
+            </a:r>
+            <a:r>
+              <a:rPr lang="ko-KR" altLang="en-US"/>
+              <a:t>신재하</a:t>
+            </a:r>
+            <a:endParaRPr lang="ko-KR" altLang="en-US" dirty="0"/>
+          </a:p>
+        </p:txBody>
+      </p:sp>
+      <p:sp>
+        <p:nvSpPr>
+          <p:cNvPr id="5" name="슬라이드 번호 개체 틀 4">
+            <a:extLst>
+              <a:ext uri="{FF2B5EF4-FFF2-40B4-BE49-F238E27FC236}">
+                <a16:creationId xmlns:a16="http://schemas.microsoft.com/office/drawing/2014/main" id="{A99BA113-2A09-4693-961B-DBD0AAA37835}"/>
+              </a:ext>
+            </a:extLst>
+          </p:cNvPr>
+          <p:cNvSpPr>
+            <a:spLocks noGrp="1"/>
+          </p:cNvSpPr>
+          <p:nvPr>
+            <p:ph type="sldNum" sz="quarter" idx="12"/>
+          </p:nvPr>
+        </p:nvSpPr>
+        <p:spPr/>
+        <p:txBody>
+          <a:bodyPr/>
+          <a:lstStyle/>
+          <a:p>
+            <a:fld id="{5FF72CB3-86FB-4DBB-A7AC-E8F6F3DA156B}" type="slidenum">
+              <a:rPr lang="ko-KR" altLang="en-US" smtClean="0"/>
+              <a:pPr/>
+              <a:t>22</a:t>
+            </a:fld>
+            <a:endParaRPr lang="ko-KR" altLang="en-US" dirty="0"/>
+          </a:p>
+        </p:txBody>
+      </p:sp>
+      <p:pic>
+        <p:nvPicPr>
+          <p:cNvPr id="9" name="그림 8">
+            <a:extLst>
+              <a:ext uri="{FF2B5EF4-FFF2-40B4-BE49-F238E27FC236}">
+                <a16:creationId xmlns:a16="http://schemas.microsoft.com/office/drawing/2014/main" id="{61A07931-8F5E-4660-B9D6-2ECBD0F85442}"/>
+              </a:ext>
+            </a:extLst>
+          </p:cNvPr>
+          <p:cNvPicPr>
+            <a:picLocks noChangeAspect="1"/>
+          </p:cNvPicPr>
+          <p:nvPr/>
+        </p:nvPicPr>
+        <p:blipFill>
+          <a:blip r:embed="rId2"/>
+          <a:stretch>
+            <a:fillRect/>
+          </a:stretch>
+        </p:blipFill>
+        <p:spPr>
+          <a:xfrm>
+            <a:off x="434195" y="2880506"/>
+            <a:ext cx="10736173" cy="1629002"/>
+          </a:xfrm>
+          <a:prstGeom prst="rect">
+            <a:avLst/>
+          </a:prstGeom>
+        </p:spPr>
+      </p:pic>
+      <p:sp>
+        <p:nvSpPr>
+          <p:cNvPr id="10" name="직사각형 9">
+            <a:extLst>
+              <a:ext uri="{FF2B5EF4-FFF2-40B4-BE49-F238E27FC236}">
+                <a16:creationId xmlns:a16="http://schemas.microsoft.com/office/drawing/2014/main" id="{811AA3C7-B773-42F2-8B84-A0C937396C5A}"/>
+              </a:ext>
+            </a:extLst>
+          </p:cNvPr>
+          <p:cNvSpPr/>
+          <p:nvPr/>
+        </p:nvSpPr>
+        <p:spPr>
+          <a:xfrm>
+            <a:off x="7392785" y="3428999"/>
+            <a:ext cx="576349" cy="532015"/>
+          </a:xfrm>
+          <a:prstGeom prst="rect">
+            <a:avLst/>
+          </a:prstGeom>
+          <a:noFill/>
+          <a:ln w="50800">
+            <a:solidFill>
+              <a:srgbClr val="FF0000"/>
+            </a:solidFill>
+          </a:ln>
+        </p:spPr>
+        <p:style>
+          <a:lnRef idx="2">
+            <a:schemeClr val="accent1">
+              <a:shade val="50000"/>
+            </a:schemeClr>
+          </a:lnRef>
+          <a:fillRef idx="1">
+            <a:schemeClr val="accent1"/>
+          </a:fillRef>
+          <a:effectRef idx="0">
+            <a:schemeClr val="accent1"/>
+          </a:effectRef>
+          <a:fontRef idx="minor">
+            <a:schemeClr val="lt1"/>
+          </a:fontRef>
+        </p:style>
+        <p:txBody>
+          <a:bodyPr rtlCol="0" anchor="ctr"/>
+          <a:lstStyle/>
+          <a:p>
+            <a:pPr algn="ctr"/>
+            <a:endParaRPr lang="ko-KR" altLang="en-US"/>
+          </a:p>
+        </p:txBody>
+      </p:sp>
+    </p:spTree>
+    <p:extLst>
+      <p:ext uri="{BB962C8B-B14F-4D97-AF65-F5344CB8AC3E}">
+        <p14:creationId xmlns:p14="http://schemas.microsoft.com/office/powerpoint/2010/main" val="1468198401"/>
+      </p:ext>
+    </p:extLst>
+  </p:cSld>
+  <p:clrMapOvr>
+    <a:masterClrMapping/>
+  </p:clrMapOvr>
+</p:sld>
+</file>
+
+<file path=ppt/slides/slide23.xml><?xml version="1.0" encoding="utf-8"?>
+<p:sld xmlns:a="http://schemas.openxmlformats.org/drawingml/2006/main" xmlns:r="http://schemas.openxmlformats.org/officeDocument/2006/relationships" xmlns:p="http://schemas.openxmlformats.org/presentationml/2006/main">
+  <p:cSld>
+    <p:spTree>
+      <p:nvGrpSpPr>
+        <p:cNvPr id="1" name=""/>
+        <p:cNvGrpSpPr/>
+        <p:nvPr/>
+      </p:nvGrpSpPr>
+      <p:grpSpPr>
+        <a:xfrm>
+          <a:off x="0" y="0"/>
+          <a:ext cx="0" cy="0"/>
+          <a:chOff x="0" y="0"/>
+          <a:chExt cx="0" cy="0"/>
+        </a:xfrm>
+      </p:grpSpPr>
+      <p:pic>
+        <p:nvPicPr>
+          <p:cNvPr id="16" name="내용 개체 틀 15">
+            <a:extLst>
+              <a:ext uri="{FF2B5EF4-FFF2-40B4-BE49-F238E27FC236}">
+                <a16:creationId xmlns:a16="http://schemas.microsoft.com/office/drawing/2014/main" id="{5E92D81F-2A32-4F4D-9190-2456371A25A3}"/>
+              </a:ext>
+            </a:extLst>
+          </p:cNvPr>
+          <p:cNvPicPr>
+            <a:picLocks noGrp="1" noChangeAspect="1"/>
+          </p:cNvPicPr>
+          <p:nvPr>
+            <p:ph idx="1"/>
+          </p:nvPr>
+        </p:nvPicPr>
+        <p:blipFill>
+          <a:blip r:embed="rId2"/>
+          <a:stretch>
+            <a:fillRect/>
+          </a:stretch>
+        </p:blipFill>
+        <p:spPr>
+          <a:xfrm>
+            <a:off x="1252938" y="1434255"/>
+            <a:ext cx="2393416" cy="4857750"/>
+          </a:xfrm>
+        </p:spPr>
+      </p:pic>
+      <p:sp>
+        <p:nvSpPr>
+          <p:cNvPr id="2" name="제목 1">
+            <a:extLst>
+              <a:ext uri="{FF2B5EF4-FFF2-40B4-BE49-F238E27FC236}">
+                <a16:creationId xmlns:a16="http://schemas.microsoft.com/office/drawing/2014/main" id="{75BDA79F-2071-498A-AC74-EB3D82D691E4}"/>
+              </a:ext>
+            </a:extLst>
+          </p:cNvPr>
+          <p:cNvSpPr>
+            <a:spLocks noGrp="1"/>
+          </p:cNvSpPr>
+          <p:nvPr>
+            <p:ph type="title"/>
+          </p:nvPr>
+        </p:nvSpPr>
+        <p:spPr/>
+        <p:txBody>
+          <a:bodyPr/>
+          <a:lstStyle/>
+          <a:p>
+            <a:r>
+              <a:rPr lang="en-US" altLang="ko-KR" dirty="0"/>
+              <a:t>Inference</a:t>
+            </a:r>
+            <a:endParaRPr lang="ko-KR" altLang="en-US" dirty="0"/>
+          </a:p>
+        </p:txBody>
+      </p:sp>
+      <p:sp>
+        <p:nvSpPr>
+          <p:cNvPr id="4" name="날짜 개체 틀 3">
+            <a:extLst>
+              <a:ext uri="{FF2B5EF4-FFF2-40B4-BE49-F238E27FC236}">
+                <a16:creationId xmlns:a16="http://schemas.microsoft.com/office/drawing/2014/main" id="{37F1486B-5203-4087-AEF2-D0E11BBA2929}"/>
+              </a:ext>
+            </a:extLst>
+          </p:cNvPr>
+          <p:cNvSpPr>
+            <a:spLocks noGrp="1"/>
+          </p:cNvSpPr>
+          <p:nvPr>
+            <p:ph type="dt" sz="half" idx="10"/>
+          </p:nvPr>
+        </p:nvSpPr>
+        <p:spPr/>
+        <p:txBody>
+          <a:bodyPr/>
+          <a:lstStyle/>
+          <a:p>
+            <a:r>
+              <a:rPr lang="ko-KR" altLang="en-US"/>
+              <a:t>권철현</a:t>
+            </a:r>
+            <a:r>
+              <a:rPr lang="en-US" altLang="ko-KR"/>
+              <a:t>, </a:t>
+            </a:r>
+            <a:r>
+              <a:rPr lang="ko-KR" altLang="en-US"/>
+              <a:t>신재하</a:t>
+            </a:r>
+            <a:endParaRPr lang="ko-KR" altLang="en-US" dirty="0"/>
+          </a:p>
+        </p:txBody>
+      </p:sp>
+      <p:sp>
+        <p:nvSpPr>
+          <p:cNvPr id="5" name="슬라이드 번호 개체 틀 4">
+            <a:extLst>
+              <a:ext uri="{FF2B5EF4-FFF2-40B4-BE49-F238E27FC236}">
+                <a16:creationId xmlns:a16="http://schemas.microsoft.com/office/drawing/2014/main" id="{7AF91455-78D4-4D49-A499-E268CC80E690}"/>
+              </a:ext>
+            </a:extLst>
+          </p:cNvPr>
+          <p:cNvSpPr>
+            <a:spLocks noGrp="1"/>
+          </p:cNvSpPr>
+          <p:nvPr>
+            <p:ph type="sldNum" sz="quarter" idx="12"/>
+          </p:nvPr>
+        </p:nvSpPr>
+        <p:spPr/>
+        <p:txBody>
+          <a:bodyPr/>
+          <a:lstStyle/>
+          <a:p>
+            <a:fld id="{5FF72CB3-86FB-4DBB-A7AC-E8F6F3DA156B}" type="slidenum">
+              <a:rPr lang="ko-KR" altLang="en-US" smtClean="0"/>
+              <a:pPr/>
+              <a:t>23</a:t>
+            </a:fld>
+            <a:endParaRPr lang="ko-KR" altLang="en-US" dirty="0"/>
+          </a:p>
+        </p:txBody>
+      </p:sp>
+      <p:sp>
+        <p:nvSpPr>
+          <p:cNvPr id="12" name="직사각형 11">
+            <a:extLst>
+              <a:ext uri="{FF2B5EF4-FFF2-40B4-BE49-F238E27FC236}">
+                <a16:creationId xmlns:a16="http://schemas.microsoft.com/office/drawing/2014/main" id="{C6E223E3-4B61-4B29-858C-69B3624D71D7}"/>
+              </a:ext>
+            </a:extLst>
+          </p:cNvPr>
+          <p:cNvSpPr/>
+          <p:nvPr/>
+        </p:nvSpPr>
+        <p:spPr>
+          <a:xfrm>
+            <a:off x="1404851" y="4826308"/>
+            <a:ext cx="2064327" cy="532631"/>
+          </a:xfrm>
+          <a:prstGeom prst="rect">
+            <a:avLst/>
+          </a:prstGeom>
+          <a:noFill/>
+          <a:ln w="50800">
+            <a:solidFill>
+              <a:srgbClr val="FF0000"/>
+            </a:solidFill>
+          </a:ln>
+        </p:spPr>
+        <p:style>
+          <a:lnRef idx="2">
+            <a:schemeClr val="accent1">
+              <a:shade val="50000"/>
+            </a:schemeClr>
+          </a:lnRef>
+          <a:fillRef idx="1">
+            <a:schemeClr val="accent1"/>
+          </a:fillRef>
+          <a:effectRef idx="0">
+            <a:schemeClr val="accent1"/>
+          </a:effectRef>
+          <a:fontRef idx="minor">
+            <a:schemeClr val="lt1"/>
+          </a:fontRef>
+        </p:style>
+        <p:txBody>
+          <a:bodyPr rtlCol="0" anchor="ctr"/>
+          <a:lstStyle/>
+          <a:p>
+            <a:pPr algn="ctr"/>
+            <a:endParaRPr lang="ko-KR" altLang="en-US"/>
+          </a:p>
+        </p:txBody>
+      </p:sp>
+      <p:pic>
+        <p:nvPicPr>
+          <p:cNvPr id="18" name="그림 17">
+            <a:extLst>
+              <a:ext uri="{FF2B5EF4-FFF2-40B4-BE49-F238E27FC236}">
+                <a16:creationId xmlns:a16="http://schemas.microsoft.com/office/drawing/2014/main" id="{E98A6CE8-F4DD-40C5-9AD5-3A7239795A13}"/>
+              </a:ext>
+            </a:extLst>
+          </p:cNvPr>
+          <p:cNvPicPr>
+            <a:picLocks noChangeAspect="1"/>
+          </p:cNvPicPr>
+          <p:nvPr/>
+        </p:nvPicPr>
+        <p:blipFill>
+          <a:blip r:embed="rId3"/>
+          <a:stretch>
+            <a:fillRect/>
+          </a:stretch>
+        </p:blipFill>
+        <p:spPr>
+          <a:xfrm>
+            <a:off x="4899292" y="1434255"/>
+            <a:ext cx="2393417" cy="4857750"/>
+          </a:xfrm>
+          <a:prstGeom prst="rect">
+            <a:avLst/>
+          </a:prstGeom>
+        </p:spPr>
+      </p:pic>
+      <p:pic>
+        <p:nvPicPr>
+          <p:cNvPr id="20" name="그림 19">
+            <a:extLst>
+              <a:ext uri="{FF2B5EF4-FFF2-40B4-BE49-F238E27FC236}">
+                <a16:creationId xmlns:a16="http://schemas.microsoft.com/office/drawing/2014/main" id="{85D23921-40F5-4137-A1C9-08AB4389F70A}"/>
+              </a:ext>
+            </a:extLst>
+          </p:cNvPr>
+          <p:cNvPicPr>
+            <a:picLocks noChangeAspect="1"/>
+          </p:cNvPicPr>
+          <p:nvPr/>
+        </p:nvPicPr>
+        <p:blipFill>
+          <a:blip r:embed="rId4"/>
+          <a:stretch>
+            <a:fillRect/>
+          </a:stretch>
+        </p:blipFill>
+        <p:spPr>
+          <a:xfrm>
+            <a:off x="8545646" y="1434255"/>
+            <a:ext cx="2393417" cy="4857750"/>
+          </a:xfrm>
+          <a:prstGeom prst="rect">
+            <a:avLst/>
+          </a:prstGeom>
+        </p:spPr>
+      </p:pic>
+      <p:sp>
+        <p:nvSpPr>
+          <p:cNvPr id="21" name="직사각형 20">
+            <a:extLst>
+              <a:ext uri="{FF2B5EF4-FFF2-40B4-BE49-F238E27FC236}">
+                <a16:creationId xmlns:a16="http://schemas.microsoft.com/office/drawing/2014/main" id="{39EE34E3-7C88-40E4-B9A2-975390C40590}"/>
+              </a:ext>
+            </a:extLst>
+          </p:cNvPr>
+          <p:cNvSpPr/>
+          <p:nvPr/>
+        </p:nvSpPr>
+        <p:spPr>
+          <a:xfrm>
+            <a:off x="5063836" y="4826308"/>
+            <a:ext cx="2064327" cy="532631"/>
+          </a:xfrm>
+          <a:prstGeom prst="rect">
+            <a:avLst/>
+          </a:prstGeom>
+          <a:noFill/>
+          <a:ln w="50800">
+            <a:solidFill>
+              <a:srgbClr val="FF0000"/>
+            </a:solidFill>
+          </a:ln>
+        </p:spPr>
+        <p:style>
+          <a:lnRef idx="2">
+            <a:schemeClr val="accent1">
+              <a:shade val="50000"/>
+            </a:schemeClr>
+          </a:lnRef>
+          <a:fillRef idx="1">
+            <a:schemeClr val="accent1"/>
+          </a:fillRef>
+          <a:effectRef idx="0">
+            <a:schemeClr val="accent1"/>
+          </a:effectRef>
+          <a:fontRef idx="minor">
+            <a:schemeClr val="lt1"/>
+          </a:fontRef>
+        </p:style>
+        <p:txBody>
+          <a:bodyPr rtlCol="0" anchor="ctr"/>
+          <a:lstStyle/>
+          <a:p>
+            <a:pPr algn="ctr"/>
+            <a:endParaRPr lang="ko-KR" altLang="en-US"/>
+          </a:p>
+        </p:txBody>
+      </p:sp>
+      <p:sp>
+        <p:nvSpPr>
+          <p:cNvPr id="22" name="직사각형 21">
+            <a:extLst>
+              <a:ext uri="{FF2B5EF4-FFF2-40B4-BE49-F238E27FC236}">
+                <a16:creationId xmlns:a16="http://schemas.microsoft.com/office/drawing/2014/main" id="{DDBBE02D-1DAC-4496-A167-8F2D81B95A16}"/>
+              </a:ext>
+            </a:extLst>
+          </p:cNvPr>
+          <p:cNvSpPr/>
+          <p:nvPr/>
+        </p:nvSpPr>
+        <p:spPr>
+          <a:xfrm>
+            <a:off x="8649393" y="4826308"/>
+            <a:ext cx="2179320" cy="532631"/>
+          </a:xfrm>
+          <a:prstGeom prst="rect">
+            <a:avLst/>
+          </a:prstGeom>
+          <a:noFill/>
+          <a:ln w="50800">
+            <a:solidFill>
+              <a:srgbClr val="FF0000"/>
+            </a:solidFill>
+          </a:ln>
+        </p:spPr>
+        <p:style>
+          <a:lnRef idx="2">
+            <a:schemeClr val="accent1">
+              <a:shade val="50000"/>
+            </a:schemeClr>
+          </a:lnRef>
+          <a:fillRef idx="1">
+            <a:schemeClr val="accent1"/>
+          </a:fillRef>
+          <a:effectRef idx="0">
+            <a:schemeClr val="accent1"/>
+          </a:effectRef>
+          <a:fontRef idx="minor">
+            <a:schemeClr val="lt1"/>
+          </a:fontRef>
+        </p:style>
+        <p:txBody>
+          <a:bodyPr rtlCol="0" anchor="ctr"/>
+          <a:lstStyle/>
+          <a:p>
+            <a:pPr algn="ctr"/>
+            <a:endParaRPr lang="ko-KR" altLang="en-US"/>
+          </a:p>
+        </p:txBody>
+      </p:sp>
+    </p:spTree>
+    <p:extLst>
+      <p:ext uri="{BB962C8B-B14F-4D97-AF65-F5344CB8AC3E}">
+        <p14:creationId xmlns:p14="http://schemas.microsoft.com/office/powerpoint/2010/main" val="733917221"/>
+      </p:ext>
+    </p:extLst>
+  </p:cSld>
+  <p:clrMapOvr>
+    <a:masterClrMapping/>
+  </p:clrMapOvr>
+</p:sld>
+</file>
+
+<file path=ppt/slides/slide3.xml><?xml version="1.0" encoding="utf-8"?>
+<p:sld xmlns:a="http://schemas.openxmlformats.org/drawingml/2006/main" xmlns:r="http://schemas.openxmlformats.org/officeDocument/2006/relationships" xmlns:p="http://schemas.openxmlformats.org/presentationml/2006/main">
+  <p:cSld>
+    <p:spTree>
+      <p:nvGrpSpPr>
+        <p:cNvPr id="1" name=""/>
+        <p:cNvGrpSpPr/>
+        <p:nvPr/>
+      </p:nvGrpSpPr>
+      <p:grpSpPr>
+        <a:xfrm>
+          <a:off x="0" y="0"/>
+          <a:ext cx="0" cy="0"/>
+          <a:chOff x="0" y="0"/>
+          <a:chExt cx="0" cy="0"/>
+        </a:xfrm>
+      </p:grpSpPr>
+      <p:sp>
+        <p:nvSpPr>
+          <p:cNvPr id="2" name="제목 1">
+            <a:extLst>
+              <a:ext uri="{FF2B5EF4-FFF2-40B4-BE49-F238E27FC236}">
+                <a16:creationId xmlns:a16="http://schemas.microsoft.com/office/drawing/2014/main" id="{781054FF-A2EF-4D5F-9294-A48C236ECCDB}"/>
+              </a:ext>
+            </a:extLst>
+          </p:cNvPr>
+          <p:cNvSpPr>
+            <a:spLocks noGrp="1"/>
+          </p:cNvSpPr>
+          <p:nvPr>
+            <p:ph type="title"/>
+          </p:nvPr>
+        </p:nvSpPr>
+        <p:spPr/>
+        <p:txBody>
+          <a:bodyPr/>
+          <a:lstStyle/>
+          <a:p>
+            <a:r>
+              <a:rPr lang="en-US" altLang="ko-KR" dirty="0"/>
+              <a:t>TF Lite </a:t>
+            </a:r>
+            <a:endParaRPr lang="ko-KR" altLang="en-US" dirty="0"/>
+          </a:p>
+        </p:txBody>
+      </p:sp>
+      <p:sp>
+        <p:nvSpPr>
+          <p:cNvPr id="3" name="내용 개체 틀 2">
+            <a:extLst>
+              <a:ext uri="{FF2B5EF4-FFF2-40B4-BE49-F238E27FC236}">
+                <a16:creationId xmlns:a16="http://schemas.microsoft.com/office/drawing/2014/main" id="{69B4F5D4-FBB8-43FC-A729-6009575524A5}"/>
+              </a:ext>
+            </a:extLst>
+          </p:cNvPr>
+          <p:cNvSpPr>
+            <a:spLocks noGrp="1"/>
+          </p:cNvSpPr>
+          <p:nvPr>
+            <p:ph idx="1"/>
+          </p:nvPr>
+        </p:nvSpPr>
+        <p:spPr/>
+        <p:txBody>
+          <a:bodyPr/>
+          <a:lstStyle/>
+          <a:p>
+            <a:r>
+              <a:rPr lang="en-US" altLang="ko-KR" dirty="0"/>
+              <a:t>TF Lite</a:t>
+            </a:r>
+            <a:r>
+              <a:rPr lang="ko-KR" altLang="en-US" dirty="0"/>
+              <a:t>는 모바일 환경에서 </a:t>
+            </a:r>
+            <a:r>
+              <a:rPr lang="ko-KR" altLang="en-US" dirty="0" err="1"/>
+              <a:t>머신러닝을</a:t>
+            </a:r>
+            <a:r>
+              <a:rPr lang="ko-KR" altLang="en-US" dirty="0"/>
+              <a:t> 사용할 수 있게 하는 프레임워크이다</a:t>
+            </a:r>
+            <a:r>
+              <a:rPr lang="en-US" altLang="ko-KR" dirty="0"/>
+              <a:t>.</a:t>
+            </a:r>
+          </a:p>
+          <a:p>
+            <a:r>
+              <a:rPr lang="ko-KR" altLang="en-US" dirty="0"/>
+              <a:t>공식적으로는 아직 추론 기능만 사용할 수 있다</a:t>
+            </a:r>
+            <a:r>
+              <a:rPr lang="en-US" altLang="ko-KR" dirty="0"/>
+              <a:t>.</a:t>
+            </a:r>
+          </a:p>
+          <a:p>
+            <a:r>
+              <a:rPr lang="en-US" altLang="ko-KR" dirty="0"/>
+              <a:t>TF</a:t>
+            </a:r>
+            <a:r>
+              <a:rPr lang="ko-KR" altLang="en-US" dirty="0"/>
+              <a:t> </a:t>
+            </a:r>
+            <a:r>
+              <a:rPr lang="en-US" altLang="ko-KR" dirty="0"/>
+              <a:t>Lite</a:t>
+            </a:r>
+            <a:r>
+              <a:rPr lang="ko-KR" altLang="en-US" dirty="0"/>
+              <a:t> 공식 문서의 워크플로우는 아래와 같다</a:t>
+            </a:r>
+            <a:r>
+              <a:rPr lang="en-US" altLang="ko-KR" dirty="0"/>
+              <a:t>.</a:t>
+            </a:r>
+          </a:p>
+          <a:p>
+            <a:pPr lvl="1"/>
+            <a:r>
+              <a:rPr lang="en-US" altLang="ko-KR" dirty="0"/>
+              <a:t>TF Lite </a:t>
+            </a:r>
+            <a:r>
+              <a:rPr lang="ko-KR" altLang="en-US" dirty="0"/>
+              <a:t>모델 생성</a:t>
+            </a:r>
+            <a:endParaRPr lang="en-US" altLang="ko-KR" dirty="0"/>
+          </a:p>
+          <a:p>
+            <a:pPr lvl="1"/>
+            <a:r>
+              <a:rPr lang="ko-KR" altLang="en-US" dirty="0"/>
+              <a:t>추론 실행</a:t>
+            </a:r>
+            <a:endParaRPr lang="en-US" altLang="ko-KR" dirty="0"/>
+          </a:p>
+          <a:p>
+            <a:pPr lvl="1"/>
+            <a:endParaRPr lang="en-US" altLang="ko-KR" dirty="0"/>
+          </a:p>
+        </p:txBody>
+      </p:sp>
+      <p:sp>
+        <p:nvSpPr>
+          <p:cNvPr id="4" name="날짜 개체 틀 3">
+            <a:extLst>
+              <a:ext uri="{FF2B5EF4-FFF2-40B4-BE49-F238E27FC236}">
+                <a16:creationId xmlns:a16="http://schemas.microsoft.com/office/drawing/2014/main" id="{AB290A19-31E0-48A1-A6AE-8C9996690588}"/>
+              </a:ext>
+            </a:extLst>
+          </p:cNvPr>
+          <p:cNvSpPr>
+            <a:spLocks noGrp="1"/>
+          </p:cNvSpPr>
+          <p:nvPr>
+            <p:ph type="dt" sz="half" idx="10"/>
+          </p:nvPr>
+        </p:nvSpPr>
+        <p:spPr/>
+        <p:txBody>
+          <a:bodyPr/>
+          <a:lstStyle/>
+          <a:p>
+            <a:r>
+              <a:rPr lang="ko-KR" altLang="en-US"/>
+              <a:t>권철현</a:t>
+            </a:r>
+            <a:r>
+              <a:rPr lang="en-US" altLang="ko-KR"/>
+              <a:t>, </a:t>
+            </a:r>
+            <a:r>
+              <a:rPr lang="ko-KR" altLang="en-US"/>
+              <a:t>신재하</a:t>
+            </a:r>
+            <a:endParaRPr lang="ko-KR" altLang="en-US" dirty="0"/>
+          </a:p>
+        </p:txBody>
+      </p:sp>
+      <p:sp>
+        <p:nvSpPr>
+          <p:cNvPr id="5" name="슬라이드 번호 개체 틀 4">
+            <a:extLst>
+              <a:ext uri="{FF2B5EF4-FFF2-40B4-BE49-F238E27FC236}">
+                <a16:creationId xmlns:a16="http://schemas.microsoft.com/office/drawing/2014/main" id="{75EE4A11-7A4F-45B3-A8D6-3114BD32825C}"/>
+              </a:ext>
+            </a:extLst>
+          </p:cNvPr>
+          <p:cNvSpPr>
+            <a:spLocks noGrp="1"/>
+          </p:cNvSpPr>
+          <p:nvPr>
+            <p:ph type="sldNum" sz="quarter" idx="12"/>
+          </p:nvPr>
+        </p:nvSpPr>
+        <p:spPr/>
+        <p:txBody>
+          <a:bodyPr/>
+          <a:lstStyle/>
+          <a:p>
+            <a:fld id="{5FF72CB3-86FB-4DBB-A7AC-E8F6F3DA156B}" type="slidenum">
+              <a:rPr lang="ko-KR" altLang="en-US" smtClean="0"/>
+              <a:pPr/>
+              <a:t>3</a:t>
+            </a:fld>
+            <a:endParaRPr lang="ko-KR" altLang="en-US" dirty="0"/>
+          </a:p>
+        </p:txBody>
+      </p:sp>
+    </p:spTree>
+    <p:extLst>
+      <p:ext uri="{BB962C8B-B14F-4D97-AF65-F5344CB8AC3E}">
+        <p14:creationId xmlns:p14="http://schemas.microsoft.com/office/powerpoint/2010/main" val="450282316"/>
+      </p:ext>
+    </p:extLst>
+  </p:cSld>
+  <p:clrMapOvr>
+    <a:masterClrMapping/>
+  </p:clrMapOvr>
+</p:sld>
+</file>
+
+<file path=ppt/slides/slide4.xml><?xml version="1.0" encoding="utf-8"?>
+<p:sld xmlns:a="http://schemas.openxmlformats.org/drawingml/2006/main" xmlns:r="http://schemas.openxmlformats.org/officeDocument/2006/relationships" xmlns:p="http://schemas.openxmlformats.org/presentationml/2006/main">
+  <p:cSld>
+    <p:spTree>
+      <p:nvGrpSpPr>
+        <p:cNvPr id="1" name=""/>
+        <p:cNvGrpSpPr/>
+        <p:nvPr/>
+      </p:nvGrpSpPr>
+      <p:grpSpPr>
+        <a:xfrm>
+          <a:off x="0" y="0"/>
+          <a:ext cx="0" cy="0"/>
+          <a:chOff x="0" y="0"/>
+          <a:chExt cx="0" cy="0"/>
+        </a:xfrm>
+      </p:grpSpPr>
+      <p:sp>
+        <p:nvSpPr>
+          <p:cNvPr id="2" name="제목 1">
+            <a:extLst>
+              <a:ext uri="{FF2B5EF4-FFF2-40B4-BE49-F238E27FC236}">
+                <a16:creationId xmlns:a16="http://schemas.microsoft.com/office/drawing/2014/main" id="{0D2FAD7A-D526-4606-89C7-054A7603B71E}"/>
+              </a:ext>
+            </a:extLst>
+          </p:cNvPr>
+          <p:cNvSpPr>
+            <a:spLocks noGrp="1"/>
+          </p:cNvSpPr>
+          <p:nvPr>
+            <p:ph type="title"/>
+          </p:nvPr>
+        </p:nvSpPr>
+        <p:spPr/>
+        <p:txBody>
+          <a:bodyPr/>
+          <a:lstStyle/>
+          <a:p>
+            <a:r>
+              <a:rPr lang="en-US" altLang="ko-KR" dirty="0"/>
+              <a:t>TF Lite </a:t>
+            </a:r>
+            <a:endParaRPr lang="ko-KR" altLang="en-US" dirty="0"/>
+          </a:p>
+        </p:txBody>
+      </p:sp>
+      <p:sp>
+        <p:nvSpPr>
+          <p:cNvPr id="3" name="내용 개체 틀 2">
+            <a:extLst>
+              <a:ext uri="{FF2B5EF4-FFF2-40B4-BE49-F238E27FC236}">
+                <a16:creationId xmlns:a16="http://schemas.microsoft.com/office/drawing/2014/main" id="{C72F95B3-FA70-4927-9157-E144285D6274}"/>
+              </a:ext>
+            </a:extLst>
+          </p:cNvPr>
+          <p:cNvSpPr>
+            <a:spLocks noGrp="1"/>
+          </p:cNvSpPr>
+          <p:nvPr>
+            <p:ph idx="1"/>
+          </p:nvPr>
+        </p:nvSpPr>
+        <p:spPr/>
+        <p:txBody>
+          <a:bodyPr/>
+          <a:lstStyle/>
+          <a:p>
+            <a:r>
+              <a:rPr lang="en-US" altLang="ko-KR" dirty="0"/>
+              <a:t>TF Lite</a:t>
+            </a:r>
+            <a:r>
+              <a:rPr lang="ko-KR" altLang="en-US" dirty="0"/>
+              <a:t>의 모델 생성의 경우 아래 세 가지 방법 중 하나를 사용한다</a:t>
+            </a:r>
+            <a:r>
+              <a:rPr lang="en-US" altLang="ko-KR" dirty="0"/>
+              <a:t>.</a:t>
+            </a:r>
+          </a:p>
+          <a:p>
+            <a:pPr lvl="1"/>
+            <a:r>
+              <a:rPr lang="ko-KR" altLang="en-US" dirty="0">
+                <a:solidFill>
+                  <a:schemeClr val="accent2">
+                    <a:lumMod val="75000"/>
+                  </a:schemeClr>
+                </a:solidFill>
+              </a:rPr>
+              <a:t>기존 </a:t>
+            </a:r>
+            <a:r>
+              <a:rPr lang="en-US" altLang="ko-KR" dirty="0">
+                <a:solidFill>
+                  <a:schemeClr val="accent2">
+                    <a:lumMod val="75000"/>
+                  </a:schemeClr>
+                </a:solidFill>
+              </a:rPr>
+              <a:t>TF Lite </a:t>
+            </a:r>
+            <a:r>
+              <a:rPr lang="ko-KR" altLang="en-US" dirty="0">
+                <a:solidFill>
+                  <a:schemeClr val="accent2">
+                    <a:lumMod val="75000"/>
+                  </a:schemeClr>
+                </a:solidFill>
+              </a:rPr>
+              <a:t>모델 사용</a:t>
+            </a:r>
+            <a:r>
+              <a:rPr lang="en-US" altLang="ko-KR" dirty="0"/>
+              <a:t>: TF Lite</a:t>
+            </a:r>
+            <a:r>
+              <a:rPr lang="ko-KR" altLang="en-US" dirty="0"/>
+              <a:t>에서 제공하는 이미 학습된 모델 중 하나를 사용</a:t>
+            </a:r>
+            <a:r>
+              <a:rPr lang="en-US" altLang="ko-KR" dirty="0"/>
+              <a:t>, </a:t>
+            </a:r>
+            <a:r>
+              <a:rPr lang="ko-KR" altLang="en-US" dirty="0"/>
+              <a:t>이미지 분류</a:t>
+            </a:r>
+            <a:r>
+              <a:rPr lang="en-US" altLang="ko-KR" dirty="0"/>
+              <a:t>, </a:t>
+            </a:r>
+            <a:r>
+              <a:rPr lang="ko-KR" altLang="en-US" dirty="0"/>
+              <a:t>객체 탐지</a:t>
+            </a:r>
+            <a:r>
+              <a:rPr lang="en-US" altLang="ko-KR" dirty="0"/>
+              <a:t>, </a:t>
+            </a:r>
+            <a:r>
+              <a:rPr lang="ko-KR" altLang="en-US" dirty="0"/>
+              <a:t>음성 인식</a:t>
+            </a:r>
+            <a:r>
+              <a:rPr lang="en-US" altLang="ko-KR" dirty="0"/>
+              <a:t>, </a:t>
+            </a:r>
+            <a:r>
+              <a:rPr lang="ko-KR" altLang="en-US" dirty="0"/>
+              <a:t>동작 인식 등이 존재한다</a:t>
+            </a:r>
+            <a:r>
+              <a:rPr lang="en-US" altLang="ko-KR" dirty="0"/>
+              <a:t>.</a:t>
+            </a:r>
+          </a:p>
+          <a:p>
+            <a:pPr lvl="1"/>
+            <a:r>
+              <a:rPr lang="en-US" altLang="ko-KR" dirty="0">
+                <a:solidFill>
+                  <a:schemeClr val="accent2">
+                    <a:lumMod val="75000"/>
+                  </a:schemeClr>
+                </a:solidFill>
+              </a:rPr>
+              <a:t>TF </a:t>
+            </a:r>
+            <a:r>
+              <a:rPr lang="ko-KR" altLang="en-US" dirty="0">
+                <a:solidFill>
+                  <a:schemeClr val="accent2">
+                    <a:lumMod val="75000"/>
+                  </a:schemeClr>
+                </a:solidFill>
+              </a:rPr>
+              <a:t>모델을 </a:t>
+            </a:r>
+            <a:r>
+              <a:rPr lang="en-US" altLang="ko-KR" dirty="0">
+                <a:solidFill>
+                  <a:schemeClr val="accent2">
+                    <a:lumMod val="75000"/>
+                  </a:schemeClr>
+                </a:solidFill>
+              </a:rPr>
+              <a:t>TF Lite </a:t>
+            </a:r>
+            <a:r>
+              <a:rPr lang="ko-KR" altLang="en-US" dirty="0">
+                <a:solidFill>
+                  <a:schemeClr val="accent2">
+                    <a:lumMod val="75000"/>
+                  </a:schemeClr>
+                </a:solidFill>
+              </a:rPr>
+              <a:t>모델로 변환</a:t>
+            </a:r>
+            <a:r>
+              <a:rPr lang="en-US" altLang="ko-KR" dirty="0">
+                <a:solidFill>
+                  <a:schemeClr val="bg2">
+                    <a:lumMod val="10000"/>
+                  </a:schemeClr>
+                </a:solidFill>
+              </a:rPr>
+              <a:t>:</a:t>
+            </a:r>
+            <a:r>
+              <a:rPr lang="en-US" altLang="ko-KR" dirty="0"/>
+              <a:t> TensorFlow</a:t>
+            </a:r>
+            <a:r>
+              <a:rPr lang="ko-KR" altLang="en-US" dirty="0"/>
+              <a:t> </a:t>
+            </a:r>
+            <a:r>
+              <a:rPr lang="en-US" altLang="ko-KR" dirty="0"/>
+              <a:t>Lite</a:t>
+            </a:r>
+            <a:r>
+              <a:rPr lang="ko-KR" altLang="en-US" dirty="0"/>
+              <a:t> </a:t>
+            </a:r>
+            <a:r>
+              <a:rPr lang="en-US" altLang="ko-KR" dirty="0"/>
+              <a:t>Converter</a:t>
+            </a:r>
+            <a:r>
+              <a:rPr lang="ko-KR" altLang="en-US" dirty="0"/>
+              <a:t>를 통해 </a:t>
+            </a:r>
+            <a:r>
+              <a:rPr lang="en-US" altLang="ko-KR" dirty="0"/>
+              <a:t>TF </a:t>
+            </a:r>
+            <a:r>
+              <a:rPr lang="ko-KR" altLang="en-US" dirty="0"/>
+              <a:t>모델을 </a:t>
+            </a:r>
+            <a:r>
+              <a:rPr lang="en-US" altLang="ko-KR" dirty="0"/>
+              <a:t>TF Lite </a:t>
+            </a:r>
+            <a:r>
+              <a:rPr lang="ko-KR" altLang="en-US" dirty="0"/>
+              <a:t>모델로 변환해서 사용</a:t>
+            </a:r>
+            <a:r>
+              <a:rPr lang="en-US" altLang="ko-KR" dirty="0"/>
+              <a:t>. </a:t>
+            </a:r>
+            <a:r>
+              <a:rPr lang="ko-KR" altLang="en-US" dirty="0"/>
+              <a:t>대부분의 모델을 변환할 수 있다</a:t>
+            </a:r>
+            <a:r>
+              <a:rPr lang="en-US" altLang="ko-KR" dirty="0"/>
+              <a:t>.</a:t>
+            </a:r>
+          </a:p>
+          <a:p>
+            <a:pPr lvl="1"/>
+            <a:r>
+              <a:rPr lang="en-US" altLang="ko-KR" dirty="0">
+                <a:solidFill>
+                  <a:schemeClr val="accent2">
+                    <a:lumMod val="75000"/>
+                  </a:schemeClr>
+                </a:solidFill>
+              </a:rPr>
+              <a:t>TF Lite </a:t>
+            </a:r>
+            <a:r>
+              <a:rPr lang="ko-KR" altLang="en-US" dirty="0">
+                <a:solidFill>
+                  <a:schemeClr val="accent2">
+                    <a:lumMod val="75000"/>
+                  </a:schemeClr>
+                </a:solidFill>
+              </a:rPr>
+              <a:t>모델 생성</a:t>
+            </a:r>
+            <a:r>
+              <a:rPr lang="en-US" altLang="ko-KR" dirty="0"/>
+              <a:t>: TensorFlow Lite Model Maker</a:t>
+            </a:r>
+            <a:r>
+              <a:rPr lang="ko-KR" altLang="en-US" dirty="0"/>
+              <a:t>를 통해 맞춤 모델 생성</a:t>
+            </a:r>
+            <a:r>
+              <a:rPr lang="en-US" altLang="ko-KR" dirty="0"/>
+              <a:t>, </a:t>
+            </a:r>
+            <a:r>
+              <a:rPr lang="ko-KR" altLang="en-US" dirty="0"/>
+              <a:t>해당 기능은 아직 시험용으로 나타난다</a:t>
+            </a:r>
+            <a:r>
+              <a:rPr lang="en-US" altLang="ko-KR" dirty="0"/>
+              <a:t>.</a:t>
+            </a:r>
+          </a:p>
+        </p:txBody>
+      </p:sp>
+      <p:sp>
+        <p:nvSpPr>
+          <p:cNvPr id="4" name="날짜 개체 틀 3">
+            <a:extLst>
+              <a:ext uri="{FF2B5EF4-FFF2-40B4-BE49-F238E27FC236}">
+                <a16:creationId xmlns:a16="http://schemas.microsoft.com/office/drawing/2014/main" id="{3635DCAA-19B9-4A6C-BCE8-21E508D89673}"/>
+              </a:ext>
+            </a:extLst>
+          </p:cNvPr>
+          <p:cNvSpPr>
+            <a:spLocks noGrp="1"/>
+          </p:cNvSpPr>
+          <p:nvPr>
+            <p:ph type="dt" sz="half" idx="10"/>
+          </p:nvPr>
+        </p:nvSpPr>
+        <p:spPr/>
+        <p:txBody>
+          <a:bodyPr/>
+          <a:lstStyle/>
+          <a:p>
+            <a:r>
+              <a:rPr lang="ko-KR" altLang="en-US"/>
+              <a:t>권철현</a:t>
+            </a:r>
+            <a:r>
+              <a:rPr lang="en-US" altLang="ko-KR"/>
+              <a:t>, </a:t>
+            </a:r>
+            <a:r>
+              <a:rPr lang="ko-KR" altLang="en-US"/>
+              <a:t>신재하</a:t>
+            </a:r>
+            <a:endParaRPr lang="ko-KR" altLang="en-US" dirty="0"/>
+          </a:p>
+        </p:txBody>
+      </p:sp>
+      <p:sp>
+        <p:nvSpPr>
+          <p:cNvPr id="5" name="슬라이드 번호 개체 틀 4">
+            <a:extLst>
+              <a:ext uri="{FF2B5EF4-FFF2-40B4-BE49-F238E27FC236}">
+                <a16:creationId xmlns:a16="http://schemas.microsoft.com/office/drawing/2014/main" id="{A58FB5C0-6642-4639-8E7F-1A1A0D9D4511}"/>
+              </a:ext>
+            </a:extLst>
+          </p:cNvPr>
+          <p:cNvSpPr>
+            <a:spLocks noGrp="1"/>
+          </p:cNvSpPr>
+          <p:nvPr>
+            <p:ph type="sldNum" sz="quarter" idx="12"/>
+          </p:nvPr>
+        </p:nvSpPr>
+        <p:spPr/>
+        <p:txBody>
+          <a:bodyPr/>
+          <a:lstStyle/>
+          <a:p>
+            <a:fld id="{5FF72CB3-86FB-4DBB-A7AC-E8F6F3DA156B}" type="slidenum">
+              <a:rPr lang="ko-KR" altLang="en-US" smtClean="0"/>
+              <a:pPr/>
+              <a:t>4</a:t>
+            </a:fld>
+            <a:endParaRPr lang="ko-KR" altLang="en-US" dirty="0"/>
+          </a:p>
+        </p:txBody>
+      </p:sp>
+    </p:spTree>
+    <p:extLst>
+      <p:ext uri="{BB962C8B-B14F-4D97-AF65-F5344CB8AC3E}">
+        <p14:creationId xmlns:p14="http://schemas.microsoft.com/office/powerpoint/2010/main" val="2574953580"/>
+      </p:ext>
+    </p:extLst>
+  </p:cSld>
+  <p:clrMapOvr>
+    <a:masterClrMapping/>
+  </p:clrMapOvr>
+</p:sld>
+</file>
+
+<file path=ppt/slides/slide5.xml><?xml version="1.0" encoding="utf-8"?>
+<p:sld xmlns:a="http://schemas.openxmlformats.org/drawingml/2006/main" xmlns:r="http://schemas.openxmlformats.org/officeDocument/2006/relationships" xmlns:p="http://schemas.openxmlformats.org/presentationml/2006/main">
+  <p:cSld>
+    <p:spTree>
+      <p:nvGrpSpPr>
+        <p:cNvPr id="1" name=""/>
+        <p:cNvGrpSpPr/>
+        <p:nvPr/>
+      </p:nvGrpSpPr>
+      <p:grpSpPr>
+        <a:xfrm>
+          <a:off x="0" y="0"/>
+          <a:ext cx="0" cy="0"/>
+          <a:chOff x="0" y="0"/>
+          <a:chExt cx="0" cy="0"/>
+        </a:xfrm>
+      </p:grpSpPr>
+      <p:sp>
+        <p:nvSpPr>
+          <p:cNvPr id="2" name="제목 1">
+            <a:extLst>
+              <a:ext uri="{FF2B5EF4-FFF2-40B4-BE49-F238E27FC236}">
+                <a16:creationId xmlns:a16="http://schemas.microsoft.com/office/drawing/2014/main" id="{1CB66F89-B830-44BB-9F31-250842767190}"/>
+              </a:ext>
+            </a:extLst>
+          </p:cNvPr>
+          <p:cNvSpPr>
+            <a:spLocks noGrp="1"/>
+          </p:cNvSpPr>
+          <p:nvPr>
+            <p:ph type="title"/>
+          </p:nvPr>
+        </p:nvSpPr>
+        <p:spPr/>
+        <p:txBody>
+          <a:bodyPr/>
+          <a:lstStyle/>
+          <a:p>
+            <a:r>
+              <a:rPr lang="en-US" altLang="ko-KR" dirty="0" err="1"/>
+              <a:t>Mnist</a:t>
+            </a:r>
+            <a:r>
+              <a:rPr lang="en-US" altLang="ko-KR" dirty="0"/>
+              <a:t> Example</a:t>
+            </a:r>
+            <a:endParaRPr lang="ko-KR" altLang="en-US" dirty="0"/>
+          </a:p>
+        </p:txBody>
+      </p:sp>
+      <p:sp>
+        <p:nvSpPr>
+          <p:cNvPr id="3" name="내용 개체 틀 2">
+            <a:extLst>
+              <a:ext uri="{FF2B5EF4-FFF2-40B4-BE49-F238E27FC236}">
+                <a16:creationId xmlns:a16="http://schemas.microsoft.com/office/drawing/2014/main" id="{E195DEB6-3B4F-4963-B83B-BAC99D8B22E7}"/>
+              </a:ext>
+            </a:extLst>
+          </p:cNvPr>
+          <p:cNvSpPr>
+            <a:spLocks noGrp="1"/>
+          </p:cNvSpPr>
+          <p:nvPr>
+            <p:ph idx="1"/>
+          </p:nvPr>
+        </p:nvSpPr>
+        <p:spPr/>
+        <p:txBody>
+          <a:bodyPr/>
+          <a:lstStyle/>
+          <a:p>
+            <a:r>
+              <a:rPr lang="ko-KR" altLang="en-US" dirty="0"/>
+              <a:t>본 문서에서는 </a:t>
+            </a:r>
+            <a:r>
+              <a:rPr lang="en-US" altLang="ko-KR" dirty="0" err="1"/>
+              <a:t>mnist</a:t>
+            </a:r>
+            <a:r>
+              <a:rPr lang="en-US" altLang="ko-KR" dirty="0"/>
+              <a:t> </a:t>
+            </a:r>
+            <a:r>
+              <a:rPr lang="ko-KR" altLang="en-US" dirty="0"/>
+              <a:t>데이터셋을 학습한 모델을 모바일에 적용하는 방법에 대해 다룬다</a:t>
+            </a:r>
+            <a:r>
+              <a:rPr lang="en-US" altLang="ko-KR" dirty="0"/>
+              <a:t>.</a:t>
+            </a:r>
+          </a:p>
+          <a:p>
+            <a:r>
+              <a:rPr lang="en-US" altLang="ko-KR" dirty="0" err="1"/>
+              <a:t>mnist</a:t>
+            </a:r>
+            <a:r>
+              <a:rPr lang="en-US" altLang="ko-KR" dirty="0"/>
+              <a:t> </a:t>
+            </a:r>
+            <a:r>
+              <a:rPr lang="ko-KR" altLang="en-US" dirty="0"/>
+              <a:t>데이터셋은 숫자 </a:t>
+            </a:r>
+            <a:r>
+              <a:rPr lang="en-US" altLang="ko-KR" dirty="0"/>
+              <a:t>0 ~ 9</a:t>
+            </a:r>
+            <a:r>
+              <a:rPr lang="ko-KR" altLang="en-US" dirty="0"/>
+              <a:t>에 대한 손 글씨 데이터셋이다</a:t>
+            </a:r>
+            <a:r>
+              <a:rPr lang="en-US" altLang="ko-KR" dirty="0"/>
+              <a:t>.</a:t>
+            </a:r>
+          </a:p>
+          <a:p>
+            <a:r>
+              <a:rPr lang="en-US" altLang="ko-KR" dirty="0"/>
+              <a:t>TF Lite </a:t>
+            </a:r>
+            <a:r>
+              <a:rPr lang="ko-KR" altLang="en-US" dirty="0"/>
+              <a:t>공식 문서의 예시에 따라 진행한다</a:t>
+            </a:r>
+            <a:r>
+              <a:rPr lang="en-US" altLang="ko-KR" dirty="0"/>
+              <a:t>. </a:t>
+            </a:r>
+          </a:p>
+          <a:p>
+            <a:pPr marL="540000" marR="0" lvl="1" indent="-228600" algn="l" defTabSz="914400" rtl="0" eaLnBrk="1" fontAlgn="auto" latinLnBrk="1" hangingPunct="1">
+              <a:lnSpc>
+                <a:spcPct val="150000"/>
+              </a:lnSpc>
+              <a:spcBef>
+                <a:spcPts val="0"/>
+              </a:spcBef>
+              <a:spcAft>
+                <a:spcPts val="0"/>
+              </a:spcAft>
+              <a:buClrTx/>
+              <a:buSzTx/>
+              <a:buFont typeface="Arial" panose="020B0604020202020204" pitchFamily="34" charset="0"/>
+              <a:buChar char="•"/>
+              <a:tabLst/>
+              <a:defRPr/>
+            </a:pPr>
+            <a:r>
+              <a:rPr kumimoji="0" lang="en-US" altLang="ko-KR" sz="1400" b="0" i="0" u="none" strike="noStrike" kern="1200" cap="none" spc="0" normalizeH="0" baseline="0" noProof="0" dirty="0">
+                <a:ln>
+                  <a:noFill/>
+                </a:ln>
+                <a:solidFill>
+                  <a:prstClr val="black"/>
+                </a:solidFill>
+                <a:effectLst/>
+                <a:uLnTx/>
+                <a:uFillTx/>
+                <a:latin typeface="맑은 고딕" panose="020F0502020204030204"/>
+                <a:ea typeface="맑은 고딕" panose="020B0503020000020004" pitchFamily="50" charset="-127"/>
+                <a:cs typeface="+mn-cs"/>
+              </a:rPr>
+              <a:t>https://developer.android.com/codelabs/digit-classifier-tflite#0</a:t>
+            </a:r>
+          </a:p>
+          <a:p>
+            <a:pPr lvl="1"/>
+            <a:endParaRPr lang="en-US" altLang="ko-KR" dirty="0"/>
+          </a:p>
+        </p:txBody>
+      </p:sp>
+      <p:sp>
+        <p:nvSpPr>
+          <p:cNvPr id="4" name="날짜 개체 틀 3">
+            <a:extLst>
+              <a:ext uri="{FF2B5EF4-FFF2-40B4-BE49-F238E27FC236}">
+                <a16:creationId xmlns:a16="http://schemas.microsoft.com/office/drawing/2014/main" id="{C8A6EBB8-D34D-4FE7-A5DC-A0614F079A34}"/>
+              </a:ext>
+            </a:extLst>
+          </p:cNvPr>
+          <p:cNvSpPr>
+            <a:spLocks noGrp="1"/>
+          </p:cNvSpPr>
+          <p:nvPr>
+            <p:ph type="dt" sz="half" idx="10"/>
+          </p:nvPr>
+        </p:nvSpPr>
+        <p:spPr/>
+        <p:txBody>
+          <a:bodyPr/>
+          <a:lstStyle/>
+          <a:p>
+            <a:r>
+              <a:rPr lang="ko-KR" altLang="en-US"/>
+              <a:t>권철현</a:t>
+            </a:r>
+            <a:r>
+              <a:rPr lang="en-US" altLang="ko-KR"/>
+              <a:t>, </a:t>
+            </a:r>
+            <a:r>
+              <a:rPr lang="ko-KR" altLang="en-US"/>
+              <a:t>신재하</a:t>
+            </a:r>
+            <a:endParaRPr lang="ko-KR" altLang="en-US" dirty="0"/>
+          </a:p>
+        </p:txBody>
+      </p:sp>
+      <p:sp>
+        <p:nvSpPr>
+          <p:cNvPr id="5" name="슬라이드 번호 개체 틀 4">
+            <a:extLst>
+              <a:ext uri="{FF2B5EF4-FFF2-40B4-BE49-F238E27FC236}">
+                <a16:creationId xmlns:a16="http://schemas.microsoft.com/office/drawing/2014/main" id="{8ACA7370-3003-4FBC-9E10-CB5CA2261B42}"/>
+              </a:ext>
+            </a:extLst>
+          </p:cNvPr>
+          <p:cNvSpPr>
+            <a:spLocks noGrp="1"/>
+          </p:cNvSpPr>
+          <p:nvPr>
+            <p:ph type="sldNum" sz="quarter" idx="12"/>
+          </p:nvPr>
+        </p:nvSpPr>
+        <p:spPr/>
+        <p:txBody>
+          <a:bodyPr/>
+          <a:lstStyle/>
+          <a:p>
+            <a:fld id="{5FF72CB3-86FB-4DBB-A7AC-E8F6F3DA156B}" type="slidenum">
+              <a:rPr lang="ko-KR" altLang="en-US" smtClean="0"/>
+              <a:pPr/>
+              <a:t>5</a:t>
+            </a:fld>
+            <a:endParaRPr lang="ko-KR" altLang="en-US" dirty="0"/>
+          </a:p>
+        </p:txBody>
+      </p:sp>
+    </p:spTree>
+    <p:extLst>
+      <p:ext uri="{BB962C8B-B14F-4D97-AF65-F5344CB8AC3E}">
+        <p14:creationId xmlns:p14="http://schemas.microsoft.com/office/powerpoint/2010/main" val="1494235351"/>
+      </p:ext>
+    </p:extLst>
+  </p:cSld>
+  <p:clrMapOvr>
+    <a:masterClrMapping/>
+  </p:clrMapOvr>
+</p:sld>
+</file>
+
+<file path=ppt/slides/slide6.xml><?xml version="1.0" encoding="utf-8"?>
+<p:sld xmlns:a="http://schemas.openxmlformats.org/drawingml/2006/main" xmlns:r="http://schemas.openxmlformats.org/officeDocument/2006/relationships" xmlns:p="http://schemas.openxmlformats.org/presentationml/2006/main">
+  <p:cSld>
+    <p:spTree>
+      <p:nvGrpSpPr>
+        <p:cNvPr id="1" name=""/>
+        <p:cNvGrpSpPr/>
+        <p:nvPr/>
+      </p:nvGrpSpPr>
+      <p:grpSpPr>
+        <a:xfrm>
+          <a:off x="0" y="0"/>
+          <a:ext cx="0" cy="0"/>
+          <a:chOff x="0" y="0"/>
+          <a:chExt cx="0" cy="0"/>
+        </a:xfrm>
+      </p:grpSpPr>
+      <p:sp>
+        <p:nvSpPr>
+          <p:cNvPr id="2" name="제목 1">
+            <a:extLst>
+              <a:ext uri="{FF2B5EF4-FFF2-40B4-BE49-F238E27FC236}">
+                <a16:creationId xmlns:a16="http://schemas.microsoft.com/office/drawing/2014/main" id="{BA7600F6-91D6-43B1-8E86-AF9B0D174685}"/>
+              </a:ext>
+            </a:extLst>
+          </p:cNvPr>
+          <p:cNvSpPr>
+            <a:spLocks noGrp="1"/>
+          </p:cNvSpPr>
+          <p:nvPr>
+            <p:ph type="title"/>
+          </p:nvPr>
+        </p:nvSpPr>
+        <p:spPr/>
+        <p:txBody>
+          <a:bodyPr/>
+          <a:lstStyle/>
+          <a:p>
+            <a:r>
+              <a:rPr lang="en-US" altLang="ko-KR" dirty="0"/>
+              <a:t>Contents</a:t>
+            </a:r>
+            <a:endParaRPr lang="ko-KR" altLang="en-US" dirty="0"/>
+          </a:p>
+        </p:txBody>
+      </p:sp>
+      <p:sp>
+        <p:nvSpPr>
+          <p:cNvPr id="3" name="내용 개체 틀 2">
+            <a:extLst>
+              <a:ext uri="{FF2B5EF4-FFF2-40B4-BE49-F238E27FC236}">
+                <a16:creationId xmlns:a16="http://schemas.microsoft.com/office/drawing/2014/main" id="{23ABC995-4F08-4C15-8BB0-764CB3314627}"/>
+              </a:ext>
+            </a:extLst>
+          </p:cNvPr>
+          <p:cNvSpPr>
+            <a:spLocks noGrp="1"/>
+          </p:cNvSpPr>
+          <p:nvPr>
+            <p:ph idx="1"/>
+          </p:nvPr>
+        </p:nvSpPr>
+        <p:spPr/>
+        <p:txBody>
+          <a:bodyPr/>
+          <a:lstStyle/>
+          <a:p>
+            <a:r>
+              <a:rPr lang="en-US" altLang="ko-KR" dirty="0">
+                <a:solidFill>
+                  <a:schemeClr val="bg1">
+                    <a:lumMod val="65000"/>
+                  </a:schemeClr>
+                </a:solidFill>
+              </a:rPr>
+              <a:t>TF Lite</a:t>
+            </a:r>
+          </a:p>
+          <a:p>
+            <a:r>
+              <a:rPr lang="en-US" altLang="ko-KR" dirty="0"/>
+              <a:t>TF</a:t>
+            </a:r>
+            <a:r>
+              <a:rPr lang="ko-KR" altLang="en-US" dirty="0"/>
+              <a:t> </a:t>
+            </a:r>
+            <a:r>
+              <a:rPr lang="en-US" altLang="ko-KR" dirty="0"/>
+              <a:t>Lite</a:t>
+            </a:r>
+            <a:r>
+              <a:rPr lang="ko-KR" altLang="en-US" dirty="0"/>
+              <a:t> 모델 생성</a:t>
+            </a:r>
+            <a:endParaRPr lang="en-US" altLang="ko-KR" dirty="0"/>
+          </a:p>
+          <a:p>
+            <a:r>
+              <a:rPr lang="en-US" altLang="ko-KR" dirty="0">
+                <a:solidFill>
+                  <a:schemeClr val="bg1">
+                    <a:lumMod val="65000"/>
+                  </a:schemeClr>
+                </a:solidFill>
+              </a:rPr>
+              <a:t>Android application</a:t>
+            </a:r>
+            <a:r>
+              <a:rPr lang="ko-KR" altLang="en-US" dirty="0">
+                <a:solidFill>
+                  <a:schemeClr val="bg1">
+                    <a:lumMod val="65000"/>
+                  </a:schemeClr>
+                </a:solidFill>
+              </a:rPr>
+              <a:t>에 모델 적용</a:t>
+            </a:r>
+            <a:endParaRPr lang="en-US" altLang="ko-KR" dirty="0">
+              <a:solidFill>
+                <a:schemeClr val="bg1">
+                  <a:lumMod val="65000"/>
+                </a:schemeClr>
+              </a:solidFill>
+            </a:endParaRPr>
+          </a:p>
+          <a:p>
+            <a:r>
+              <a:rPr lang="ko-KR" altLang="en-US" dirty="0">
+                <a:solidFill>
+                  <a:schemeClr val="bg1">
+                    <a:lumMod val="65000"/>
+                  </a:schemeClr>
+                </a:solidFill>
+              </a:rPr>
+              <a:t>컴파일 및 추론 실행 </a:t>
+            </a:r>
+          </a:p>
+        </p:txBody>
+      </p:sp>
+      <p:sp>
+        <p:nvSpPr>
+          <p:cNvPr id="4" name="날짜 개체 틀 3">
+            <a:extLst>
+              <a:ext uri="{FF2B5EF4-FFF2-40B4-BE49-F238E27FC236}">
+                <a16:creationId xmlns:a16="http://schemas.microsoft.com/office/drawing/2014/main" id="{CB09D7D2-D349-4009-B4BB-B070367E5265}"/>
+              </a:ext>
+            </a:extLst>
+          </p:cNvPr>
+          <p:cNvSpPr>
+            <a:spLocks noGrp="1"/>
+          </p:cNvSpPr>
+          <p:nvPr>
+            <p:ph type="dt" sz="half" idx="10"/>
+          </p:nvPr>
+        </p:nvSpPr>
+        <p:spPr/>
+        <p:txBody>
+          <a:bodyPr/>
+          <a:lstStyle/>
+          <a:p>
+            <a:r>
+              <a:rPr lang="ko-KR" altLang="en-US"/>
+              <a:t>권철현</a:t>
+            </a:r>
+            <a:r>
+              <a:rPr lang="en-US" altLang="ko-KR"/>
+              <a:t>, </a:t>
+            </a:r>
+            <a:r>
+              <a:rPr lang="ko-KR" altLang="en-US"/>
+              <a:t>신재하</a:t>
+            </a:r>
+            <a:endParaRPr lang="ko-KR" altLang="en-US" dirty="0"/>
+          </a:p>
+        </p:txBody>
+      </p:sp>
+      <p:sp>
+        <p:nvSpPr>
+          <p:cNvPr id="5" name="슬라이드 번호 개체 틀 4">
+            <a:extLst>
+              <a:ext uri="{FF2B5EF4-FFF2-40B4-BE49-F238E27FC236}">
+                <a16:creationId xmlns:a16="http://schemas.microsoft.com/office/drawing/2014/main" id="{B0626CB9-9982-4D7F-A26C-F3F8C0080176}"/>
+              </a:ext>
+            </a:extLst>
+          </p:cNvPr>
+          <p:cNvSpPr>
+            <a:spLocks noGrp="1"/>
+          </p:cNvSpPr>
+          <p:nvPr>
+            <p:ph type="sldNum" sz="quarter" idx="12"/>
+          </p:nvPr>
+        </p:nvSpPr>
+        <p:spPr/>
+        <p:txBody>
+          <a:bodyPr/>
+          <a:lstStyle/>
+          <a:p>
+            <a:fld id="{5FF72CB3-86FB-4DBB-A7AC-E8F6F3DA156B}" type="slidenum">
+              <a:rPr lang="ko-KR" altLang="en-US" smtClean="0"/>
+              <a:pPr/>
+              <a:t>6</a:t>
+            </a:fld>
+            <a:endParaRPr lang="ko-KR" altLang="en-US" dirty="0"/>
+          </a:p>
+        </p:txBody>
+      </p:sp>
+    </p:spTree>
+    <p:extLst>
+      <p:ext uri="{BB962C8B-B14F-4D97-AF65-F5344CB8AC3E}">
+        <p14:creationId xmlns:p14="http://schemas.microsoft.com/office/powerpoint/2010/main" val="810295990"/>
+      </p:ext>
+    </p:extLst>
+  </p:cSld>
+  <p:clrMapOvr>
+    <a:masterClrMapping/>
+  </p:clrMapOvr>
+</p:sld>
+</file>
+
+<file path=ppt/slides/slide7.xml><?xml version="1.0" encoding="utf-8"?>
+<p:sld xmlns:a="http://schemas.openxmlformats.org/drawingml/2006/main" xmlns:r="http://schemas.openxmlformats.org/officeDocument/2006/relationships" xmlns:p="http://schemas.openxmlformats.org/presentationml/2006/main">
+  <p:cSld>
+    <p:spTree>
+      <p:nvGrpSpPr>
+        <p:cNvPr id="1" name=""/>
+        <p:cNvGrpSpPr/>
+        <p:nvPr/>
+      </p:nvGrpSpPr>
+      <p:grpSpPr>
+        <a:xfrm>
+          <a:off x="0" y="0"/>
+          <a:ext cx="0" cy="0"/>
+          <a:chOff x="0" y="0"/>
+          <a:chExt cx="0" cy="0"/>
+        </a:xfrm>
+      </p:grpSpPr>
+      <p:sp>
+        <p:nvSpPr>
+          <p:cNvPr id="2" name="제목 1">
+            <a:extLst>
+              <a:ext uri="{FF2B5EF4-FFF2-40B4-BE49-F238E27FC236}">
+                <a16:creationId xmlns:a16="http://schemas.microsoft.com/office/drawing/2014/main" id="{423A1205-2E21-4E4F-84E6-E2E7A5D77626}"/>
+              </a:ext>
+            </a:extLst>
+          </p:cNvPr>
+          <p:cNvSpPr>
+            <a:spLocks noGrp="1"/>
+          </p:cNvSpPr>
+          <p:nvPr>
+            <p:ph type="title"/>
+          </p:nvPr>
+        </p:nvSpPr>
+        <p:spPr/>
+        <p:txBody>
+          <a:bodyPr/>
+          <a:lstStyle/>
+          <a:p>
+            <a:r>
+              <a:rPr lang="en-US" altLang="ko-KR" dirty="0"/>
+              <a:t>Create TF Lite Model </a:t>
+            </a:r>
+            <a:endParaRPr lang="ko-KR" altLang="en-US" dirty="0"/>
+          </a:p>
+        </p:txBody>
+      </p:sp>
+      <p:sp>
+        <p:nvSpPr>
+          <p:cNvPr id="3" name="내용 개체 틀 2">
+            <a:extLst>
+              <a:ext uri="{FF2B5EF4-FFF2-40B4-BE49-F238E27FC236}">
+                <a16:creationId xmlns:a16="http://schemas.microsoft.com/office/drawing/2014/main" id="{DA399437-CC55-4B09-A80F-68BA2E903A0F}"/>
+              </a:ext>
+            </a:extLst>
+          </p:cNvPr>
+          <p:cNvSpPr>
+            <a:spLocks noGrp="1"/>
+          </p:cNvSpPr>
+          <p:nvPr>
+            <p:ph idx="1"/>
+          </p:nvPr>
+        </p:nvSpPr>
+        <p:spPr/>
+        <p:txBody>
+          <a:bodyPr/>
+          <a:lstStyle/>
+          <a:p>
+            <a:r>
+              <a:rPr lang="ko-KR" altLang="en-US" dirty="0"/>
+              <a:t>아래 링크에서 소스코드를 실행하면 </a:t>
+            </a:r>
+            <a:r>
+              <a:rPr lang="en-US" altLang="ko-KR" dirty="0" err="1"/>
+              <a:t>mnist.tflite</a:t>
+            </a:r>
+            <a:r>
+              <a:rPr lang="en-US" altLang="ko-KR" dirty="0"/>
+              <a:t> </a:t>
+            </a:r>
+            <a:r>
+              <a:rPr lang="ko-KR" altLang="en-US" dirty="0"/>
+              <a:t>파일을 얻을 수 있다</a:t>
+            </a:r>
+            <a:r>
+              <a:rPr lang="en-US" altLang="ko-KR" dirty="0"/>
+              <a:t>.</a:t>
+            </a:r>
+          </a:p>
+          <a:p>
+            <a:pPr lvl="1"/>
+            <a:r>
+              <a:rPr lang="en-US" altLang="ko-KR" sz="1400" dirty="0">
+                <a:hlinkClick r:id="rId2"/>
+              </a:rPr>
+              <a:t>https://colab.research.google.com/github/tensorflow/examples/blob/master/lite/codelabs/digit_classifier/ml/step2_train_ml_model.ipynb</a:t>
+            </a:r>
+            <a:endParaRPr lang="en-US" altLang="ko-KR" sz="1400" dirty="0"/>
+          </a:p>
+          <a:p>
+            <a:endParaRPr lang="en-US" altLang="ko-KR" dirty="0"/>
+          </a:p>
+          <a:p>
+            <a:r>
+              <a:rPr lang="ko-KR" altLang="en-US" dirty="0"/>
+              <a:t>소스코드를 분석하면</a:t>
+            </a:r>
+            <a:r>
+              <a:rPr lang="en-US" altLang="ko-KR" dirty="0"/>
+              <a:t>, </a:t>
+            </a:r>
+            <a:r>
+              <a:rPr lang="ko-KR" altLang="en-US" dirty="0"/>
+              <a:t>먼저 </a:t>
+            </a:r>
+            <a:r>
+              <a:rPr lang="en-US" altLang="ko-KR" dirty="0"/>
+              <a:t>TF</a:t>
+            </a:r>
+            <a:r>
+              <a:rPr lang="ko-KR" altLang="en-US" dirty="0"/>
+              <a:t>를 통해 </a:t>
+            </a:r>
+            <a:r>
+              <a:rPr lang="en-US" altLang="ko-KR" dirty="0" err="1"/>
+              <a:t>mnist</a:t>
+            </a:r>
+            <a:r>
+              <a:rPr lang="en-US" altLang="ko-KR" dirty="0"/>
+              <a:t> </a:t>
+            </a:r>
+            <a:r>
+              <a:rPr lang="ko-KR" altLang="en-US" dirty="0"/>
+              <a:t>데이터셋을 학습한 모델을 생성한다</a:t>
+            </a:r>
+            <a:r>
+              <a:rPr lang="en-US" altLang="ko-KR" dirty="0"/>
+              <a:t>.</a:t>
+            </a:r>
+          </a:p>
+          <a:p>
+            <a:r>
+              <a:rPr lang="ko-KR" altLang="en-US" dirty="0"/>
+              <a:t>후에</a:t>
+            </a:r>
+            <a:r>
+              <a:rPr lang="en-US" altLang="ko-KR" dirty="0"/>
+              <a:t> TensorFlow Lite Converter</a:t>
+            </a:r>
+            <a:r>
+              <a:rPr lang="ko-KR" altLang="en-US" dirty="0"/>
+              <a:t>를 통해 해당 모델을 </a:t>
+            </a:r>
+            <a:r>
+              <a:rPr lang="en-US" altLang="ko-KR" dirty="0"/>
+              <a:t>TF Lite </a:t>
+            </a:r>
+            <a:r>
+              <a:rPr lang="ko-KR" altLang="en-US" dirty="0"/>
+              <a:t>모델로 변환한다</a:t>
+            </a:r>
+            <a:r>
+              <a:rPr lang="en-US" altLang="ko-KR" dirty="0"/>
+              <a:t>.</a:t>
+            </a:r>
+            <a:endParaRPr lang="ko-KR" altLang="en-US" dirty="0"/>
+          </a:p>
+        </p:txBody>
+      </p:sp>
+      <p:sp>
+        <p:nvSpPr>
+          <p:cNvPr id="4" name="날짜 개체 틀 3">
+            <a:extLst>
+              <a:ext uri="{FF2B5EF4-FFF2-40B4-BE49-F238E27FC236}">
+                <a16:creationId xmlns:a16="http://schemas.microsoft.com/office/drawing/2014/main" id="{A83F68A4-4B04-485D-BE06-841606544AC9}"/>
+              </a:ext>
+            </a:extLst>
+          </p:cNvPr>
+          <p:cNvSpPr>
+            <a:spLocks noGrp="1"/>
+          </p:cNvSpPr>
+          <p:nvPr>
+            <p:ph type="dt" sz="half" idx="10"/>
+          </p:nvPr>
+        </p:nvSpPr>
+        <p:spPr/>
+        <p:txBody>
+          <a:bodyPr/>
+          <a:lstStyle/>
+          <a:p>
+            <a:r>
+              <a:rPr lang="ko-KR" altLang="en-US"/>
+              <a:t>권철현</a:t>
+            </a:r>
+            <a:r>
+              <a:rPr lang="en-US" altLang="ko-KR"/>
+              <a:t>, </a:t>
+            </a:r>
+            <a:r>
+              <a:rPr lang="ko-KR" altLang="en-US"/>
+              <a:t>신재하</a:t>
+            </a:r>
+            <a:endParaRPr lang="ko-KR" altLang="en-US" dirty="0"/>
+          </a:p>
+        </p:txBody>
+      </p:sp>
+      <p:sp>
+        <p:nvSpPr>
+          <p:cNvPr id="5" name="슬라이드 번호 개체 틀 4">
+            <a:extLst>
+              <a:ext uri="{FF2B5EF4-FFF2-40B4-BE49-F238E27FC236}">
+                <a16:creationId xmlns:a16="http://schemas.microsoft.com/office/drawing/2014/main" id="{35CD5C4E-0AE6-44A4-8601-342EB69B4AEA}"/>
+              </a:ext>
+            </a:extLst>
+          </p:cNvPr>
+          <p:cNvSpPr>
+            <a:spLocks noGrp="1"/>
+          </p:cNvSpPr>
+          <p:nvPr>
+            <p:ph type="sldNum" sz="quarter" idx="12"/>
+          </p:nvPr>
+        </p:nvSpPr>
+        <p:spPr/>
+        <p:txBody>
+          <a:bodyPr/>
+          <a:lstStyle/>
+          <a:p>
+            <a:fld id="{5FF72CB3-86FB-4DBB-A7AC-E8F6F3DA156B}" type="slidenum">
+              <a:rPr lang="ko-KR" altLang="en-US" smtClean="0"/>
+              <a:pPr/>
+              <a:t>7</a:t>
+            </a:fld>
+            <a:endParaRPr lang="ko-KR" altLang="en-US" dirty="0"/>
+          </a:p>
+        </p:txBody>
+      </p:sp>
+    </p:spTree>
+    <p:extLst>
+      <p:ext uri="{BB962C8B-B14F-4D97-AF65-F5344CB8AC3E}">
+        <p14:creationId xmlns:p14="http://schemas.microsoft.com/office/powerpoint/2010/main" val="2651341535"/>
+      </p:ext>
+    </p:extLst>
+  </p:cSld>
+  <p:clrMapOvr>
+    <a:masterClrMapping/>
+  </p:clrMapOvr>
+</p:sld>
+</file>
+
+<file path=ppt/slides/slide8.xml><?xml version="1.0" encoding="utf-8"?>
+<p:sld xmlns:a="http://schemas.openxmlformats.org/drawingml/2006/main" xmlns:r="http://schemas.openxmlformats.org/officeDocument/2006/relationships" xmlns:p="http://schemas.openxmlformats.org/presentationml/2006/main">
+  <p:cSld>
+    <p:spTree>
+      <p:nvGrpSpPr>
+        <p:cNvPr id="1" name=""/>
+        <p:cNvGrpSpPr/>
+        <p:nvPr/>
+      </p:nvGrpSpPr>
+      <p:grpSpPr>
+        <a:xfrm>
+          <a:off x="0" y="0"/>
+          <a:ext cx="0" cy="0"/>
+          <a:chOff x="0" y="0"/>
+          <a:chExt cx="0" cy="0"/>
+        </a:xfrm>
+      </p:grpSpPr>
+      <p:sp>
+        <p:nvSpPr>
+          <p:cNvPr id="2" name="제목 1">
+            <a:extLst>
+              <a:ext uri="{FF2B5EF4-FFF2-40B4-BE49-F238E27FC236}">
+                <a16:creationId xmlns:a16="http://schemas.microsoft.com/office/drawing/2014/main" id="{F8564C3E-4568-4BB3-9E91-07295A034010}"/>
+              </a:ext>
+            </a:extLst>
+          </p:cNvPr>
+          <p:cNvSpPr>
+            <a:spLocks noGrp="1"/>
+          </p:cNvSpPr>
+          <p:nvPr>
+            <p:ph type="title"/>
+          </p:nvPr>
+        </p:nvSpPr>
+        <p:spPr/>
+        <p:txBody>
+          <a:bodyPr/>
+          <a:lstStyle/>
+          <a:p>
+            <a:r>
+              <a:rPr lang="en-US" altLang="ko-KR" dirty="0"/>
+              <a:t>Create TF Lite Model </a:t>
+            </a:r>
+            <a:endParaRPr lang="ko-KR" altLang="en-US" dirty="0"/>
+          </a:p>
+        </p:txBody>
+      </p:sp>
+      <p:sp>
+        <p:nvSpPr>
+          <p:cNvPr id="4" name="날짜 개체 틀 3">
+            <a:extLst>
+              <a:ext uri="{FF2B5EF4-FFF2-40B4-BE49-F238E27FC236}">
+                <a16:creationId xmlns:a16="http://schemas.microsoft.com/office/drawing/2014/main" id="{A26E3C41-B548-4F41-AE25-C08C8C225E7E}"/>
+              </a:ext>
+            </a:extLst>
+          </p:cNvPr>
+          <p:cNvSpPr>
+            <a:spLocks noGrp="1"/>
+          </p:cNvSpPr>
+          <p:nvPr>
+            <p:ph type="dt" sz="half" idx="10"/>
+          </p:nvPr>
+        </p:nvSpPr>
+        <p:spPr/>
+        <p:txBody>
+          <a:bodyPr/>
+          <a:lstStyle/>
+          <a:p>
+            <a:r>
+              <a:rPr lang="ko-KR" altLang="en-US"/>
+              <a:t>권철현</a:t>
+            </a:r>
+            <a:r>
+              <a:rPr lang="en-US" altLang="ko-KR"/>
+              <a:t>, </a:t>
+            </a:r>
+            <a:r>
+              <a:rPr lang="ko-KR" altLang="en-US"/>
+              <a:t>신재하</a:t>
+            </a:r>
+            <a:endParaRPr lang="ko-KR" altLang="en-US" dirty="0"/>
+          </a:p>
+        </p:txBody>
+      </p:sp>
+      <p:sp>
+        <p:nvSpPr>
+          <p:cNvPr id="5" name="슬라이드 번호 개체 틀 4">
+            <a:extLst>
+              <a:ext uri="{FF2B5EF4-FFF2-40B4-BE49-F238E27FC236}">
+                <a16:creationId xmlns:a16="http://schemas.microsoft.com/office/drawing/2014/main" id="{4F82F316-3888-4837-A9CB-805C4FF8DDD8}"/>
+              </a:ext>
+            </a:extLst>
+          </p:cNvPr>
+          <p:cNvSpPr>
+            <a:spLocks noGrp="1"/>
+          </p:cNvSpPr>
+          <p:nvPr>
+            <p:ph type="sldNum" sz="quarter" idx="12"/>
+          </p:nvPr>
+        </p:nvSpPr>
+        <p:spPr/>
+        <p:txBody>
+          <a:bodyPr/>
+          <a:lstStyle/>
+          <a:p>
+            <a:fld id="{5FF72CB3-86FB-4DBB-A7AC-E8F6F3DA156B}" type="slidenum">
+              <a:rPr lang="ko-KR" altLang="en-US" smtClean="0"/>
+              <a:pPr/>
+              <a:t>8</a:t>
+            </a:fld>
+            <a:endParaRPr lang="ko-KR" altLang="en-US" dirty="0"/>
+          </a:p>
+        </p:txBody>
+      </p:sp>
+      <p:pic>
+        <p:nvPicPr>
+          <p:cNvPr id="6" name="내용 개체 틀 5">
+            <a:extLst>
+              <a:ext uri="{FF2B5EF4-FFF2-40B4-BE49-F238E27FC236}">
+                <a16:creationId xmlns:a16="http://schemas.microsoft.com/office/drawing/2014/main" id="{D13E7CE9-1941-41E5-AA0F-55222DC882F0}"/>
+              </a:ext>
+            </a:extLst>
+          </p:cNvPr>
+          <p:cNvPicPr>
+            <a:picLocks noGrp="1" noChangeAspect="1"/>
+          </p:cNvPicPr>
+          <p:nvPr>
+            <p:ph idx="1"/>
+          </p:nvPr>
+        </p:nvPicPr>
+        <p:blipFill rotWithShape="1">
+          <a:blip r:embed="rId2"/>
+          <a:srcRect l="2610" t="2540"/>
+          <a:stretch/>
+        </p:blipFill>
+        <p:spPr>
+          <a:xfrm>
+            <a:off x="93738" y="1484141"/>
+            <a:ext cx="7081055" cy="4148517"/>
+          </a:xfrm>
+          <a:prstGeom prst="rect">
+            <a:avLst/>
+          </a:prstGeom>
+        </p:spPr>
+      </p:pic>
+      <p:pic>
+        <p:nvPicPr>
+          <p:cNvPr id="8" name="그림 7">
+            <a:extLst>
+              <a:ext uri="{FF2B5EF4-FFF2-40B4-BE49-F238E27FC236}">
+                <a16:creationId xmlns:a16="http://schemas.microsoft.com/office/drawing/2014/main" id="{47914E14-7324-46CC-A112-158551E58F82}"/>
+              </a:ext>
+            </a:extLst>
+          </p:cNvPr>
+          <p:cNvPicPr>
+            <a:picLocks noChangeAspect="1"/>
+          </p:cNvPicPr>
+          <p:nvPr/>
+        </p:nvPicPr>
+        <p:blipFill>
+          <a:blip r:embed="rId3"/>
+          <a:stretch>
+            <a:fillRect/>
+          </a:stretch>
+        </p:blipFill>
+        <p:spPr>
+          <a:xfrm>
+            <a:off x="6450892" y="4712663"/>
+            <a:ext cx="5552684" cy="1807297"/>
+          </a:xfrm>
+          <a:prstGeom prst="rect">
+            <a:avLst/>
+          </a:prstGeom>
+        </p:spPr>
+      </p:pic>
+    </p:spTree>
+    <p:extLst>
+      <p:ext uri="{BB962C8B-B14F-4D97-AF65-F5344CB8AC3E}">
+        <p14:creationId xmlns:p14="http://schemas.microsoft.com/office/powerpoint/2010/main" val="2913051012"/>
+      </p:ext>
+    </p:extLst>
+  </p:cSld>
+  <p:clrMapOvr>
+    <a:masterClrMapping/>
+  </p:clrMapOvr>
+</p:sld>
+</file>
+
+<file path=ppt/slides/slide9.xml><?xml version="1.0" encoding="utf-8"?>
+<p:sld xmlns:a="http://schemas.openxmlformats.org/drawingml/2006/main" xmlns:r="http://schemas.openxmlformats.org/officeDocument/2006/relationships" xmlns:p="http://schemas.openxmlformats.org/presentationml/2006/main">
+  <p:cSld>
+    <p:spTree>
+      <p:nvGrpSpPr>
+        <p:cNvPr id="1" name=""/>
+        <p:cNvGrpSpPr/>
+        <p:nvPr/>
+      </p:nvGrpSpPr>
+      <p:grpSpPr>
+        <a:xfrm>
+          <a:off x="0" y="0"/>
+          <a:ext cx="0" cy="0"/>
+          <a:chOff x="0" y="0"/>
+          <a:chExt cx="0" cy="0"/>
+        </a:xfrm>
+      </p:grpSpPr>
+      <p:sp>
+        <p:nvSpPr>
+          <p:cNvPr id="2" name="제목 1">
+            <a:extLst>
+              <a:ext uri="{FF2B5EF4-FFF2-40B4-BE49-F238E27FC236}">
+                <a16:creationId xmlns:a16="http://schemas.microsoft.com/office/drawing/2014/main" id="{BA7600F6-91D6-43B1-8E86-AF9B0D174685}"/>
+              </a:ext>
+            </a:extLst>
+          </p:cNvPr>
+          <p:cNvSpPr>
+            <a:spLocks noGrp="1"/>
+          </p:cNvSpPr>
+          <p:nvPr>
+            <p:ph type="title"/>
+          </p:nvPr>
+        </p:nvSpPr>
+        <p:spPr/>
+        <p:txBody>
+          <a:bodyPr/>
+          <a:lstStyle/>
+          <a:p>
+            <a:r>
+              <a:rPr lang="en-US" altLang="ko-KR" dirty="0"/>
+              <a:t>Contents</a:t>
+            </a:r>
+            <a:endParaRPr lang="ko-KR" altLang="en-US" dirty="0"/>
+          </a:p>
+        </p:txBody>
+      </p:sp>
+      <p:sp>
+        <p:nvSpPr>
+          <p:cNvPr id="3" name="내용 개체 틀 2">
+            <a:extLst>
+              <a:ext uri="{FF2B5EF4-FFF2-40B4-BE49-F238E27FC236}">
+                <a16:creationId xmlns:a16="http://schemas.microsoft.com/office/drawing/2014/main" id="{23ABC995-4F08-4C15-8BB0-764CB3314627}"/>
+              </a:ext>
+            </a:extLst>
+          </p:cNvPr>
+          <p:cNvSpPr>
+            <a:spLocks noGrp="1"/>
+          </p:cNvSpPr>
+          <p:nvPr>
+            <p:ph idx="1"/>
+          </p:nvPr>
+        </p:nvSpPr>
+        <p:spPr/>
+        <p:txBody>
+          <a:bodyPr/>
+          <a:lstStyle/>
+          <a:p>
+            <a:r>
+              <a:rPr lang="en-US" altLang="ko-KR" dirty="0">
+                <a:solidFill>
+                  <a:schemeClr val="bg1">
+                    <a:lumMod val="65000"/>
+                  </a:schemeClr>
+                </a:solidFill>
+              </a:rPr>
+              <a:t>TF Lite</a:t>
+            </a:r>
+          </a:p>
+          <a:p>
+            <a:r>
+              <a:rPr lang="en-US" altLang="ko-KR" dirty="0">
+                <a:solidFill>
+                  <a:schemeClr val="bg1">
+                    <a:lumMod val="65000"/>
+                  </a:schemeClr>
+                </a:solidFill>
+              </a:rPr>
+              <a:t>TF</a:t>
+            </a:r>
+            <a:r>
+              <a:rPr lang="ko-KR" altLang="en-US" dirty="0">
+                <a:solidFill>
+                  <a:schemeClr val="bg1">
+                    <a:lumMod val="65000"/>
+                  </a:schemeClr>
+                </a:solidFill>
+              </a:rPr>
+              <a:t> </a:t>
+            </a:r>
+            <a:r>
+              <a:rPr lang="en-US" altLang="ko-KR" dirty="0">
+                <a:solidFill>
+                  <a:schemeClr val="bg1">
+                    <a:lumMod val="65000"/>
+                  </a:schemeClr>
+                </a:solidFill>
+              </a:rPr>
+              <a:t>Lite</a:t>
+            </a:r>
+            <a:r>
+              <a:rPr lang="ko-KR" altLang="en-US" dirty="0">
+                <a:solidFill>
+                  <a:schemeClr val="bg1">
+                    <a:lumMod val="65000"/>
+                  </a:schemeClr>
+                </a:solidFill>
+              </a:rPr>
+              <a:t> 모델 생성</a:t>
+            </a:r>
+            <a:endParaRPr lang="en-US" altLang="ko-KR" dirty="0">
+              <a:solidFill>
+                <a:schemeClr val="bg1">
+                  <a:lumMod val="65000"/>
+                </a:schemeClr>
+              </a:solidFill>
+            </a:endParaRPr>
+          </a:p>
+          <a:p>
+            <a:r>
+              <a:rPr lang="en-US" altLang="ko-KR" dirty="0"/>
+              <a:t>Android application</a:t>
+            </a:r>
+            <a:r>
+              <a:rPr lang="ko-KR" altLang="en-US" dirty="0"/>
+              <a:t>에 모델 적용</a:t>
+            </a:r>
+            <a:endParaRPr lang="en-US" altLang="ko-KR" dirty="0"/>
+          </a:p>
+          <a:p>
+            <a:r>
+              <a:rPr lang="ko-KR" altLang="en-US" dirty="0">
+                <a:solidFill>
+                  <a:schemeClr val="bg1">
+                    <a:lumMod val="65000"/>
+                  </a:schemeClr>
+                </a:solidFill>
+              </a:rPr>
+              <a:t>컴파일 및 추론 실행 </a:t>
+            </a:r>
+          </a:p>
+        </p:txBody>
+      </p:sp>
+      <p:sp>
+        <p:nvSpPr>
+          <p:cNvPr id="4" name="날짜 개체 틀 3">
+            <a:extLst>
+              <a:ext uri="{FF2B5EF4-FFF2-40B4-BE49-F238E27FC236}">
+                <a16:creationId xmlns:a16="http://schemas.microsoft.com/office/drawing/2014/main" id="{CB09D7D2-D349-4009-B4BB-B070367E5265}"/>
+              </a:ext>
+            </a:extLst>
+          </p:cNvPr>
+          <p:cNvSpPr>
+            <a:spLocks noGrp="1"/>
+          </p:cNvSpPr>
+          <p:nvPr>
+            <p:ph type="dt" sz="half" idx="10"/>
+          </p:nvPr>
+        </p:nvSpPr>
+        <p:spPr/>
+        <p:txBody>
+          <a:bodyPr/>
+          <a:lstStyle/>
+          <a:p>
+            <a:r>
+              <a:rPr lang="ko-KR" altLang="en-US"/>
+              <a:t>권철현</a:t>
+            </a:r>
+            <a:r>
+              <a:rPr lang="en-US" altLang="ko-KR"/>
+              <a:t>, </a:t>
+            </a:r>
+            <a:r>
+              <a:rPr lang="ko-KR" altLang="en-US"/>
+              <a:t>신재하</a:t>
+            </a:r>
+            <a:endParaRPr lang="ko-KR" altLang="en-US" dirty="0"/>
+          </a:p>
+        </p:txBody>
+      </p:sp>
+      <p:sp>
+        <p:nvSpPr>
+          <p:cNvPr id="5" name="슬라이드 번호 개체 틀 4">
+            <a:extLst>
+              <a:ext uri="{FF2B5EF4-FFF2-40B4-BE49-F238E27FC236}">
+                <a16:creationId xmlns:a16="http://schemas.microsoft.com/office/drawing/2014/main" id="{B0626CB9-9982-4D7F-A26C-F3F8C0080176}"/>
+              </a:ext>
+            </a:extLst>
+          </p:cNvPr>
+          <p:cNvSpPr>
+            <a:spLocks noGrp="1"/>
+          </p:cNvSpPr>
+          <p:nvPr>
+            <p:ph type="sldNum" sz="quarter" idx="12"/>
+          </p:nvPr>
+        </p:nvSpPr>
+        <p:spPr/>
+        <p:txBody>
+          <a:bodyPr/>
+          <a:lstStyle/>
+          <a:p>
+            <a:fld id="{5FF72CB3-86FB-4DBB-A7AC-E8F6F3DA156B}" type="slidenum">
+              <a:rPr lang="ko-KR" altLang="en-US" smtClean="0"/>
+              <a:pPr/>
+              <a:t>9</a:t>
+            </a:fld>
+            <a:endParaRPr lang="ko-KR" altLang="en-US" dirty="0"/>
+          </a:p>
+        </p:txBody>
+      </p:sp>
+    </p:spTree>
+    <p:extLst>
+      <p:ext uri="{BB962C8B-B14F-4D97-AF65-F5344CB8AC3E}">
+        <p14:creationId xmlns:p14="http://schemas.microsoft.com/office/powerpoint/2010/main" val="1068236446"/>
       </p:ext>
     </p:extLst>
   </p:cSld>

--- a/2022.01.07/TensorFlow Lite Guide.pptx
+++ b/2022.01.07/TensorFlow Lite Guide.pptx
@@ -233,7 +233,7 @@
           <a:p>
             <a:fld id="{AA029DEA-9CF8-4959-9295-B32940863C1C}" type="datetimeFigureOut">
               <a:rPr lang="ko-KR" altLang="en-US" smtClean="0"/>
-              <a:t>2022-01-05</a:t>
+              <a:t>2022-01-06</a:t>
             </a:fld>
             <a:endParaRPr lang="ko-KR" altLang="en-US"/>
           </a:p>
@@ -3785,17 +3785,7 @@
                   </a:schemeClr>
                 </a:solidFill>
               </a:rPr>
-              <a:t>입력 </a:t>
-            </a:r>
-            <a:r>
-              <a:rPr lang="ko-KR" altLang="en-US" dirty="0" err="1">
-                <a:solidFill>
-                  <a:schemeClr val="accent2">
-                    <a:lumMod val="50000"/>
-                  </a:schemeClr>
-                </a:solidFill>
-              </a:rPr>
-              <a:t>전처리</a:t>
+              <a:t>입력 전 처리</a:t>
             </a:r>
             <a:r>
               <a:rPr lang="en-US" altLang="ko-KR" dirty="0"/>
@@ -3887,12 +3877,8 @@
               <a:t> </a:t>
             </a:r>
             <a:r>
-              <a:rPr lang="ko-KR" altLang="en-US" dirty="0" err="1"/>
-              <a:t>전처리된</a:t>
-            </a:r>
-            <a:r>
-              <a:rPr lang="ko-KR" altLang="en-US" dirty="0"/>
-              <a:t> 입력으로 추론을 진행한다</a:t>
+              <a:rPr lang="ko-KR" altLang="en-US" dirty="0"/>
+              <a:t>전 처리된 입력으로 추론을 진행한다</a:t>
             </a:r>
             <a:r>
               <a:rPr lang="en-US" altLang="ko-KR" dirty="0"/>
@@ -6591,7 +6577,9 @@
             </a:r>
           </a:p>
           <a:p>
-            <a:pPr lvl="1"/>
+            <a:pPr marL="311400" lvl="1" indent="0">
+              <a:buNone/>
+            </a:pPr>
             <a:endParaRPr lang="en-US" altLang="ko-KR" dirty="0"/>
           </a:p>
         </p:txBody>
@@ -6992,9 +6980,6 @@
               </a:rPr>
               <a:t>https://colab.research.google.com/github/tensorflow/examples/blob/master/lite/codelabs/digit_classifier/ml/step2_train_ml_model.ipynb</a:t>
             </a:r>
-            <a:endParaRPr lang="en-US" altLang="ko-KR" sz="1400" dirty="0"/>
-          </a:p>
-          <a:p>
             <a:endParaRPr lang="en-US" altLang="ko-KR" dirty="0"/>
           </a:p>
           <a:p>
